--- a/docs/中期答辩.pptx
+++ b/docs/中期答辩.pptx
@@ -5,48 +5,53 @@
     <p:sldMasterId id="2147483648" r:id="rId1"/>
   </p:sldMasterIdLst>
   <p:notesMasterIdLst>
-    <p:notesMasterId r:id="rId13"/>
+    <p:notesMasterId r:id="rId18"/>
   </p:notesMasterIdLst>
   <p:sldIdLst>
     <p:sldId id="301" r:id="rId2"/>
     <p:sldId id="305" r:id="rId3"/>
-    <p:sldId id="311" r:id="rId4"/>
-    <p:sldId id="307" r:id="rId5"/>
-    <p:sldId id="308" r:id="rId6"/>
-    <p:sldId id="309" r:id="rId7"/>
-    <p:sldId id="310" r:id="rId8"/>
-    <p:sldId id="306" r:id="rId9"/>
-    <p:sldId id="303" r:id="rId10"/>
-    <p:sldId id="265" r:id="rId11"/>
-    <p:sldId id="289" r:id="rId12"/>
+    <p:sldId id="313" r:id="rId4"/>
+    <p:sldId id="311" r:id="rId5"/>
+    <p:sldId id="304" r:id="rId6"/>
+    <p:sldId id="314" r:id="rId7"/>
+    <p:sldId id="312" r:id="rId8"/>
+    <p:sldId id="315" r:id="rId9"/>
+    <p:sldId id="316" r:id="rId10"/>
+    <p:sldId id="307" r:id="rId11"/>
+    <p:sldId id="308" r:id="rId12"/>
+    <p:sldId id="309" r:id="rId13"/>
+    <p:sldId id="310" r:id="rId14"/>
+    <p:sldId id="306" r:id="rId15"/>
+    <p:sldId id="303" r:id="rId16"/>
+    <p:sldId id="289" r:id="rId17"/>
   </p:sldIdLst>
   <p:sldSz cx="9144000" cy="5143500" type="screen16x9"/>
   <p:notesSz cx="6858000" cy="9144000"/>
   <p:embeddedFontLst>
     <p:embeddedFont>
       <p:font typeface="方正兰亭细黑_GBK" panose="02010600030101010101" charset="-122"/>
-      <p:regular r:id="rId14"/>
+      <p:regular r:id="rId19"/>
     </p:embeddedFont>
     <p:embeddedFont>
       <p:font typeface="Calibri" panose="020F0502020204030204" pitchFamily="34" charset="0"/>
-      <p:regular r:id="rId15"/>
-      <p:bold r:id="rId16"/>
-      <p:italic r:id="rId17"/>
-      <p:boldItalic r:id="rId18"/>
+      <p:regular r:id="rId20"/>
+      <p:bold r:id="rId21"/>
+      <p:italic r:id="rId22"/>
+      <p:boldItalic r:id="rId23"/>
     </p:embeddedFont>
     <p:embeddedFont>
       <p:font typeface="Impact" panose="020B0806030902050204" pitchFamily="34" charset="0"/>
-      <p:regular r:id="rId19"/>
+      <p:regular r:id="rId24"/>
     </p:embeddedFont>
     <p:embeddedFont>
       <p:font typeface="Microsoft YaHei UI" panose="020B0503020204020204" pitchFamily="34" charset="-122"/>
-      <p:regular r:id="rId20"/>
-      <p:bold r:id="rId21"/>
+      <p:regular r:id="rId25"/>
+      <p:bold r:id="rId26"/>
     </p:embeddedFont>
     <p:embeddedFont>
       <p:font typeface="微软雅黑" panose="020B0503020204020204" pitchFamily="34" charset="-122"/>
-      <p:regular r:id="rId22"/>
-      <p:bold r:id="rId23"/>
+      <p:regular r:id="rId27"/>
+      <p:bold r:id="rId28"/>
     </p:embeddedFont>
   </p:embeddedFontLst>
   <p:defaultTextStyle>
@@ -245,7 +250,7 @@
           <a:p>
             <a:fld id="{E737FD7A-F41B-4FED-8E35-F78DB9F4D037}" type="datetimeFigureOut">
               <a:rPr lang="zh-CN" altLang="en-US" smtClean="0"/>
-              <a:t>2022/4/11</a:t>
+              <a:t>2022/4/12</a:t>
             </a:fld>
             <a:endParaRPr lang="zh-CN" altLang="en-US"/>
           </a:p>
@@ -658,6 +663,11 @@
         </p:txBody>
       </p:sp>
     </p:spTree>
+    <p:extLst>
+      <p:ext uri="{BB962C8B-B14F-4D97-AF65-F5344CB8AC3E}">
+        <p14:creationId xmlns:p14="http://schemas.microsoft.com/office/powerpoint/2010/main" val="1541789963"/>
+      </p:ext>
+    </p:extLst>
   </p:cSld>
   <p:clrMapOvr>
     <a:masterClrMapping/>
@@ -704,15 +714,7 @@
             <p:ph type="body" idx="1"/>
           </p:nvPr>
         </p:nvSpPr>
-        <p:spPr>
-          <a:xfrm>
-            <a:off x="685800" y="4343400"/>
-            <a:ext cx="5486400" cy="4114800"/>
-          </a:xfrm>
-          <a:prstGeom prst="rect">
-            <a:avLst/>
-          </a:prstGeom>
-        </p:spPr>
+        <p:spPr/>
         <p:txBody>
           <a:bodyPr/>
           <a:lstStyle/>
@@ -736,9 +738,437 @@
           <a:bodyPr/>
           <a:lstStyle/>
           <a:p>
+            <a:fld id="{A8537CBA-0E44-4282-A4F0-C3BCC1A4C2D1}" type="slidenum">
+              <a:rPr lang="zh-CN" altLang="en-US" smtClean="0"/>
+              <a:t>11</a:t>
+            </a:fld>
+            <a:endParaRPr lang="zh-CN" altLang="en-US"/>
+          </a:p>
+        </p:txBody>
+      </p:sp>
+    </p:spTree>
+    <p:extLst>
+      <p:ext uri="{BB962C8B-B14F-4D97-AF65-F5344CB8AC3E}">
+        <p14:creationId xmlns:p14="http://schemas.microsoft.com/office/powerpoint/2010/main" val="4168007310"/>
+      </p:ext>
+    </p:extLst>
+  </p:cSld>
+  <p:clrMapOvr>
+    <a:masterClrMapping/>
+  </p:clrMapOvr>
+</p:notes>
+</file>
+
+<file path=ppt/notesSlides/notesSlide12.xml><?xml version="1.0" encoding="utf-8"?>
+<p:notes xmlns:a="http://schemas.openxmlformats.org/drawingml/2006/main" xmlns:r="http://schemas.openxmlformats.org/officeDocument/2006/relationships" xmlns:p="http://schemas.openxmlformats.org/presentationml/2006/main">
+  <p:cSld>
+    <p:spTree>
+      <p:nvGrpSpPr>
+        <p:cNvPr id="1" name=""/>
+        <p:cNvGrpSpPr/>
+        <p:nvPr/>
+      </p:nvGrpSpPr>
+      <p:grpSpPr>
+        <a:xfrm>
+          <a:off x="0" y="0"/>
+          <a:ext cx="0" cy="0"/>
+          <a:chOff x="0" y="0"/>
+          <a:chExt cx="0" cy="0"/>
+        </a:xfrm>
+      </p:grpSpPr>
+      <p:sp>
+        <p:nvSpPr>
+          <p:cNvPr id="2" name="幻灯片图像占位符 1"/>
+          <p:cNvSpPr>
+            <a:spLocks noGrp="1" noRot="1" noChangeAspect="1"/>
+          </p:cNvSpPr>
+          <p:nvPr>
+            <p:ph type="sldImg"/>
+          </p:nvPr>
+        </p:nvSpPr>
+        <p:spPr/>
+      </p:sp>
+      <p:sp>
+        <p:nvSpPr>
+          <p:cNvPr id="3" name="备注占位符 2"/>
+          <p:cNvSpPr>
+            <a:spLocks noGrp="1"/>
+          </p:cNvSpPr>
+          <p:nvPr>
+            <p:ph type="body" idx="1"/>
+          </p:nvPr>
+        </p:nvSpPr>
+        <p:spPr/>
+        <p:txBody>
+          <a:bodyPr/>
+          <a:lstStyle/>
+          <a:p>
+            <a:endParaRPr lang="zh-CN" altLang="en-US"/>
+          </a:p>
+        </p:txBody>
+      </p:sp>
+      <p:sp>
+        <p:nvSpPr>
+          <p:cNvPr id="4" name="灯片编号占位符 3"/>
+          <p:cNvSpPr>
+            <a:spLocks noGrp="1"/>
+          </p:cNvSpPr>
+          <p:nvPr>
+            <p:ph type="sldNum" sz="quarter" idx="10"/>
+          </p:nvPr>
+        </p:nvSpPr>
+        <p:spPr/>
+        <p:txBody>
+          <a:bodyPr/>
+          <a:lstStyle/>
+          <a:p>
+            <a:fld id="{A8537CBA-0E44-4282-A4F0-C3BCC1A4C2D1}" type="slidenum">
+              <a:rPr lang="zh-CN" altLang="en-US" smtClean="0"/>
+              <a:t>12</a:t>
+            </a:fld>
+            <a:endParaRPr lang="zh-CN" altLang="en-US"/>
+          </a:p>
+        </p:txBody>
+      </p:sp>
+    </p:spTree>
+    <p:extLst>
+      <p:ext uri="{BB962C8B-B14F-4D97-AF65-F5344CB8AC3E}">
+        <p14:creationId xmlns:p14="http://schemas.microsoft.com/office/powerpoint/2010/main" val="3683949163"/>
+      </p:ext>
+    </p:extLst>
+  </p:cSld>
+  <p:clrMapOvr>
+    <a:masterClrMapping/>
+  </p:clrMapOvr>
+</p:notes>
+</file>
+
+<file path=ppt/notesSlides/notesSlide13.xml><?xml version="1.0" encoding="utf-8"?>
+<p:notes xmlns:a="http://schemas.openxmlformats.org/drawingml/2006/main" xmlns:r="http://schemas.openxmlformats.org/officeDocument/2006/relationships" xmlns:p="http://schemas.openxmlformats.org/presentationml/2006/main">
+  <p:cSld>
+    <p:spTree>
+      <p:nvGrpSpPr>
+        <p:cNvPr id="1" name=""/>
+        <p:cNvGrpSpPr/>
+        <p:nvPr/>
+      </p:nvGrpSpPr>
+      <p:grpSpPr>
+        <a:xfrm>
+          <a:off x="0" y="0"/>
+          <a:ext cx="0" cy="0"/>
+          <a:chOff x="0" y="0"/>
+          <a:chExt cx="0" cy="0"/>
+        </a:xfrm>
+      </p:grpSpPr>
+      <p:sp>
+        <p:nvSpPr>
+          <p:cNvPr id="2" name="幻灯片图像占位符 1"/>
+          <p:cNvSpPr>
+            <a:spLocks noGrp="1" noRot="1" noChangeAspect="1"/>
+          </p:cNvSpPr>
+          <p:nvPr>
+            <p:ph type="sldImg"/>
+          </p:nvPr>
+        </p:nvSpPr>
+        <p:spPr/>
+      </p:sp>
+      <p:sp>
+        <p:nvSpPr>
+          <p:cNvPr id="3" name="备注占位符 2"/>
+          <p:cNvSpPr>
+            <a:spLocks noGrp="1"/>
+          </p:cNvSpPr>
+          <p:nvPr>
+            <p:ph type="body" idx="1"/>
+          </p:nvPr>
+        </p:nvSpPr>
+        <p:spPr/>
+        <p:txBody>
+          <a:bodyPr/>
+          <a:lstStyle/>
+          <a:p>
+            <a:endParaRPr lang="zh-CN" altLang="en-US"/>
+          </a:p>
+        </p:txBody>
+      </p:sp>
+      <p:sp>
+        <p:nvSpPr>
+          <p:cNvPr id="4" name="灯片编号占位符 3"/>
+          <p:cNvSpPr>
+            <a:spLocks noGrp="1"/>
+          </p:cNvSpPr>
+          <p:nvPr>
+            <p:ph type="sldNum" sz="quarter" idx="10"/>
+          </p:nvPr>
+        </p:nvSpPr>
+        <p:spPr/>
+        <p:txBody>
+          <a:bodyPr/>
+          <a:lstStyle/>
+          <a:p>
+            <a:fld id="{A8537CBA-0E44-4282-A4F0-C3BCC1A4C2D1}" type="slidenum">
+              <a:rPr lang="zh-CN" altLang="en-US" smtClean="0"/>
+              <a:t>13</a:t>
+            </a:fld>
+            <a:endParaRPr lang="zh-CN" altLang="en-US"/>
+          </a:p>
+        </p:txBody>
+      </p:sp>
+    </p:spTree>
+    <p:extLst>
+      <p:ext uri="{BB962C8B-B14F-4D97-AF65-F5344CB8AC3E}">
+        <p14:creationId xmlns:p14="http://schemas.microsoft.com/office/powerpoint/2010/main" val="3080595833"/>
+      </p:ext>
+    </p:extLst>
+  </p:cSld>
+  <p:clrMapOvr>
+    <a:masterClrMapping/>
+  </p:clrMapOvr>
+</p:notes>
+</file>
+
+<file path=ppt/notesSlides/notesSlide14.xml><?xml version="1.0" encoding="utf-8"?>
+<p:notes xmlns:a="http://schemas.openxmlformats.org/drawingml/2006/main" xmlns:r="http://schemas.openxmlformats.org/officeDocument/2006/relationships" xmlns:p="http://schemas.openxmlformats.org/presentationml/2006/main">
+  <p:cSld>
+    <p:spTree>
+      <p:nvGrpSpPr>
+        <p:cNvPr id="1" name=""/>
+        <p:cNvGrpSpPr/>
+        <p:nvPr/>
+      </p:nvGrpSpPr>
+      <p:grpSpPr>
+        <a:xfrm>
+          <a:off x="0" y="0"/>
+          <a:ext cx="0" cy="0"/>
+          <a:chOff x="0" y="0"/>
+          <a:chExt cx="0" cy="0"/>
+        </a:xfrm>
+      </p:grpSpPr>
+      <p:sp>
+        <p:nvSpPr>
+          <p:cNvPr id="2" name="幻灯片图像占位符 1"/>
+          <p:cNvSpPr>
+            <a:spLocks noGrp="1" noRot="1" noChangeAspect="1"/>
+          </p:cNvSpPr>
+          <p:nvPr>
+            <p:ph type="sldImg"/>
+          </p:nvPr>
+        </p:nvSpPr>
+        <p:spPr/>
+      </p:sp>
+      <p:sp>
+        <p:nvSpPr>
+          <p:cNvPr id="3" name="备注占位符 2"/>
+          <p:cNvSpPr>
+            <a:spLocks noGrp="1"/>
+          </p:cNvSpPr>
+          <p:nvPr>
+            <p:ph type="body" idx="1"/>
+          </p:nvPr>
+        </p:nvSpPr>
+        <p:spPr/>
+        <p:txBody>
+          <a:bodyPr/>
+          <a:lstStyle/>
+          <a:p>
+            <a:endParaRPr lang="zh-CN" altLang="en-US"/>
+          </a:p>
+        </p:txBody>
+      </p:sp>
+      <p:sp>
+        <p:nvSpPr>
+          <p:cNvPr id="4" name="灯片编号占位符 3"/>
+          <p:cNvSpPr>
+            <a:spLocks noGrp="1"/>
+          </p:cNvSpPr>
+          <p:nvPr>
+            <p:ph type="sldNum" sz="quarter" idx="10"/>
+          </p:nvPr>
+        </p:nvSpPr>
+        <p:spPr/>
+        <p:txBody>
+          <a:bodyPr/>
+          <a:lstStyle/>
+          <a:p>
+            <a:fld id="{A8537CBA-0E44-4282-A4F0-C3BCC1A4C2D1}" type="slidenum">
+              <a:rPr lang="zh-CN" altLang="en-US" smtClean="0"/>
+              <a:t>14</a:t>
+            </a:fld>
+            <a:endParaRPr lang="zh-CN" altLang="en-US"/>
+          </a:p>
+        </p:txBody>
+      </p:sp>
+    </p:spTree>
+    <p:extLst>
+      <p:ext uri="{BB962C8B-B14F-4D97-AF65-F5344CB8AC3E}">
+        <p14:creationId xmlns:p14="http://schemas.microsoft.com/office/powerpoint/2010/main" val="965651819"/>
+      </p:ext>
+    </p:extLst>
+  </p:cSld>
+  <p:clrMapOvr>
+    <a:masterClrMapping/>
+  </p:clrMapOvr>
+</p:notes>
+</file>
+
+<file path=ppt/notesSlides/notesSlide15.xml><?xml version="1.0" encoding="utf-8"?>
+<p:notes xmlns:a="http://schemas.openxmlformats.org/drawingml/2006/main" xmlns:r="http://schemas.openxmlformats.org/officeDocument/2006/relationships" xmlns:p="http://schemas.openxmlformats.org/presentationml/2006/main">
+  <p:cSld>
+    <p:spTree>
+      <p:nvGrpSpPr>
+        <p:cNvPr id="1" name=""/>
+        <p:cNvGrpSpPr/>
+        <p:nvPr/>
+      </p:nvGrpSpPr>
+      <p:grpSpPr>
+        <a:xfrm>
+          <a:off x="0" y="0"/>
+          <a:ext cx="0" cy="0"/>
+          <a:chOff x="0" y="0"/>
+          <a:chExt cx="0" cy="0"/>
+        </a:xfrm>
+      </p:grpSpPr>
+      <p:sp>
+        <p:nvSpPr>
+          <p:cNvPr id="2" name="幻灯片图像占位符 1"/>
+          <p:cNvSpPr>
+            <a:spLocks noGrp="1" noRot="1" noChangeAspect="1"/>
+          </p:cNvSpPr>
+          <p:nvPr>
+            <p:ph type="sldImg"/>
+          </p:nvPr>
+        </p:nvSpPr>
+        <p:spPr/>
+      </p:sp>
+      <p:sp>
+        <p:nvSpPr>
+          <p:cNvPr id="3" name="备注占位符 2"/>
+          <p:cNvSpPr>
+            <a:spLocks noGrp="1"/>
+          </p:cNvSpPr>
+          <p:nvPr>
+            <p:ph type="body" idx="1"/>
+          </p:nvPr>
+        </p:nvSpPr>
+        <p:spPr/>
+        <p:txBody>
+          <a:bodyPr/>
+          <a:lstStyle/>
+          <a:p>
+            <a:endParaRPr lang="zh-CN" altLang="en-US" dirty="0"/>
+          </a:p>
+        </p:txBody>
+      </p:sp>
+      <p:sp>
+        <p:nvSpPr>
+          <p:cNvPr id="4" name="灯片编号占位符 3"/>
+          <p:cNvSpPr>
+            <a:spLocks noGrp="1"/>
+          </p:cNvSpPr>
+          <p:nvPr>
+            <p:ph type="sldNum" sz="quarter" idx="10"/>
+          </p:nvPr>
+        </p:nvSpPr>
+        <p:spPr/>
+        <p:txBody>
+          <a:bodyPr/>
+          <a:lstStyle/>
+          <a:p>
+            <a:fld id="{A8537CBA-0E44-4282-A4F0-C3BCC1A4C2D1}" type="slidenum">
+              <a:rPr lang="zh-CN" altLang="en-US" smtClean="0"/>
+              <a:t>15</a:t>
+            </a:fld>
+            <a:endParaRPr lang="zh-CN" altLang="en-US"/>
+          </a:p>
+        </p:txBody>
+      </p:sp>
+    </p:spTree>
+    <p:extLst>
+      <p:ext uri="{BB962C8B-B14F-4D97-AF65-F5344CB8AC3E}">
+        <p14:creationId xmlns:p14="http://schemas.microsoft.com/office/powerpoint/2010/main" val="474222260"/>
+      </p:ext>
+    </p:extLst>
+  </p:cSld>
+  <p:clrMapOvr>
+    <a:masterClrMapping/>
+  </p:clrMapOvr>
+</p:notes>
+</file>
+
+<file path=ppt/notesSlides/notesSlide16.xml><?xml version="1.0" encoding="utf-8"?>
+<p:notes xmlns:a="http://schemas.openxmlformats.org/drawingml/2006/main" xmlns:r="http://schemas.openxmlformats.org/officeDocument/2006/relationships" xmlns:p="http://schemas.openxmlformats.org/presentationml/2006/main">
+  <p:cSld>
+    <p:spTree>
+      <p:nvGrpSpPr>
+        <p:cNvPr id="1" name=""/>
+        <p:cNvGrpSpPr/>
+        <p:nvPr/>
+      </p:nvGrpSpPr>
+      <p:grpSpPr>
+        <a:xfrm>
+          <a:off x="0" y="0"/>
+          <a:ext cx="0" cy="0"/>
+          <a:chOff x="0" y="0"/>
+          <a:chExt cx="0" cy="0"/>
+        </a:xfrm>
+      </p:grpSpPr>
+      <p:sp>
+        <p:nvSpPr>
+          <p:cNvPr id="2" name="幻灯片图像占位符 1"/>
+          <p:cNvSpPr>
+            <a:spLocks noGrp="1" noRot="1" noChangeAspect="1"/>
+          </p:cNvSpPr>
+          <p:nvPr>
+            <p:ph type="sldImg"/>
+          </p:nvPr>
+        </p:nvSpPr>
+        <p:spPr/>
+      </p:sp>
+      <p:sp>
+        <p:nvSpPr>
+          <p:cNvPr id="3" name="备注占位符 2"/>
+          <p:cNvSpPr>
+            <a:spLocks noGrp="1"/>
+          </p:cNvSpPr>
+          <p:nvPr>
+            <p:ph type="body" idx="1"/>
+          </p:nvPr>
+        </p:nvSpPr>
+        <p:spPr>
+          <a:xfrm>
+            <a:off x="685800" y="4343400"/>
+            <a:ext cx="5486400" cy="4114800"/>
+          </a:xfrm>
+          <a:prstGeom prst="rect">
+            <a:avLst/>
+          </a:prstGeom>
+        </p:spPr>
+        <p:txBody>
+          <a:bodyPr/>
+          <a:lstStyle/>
+          <a:p>
+            <a:endParaRPr lang="zh-CN" altLang="en-US"/>
+          </a:p>
+        </p:txBody>
+      </p:sp>
+      <p:sp>
+        <p:nvSpPr>
+          <p:cNvPr id="4" name="灯片编号占位符 3"/>
+          <p:cNvSpPr>
+            <a:spLocks noGrp="1"/>
+          </p:cNvSpPr>
+          <p:nvPr>
+            <p:ph type="sldNum" sz="quarter" idx="10"/>
+          </p:nvPr>
+        </p:nvSpPr>
+        <p:spPr/>
+        <p:txBody>
+          <a:bodyPr/>
+          <a:lstStyle/>
+          <a:p>
             <a:fld id="{4A4E2E4E-2FFD-4B0E-BE9C-FA7BDC09154E}" type="slidenum">
               <a:rPr lang="zh-CN" altLang="en-US" smtClean="0"/>
-              <a:t>11</a:t>
+              <a:t>16</a:t>
             </a:fld>
             <a:endParaRPr lang="zh-CN" altLang="en-US"/>
           </a:p>
@@ -910,7 +1340,7 @@
     </p:spTree>
     <p:extLst>
       <p:ext uri="{BB962C8B-B14F-4D97-AF65-F5344CB8AC3E}">
-        <p14:creationId xmlns:p14="http://schemas.microsoft.com/office/powerpoint/2010/main" val="3249122823"/>
+        <p14:creationId xmlns:p14="http://schemas.microsoft.com/office/powerpoint/2010/main" val="1542551462"/>
       </p:ext>
     </p:extLst>
   </p:cSld>
@@ -994,7 +1424,7 @@
     </p:spTree>
     <p:extLst>
       <p:ext uri="{BB962C8B-B14F-4D97-AF65-F5344CB8AC3E}">
-        <p14:creationId xmlns:p14="http://schemas.microsoft.com/office/powerpoint/2010/main" val="1541789963"/>
+        <p14:creationId xmlns:p14="http://schemas.microsoft.com/office/powerpoint/2010/main" val="3249122823"/>
       </p:ext>
     </p:extLst>
   </p:cSld>
@@ -1067,18 +1497,18 @@
           <a:bodyPr/>
           <a:lstStyle/>
           <a:p>
-            <a:fld id="{A8537CBA-0E44-4282-A4F0-C3BCC1A4C2D1}" type="slidenum">
+            <a:fld id="{A11FC198-2D83-4DFC-8CDD-7D23AF44D411}" type="slidenum">
               <a:rPr lang="zh-CN" altLang="en-US" smtClean="0"/>
               <a:t>5</a:t>
             </a:fld>
-            <a:endParaRPr lang="zh-CN" altLang="en-US"/>
+            <a:endParaRPr lang="zh-CN" altLang="en-US" dirty="0"/>
           </a:p>
         </p:txBody>
       </p:sp>
     </p:spTree>
     <p:extLst>
       <p:ext uri="{BB962C8B-B14F-4D97-AF65-F5344CB8AC3E}">
-        <p14:creationId xmlns:p14="http://schemas.microsoft.com/office/powerpoint/2010/main" val="4168007310"/>
+        <p14:creationId xmlns:p14="http://schemas.microsoft.com/office/powerpoint/2010/main" val="3761397681"/>
       </p:ext>
     </p:extLst>
   </p:cSld>
@@ -1162,7 +1592,7 @@
     </p:spTree>
     <p:extLst>
       <p:ext uri="{BB962C8B-B14F-4D97-AF65-F5344CB8AC3E}">
-        <p14:creationId xmlns:p14="http://schemas.microsoft.com/office/powerpoint/2010/main" val="3683949163"/>
+        <p14:creationId xmlns:p14="http://schemas.microsoft.com/office/powerpoint/2010/main" val="4285070557"/>
       </p:ext>
     </p:extLst>
   </p:cSld>
@@ -1246,7 +1676,7 @@
     </p:spTree>
     <p:extLst>
       <p:ext uri="{BB962C8B-B14F-4D97-AF65-F5344CB8AC3E}">
-        <p14:creationId xmlns:p14="http://schemas.microsoft.com/office/powerpoint/2010/main" val="3080595833"/>
+        <p14:creationId xmlns:p14="http://schemas.microsoft.com/office/powerpoint/2010/main" val="2323765406"/>
       </p:ext>
     </p:extLst>
   </p:cSld>
@@ -1300,7 +1730,7 @@
           <a:bodyPr/>
           <a:lstStyle/>
           <a:p>
-            <a:endParaRPr lang="zh-CN" altLang="en-US"/>
+            <a:endParaRPr lang="zh-CN" altLang="en-US" dirty="0"/>
           </a:p>
         </p:txBody>
       </p:sp>
@@ -1330,7 +1760,7 @@
     </p:spTree>
     <p:extLst>
       <p:ext uri="{BB962C8B-B14F-4D97-AF65-F5344CB8AC3E}">
-        <p14:creationId xmlns:p14="http://schemas.microsoft.com/office/powerpoint/2010/main" val="965651819"/>
+        <p14:creationId xmlns:p14="http://schemas.microsoft.com/office/powerpoint/2010/main" val="3282345436"/>
       </p:ext>
     </p:extLst>
   </p:cSld>
@@ -1384,7 +1814,7 @@
           <a:bodyPr/>
           <a:lstStyle/>
           <a:p>
-            <a:endParaRPr lang="zh-CN" altLang="en-US" dirty="0"/>
+            <a:endParaRPr lang="zh-CN" altLang="en-US"/>
           </a:p>
         </p:txBody>
       </p:sp>
@@ -1414,7 +1844,7 @@
     </p:spTree>
     <p:extLst>
       <p:ext uri="{BB962C8B-B14F-4D97-AF65-F5344CB8AC3E}">
-        <p14:creationId xmlns:p14="http://schemas.microsoft.com/office/powerpoint/2010/main" val="474222260"/>
+        <p14:creationId xmlns:p14="http://schemas.microsoft.com/office/powerpoint/2010/main" val="4104430620"/>
       </p:ext>
     </p:extLst>
   </p:cSld>
@@ -1603,7 +2033,7 @@
           <a:p>
             <a:fld id="{421E9E4D-0BE1-4AAA-A57B-DA425863F4AF}" type="datetimeFigureOut">
               <a:rPr lang="zh-CN" altLang="en-US" smtClean="0"/>
-              <a:t>2022/4/11</a:t>
+              <a:t>2022/4/12</a:t>
             </a:fld>
             <a:endParaRPr lang="zh-CN" altLang="en-US"/>
           </a:p>
@@ -1769,7 +2199,7 @@
           <a:p>
             <a:fld id="{421E9E4D-0BE1-4AAA-A57B-DA425863F4AF}" type="datetimeFigureOut">
               <a:rPr lang="zh-CN" altLang="en-US" smtClean="0"/>
-              <a:t>2022/4/11</a:t>
+              <a:t>2022/4/12</a:t>
             </a:fld>
             <a:endParaRPr lang="zh-CN" altLang="en-US"/>
           </a:p>
@@ -1945,7 +2375,7 @@
           <a:p>
             <a:fld id="{421E9E4D-0BE1-4AAA-A57B-DA425863F4AF}" type="datetimeFigureOut">
               <a:rPr lang="zh-CN" altLang="en-US" smtClean="0"/>
-              <a:t>2022/4/11</a:t>
+              <a:t>2022/4/12</a:t>
             </a:fld>
             <a:endParaRPr lang="zh-CN" altLang="en-US"/>
           </a:p>
@@ -2471,7 +2901,7 @@
           <a:p>
             <a:fld id="{421E9E4D-0BE1-4AAA-A57B-DA425863F4AF}" type="datetimeFigureOut">
               <a:rPr lang="zh-CN" altLang="en-US" smtClean="0"/>
-              <a:t>2022/4/11</a:t>
+              <a:t>2022/4/12</a:t>
             </a:fld>
             <a:endParaRPr lang="zh-CN" altLang="en-US"/>
           </a:p>
@@ -2714,7 +3144,7 @@
           <a:p>
             <a:fld id="{421E9E4D-0BE1-4AAA-A57B-DA425863F4AF}" type="datetimeFigureOut">
               <a:rPr lang="zh-CN" altLang="en-US" smtClean="0"/>
-              <a:t>2022/4/11</a:t>
+              <a:t>2022/4/12</a:t>
             </a:fld>
             <a:endParaRPr lang="zh-CN" altLang="en-US"/>
           </a:p>
@@ -2997,7 +3427,7 @@
           <a:p>
             <a:fld id="{421E9E4D-0BE1-4AAA-A57B-DA425863F4AF}" type="datetimeFigureOut">
               <a:rPr lang="zh-CN" altLang="en-US" smtClean="0"/>
-              <a:t>2022/4/11</a:t>
+              <a:t>2022/4/12</a:t>
             </a:fld>
             <a:endParaRPr lang="zh-CN" altLang="en-US"/>
           </a:p>
@@ -3419,7 +3849,7 @@
           <a:p>
             <a:fld id="{421E9E4D-0BE1-4AAA-A57B-DA425863F4AF}" type="datetimeFigureOut">
               <a:rPr lang="zh-CN" altLang="en-US" smtClean="0"/>
-              <a:t>2022/4/11</a:t>
+              <a:t>2022/4/12</a:t>
             </a:fld>
             <a:endParaRPr lang="zh-CN" altLang="en-US"/>
           </a:p>
@@ -3534,7 +3964,7 @@
           <a:p>
             <a:fld id="{421E9E4D-0BE1-4AAA-A57B-DA425863F4AF}" type="datetimeFigureOut">
               <a:rPr lang="zh-CN" altLang="en-US" smtClean="0"/>
-              <a:t>2022/4/11</a:t>
+              <a:t>2022/4/12</a:t>
             </a:fld>
             <a:endParaRPr lang="zh-CN" altLang="en-US"/>
           </a:p>
@@ -3627,7 +4057,7 @@
           <a:p>
             <a:fld id="{421E9E4D-0BE1-4AAA-A57B-DA425863F4AF}" type="datetimeFigureOut">
               <a:rPr lang="zh-CN" altLang="en-US" smtClean="0"/>
-              <a:t>2022/4/11</a:t>
+              <a:t>2022/4/12</a:t>
             </a:fld>
             <a:endParaRPr lang="zh-CN" altLang="en-US"/>
           </a:p>
@@ -3900,7 +4330,7 @@
           <a:p>
             <a:fld id="{421E9E4D-0BE1-4AAA-A57B-DA425863F4AF}" type="datetimeFigureOut">
               <a:rPr lang="zh-CN" altLang="en-US" smtClean="0"/>
-              <a:t>2022/4/11</a:t>
+              <a:t>2022/4/12</a:t>
             </a:fld>
             <a:endParaRPr lang="zh-CN" altLang="en-US"/>
           </a:p>
@@ -4150,7 +4580,7 @@
           <a:p>
             <a:fld id="{421E9E4D-0BE1-4AAA-A57B-DA425863F4AF}" type="datetimeFigureOut">
               <a:rPr lang="zh-CN" altLang="en-US" smtClean="0"/>
-              <a:t>2022/4/11</a:t>
+              <a:t>2022/4/12</a:t>
             </a:fld>
             <a:endParaRPr lang="zh-CN" altLang="en-US"/>
           </a:p>
@@ -4368,7 +4798,7 @@
           <a:p>
             <a:fld id="{421E9E4D-0BE1-4AAA-A57B-DA425863F4AF}" type="datetimeFigureOut">
               <a:rPr lang="zh-CN" altLang="en-US" smtClean="0"/>
-              <a:t>2022/4/11</a:t>
+              <a:t>2022/4/12</a:t>
             </a:fld>
             <a:endParaRPr lang="zh-CN" altLang="en-US"/>
           </a:p>
@@ -5203,7 +5633,7 @@
         <p:spPr>
           <a:xfrm>
             <a:off x="908957" y="206330"/>
-            <a:ext cx="2544286" cy="400110"/>
+            <a:ext cx="1364476" cy="400110"/>
           </a:xfrm>
           <a:prstGeom prst="rect">
             <a:avLst/>
@@ -5221,17 +5651,53 @@
                 <a:latin typeface="微软雅黑" panose="020B0503020204020204" pitchFamily="34" charset="-122"/>
                 <a:ea typeface="微软雅黑" panose="020B0503020204020204" pitchFamily="34" charset="-122"/>
               </a:rPr>
-              <a:t>工作中遇到的问题</a:t>
-            </a:r>
-          </a:p>
-        </p:txBody>
-      </p:sp>
-      <p:sp>
-        <p:nvSpPr>
-          <p:cNvPr id="31" name="文本框 30">
+              <a:t>业务流程</a:t>
+            </a:r>
+          </a:p>
+        </p:txBody>
+      </p:sp>
+      <p:pic>
+        <p:nvPicPr>
+          <p:cNvPr id="3" name="图片 2">
             <a:extLst>
               <a:ext uri="{FF2B5EF4-FFF2-40B4-BE49-F238E27FC236}">
-                <a16:creationId xmlns:a16="http://schemas.microsoft.com/office/drawing/2014/main" id="{48876416-1465-4D04-A670-7CD277728814}"/>
+                <a16:creationId xmlns:a16="http://schemas.microsoft.com/office/drawing/2014/main" id="{4C31F822-9D0C-4254-B55E-FAEC53D382B7}"/>
+              </a:ext>
+            </a:extLst>
+          </p:cNvPr>
+          <p:cNvPicPr>
+            <a:picLocks noChangeAspect="1"/>
+          </p:cNvPicPr>
+          <p:nvPr/>
+        </p:nvPicPr>
+        <p:blipFill>
+          <a:blip r:embed="rId4" cstate="print">
+            <a:extLst>
+              <a:ext uri="{28A0092B-C50C-407E-A947-70E740481C1C}">
+                <a14:useLocalDpi xmlns:a14="http://schemas.microsoft.com/office/drawing/2010/main" val="0"/>
+              </a:ext>
+            </a:extLst>
+          </a:blip>
+          <a:stretch>
+            <a:fillRect/>
+          </a:stretch>
+        </p:blipFill>
+        <p:spPr>
+          <a:xfrm>
+            <a:off x="4387019" y="731260"/>
+            <a:ext cx="4241724" cy="4212594"/>
+          </a:xfrm>
+          <a:prstGeom prst="rect">
+            <a:avLst/>
+          </a:prstGeom>
+        </p:spPr>
+      </p:pic>
+      <p:sp>
+        <p:nvSpPr>
+          <p:cNvPr id="10" name="文本框 9">
+            <a:extLst>
+              <a:ext uri="{FF2B5EF4-FFF2-40B4-BE49-F238E27FC236}">
+                <a16:creationId xmlns:a16="http://schemas.microsoft.com/office/drawing/2014/main" id="{543B84AB-EEE5-43EA-9523-8E66B66BEDDE}"/>
               </a:ext>
             </a:extLst>
           </p:cNvPr>
@@ -5240,8 +5706,8 @@
         </p:nvSpPr>
         <p:spPr>
           <a:xfrm>
-            <a:off x="784268" y="1296410"/>
-            <a:ext cx="7480091" cy="2953373"/>
+            <a:off x="362368" y="1297970"/>
+            <a:ext cx="3909848" cy="1291379"/>
           </a:xfrm>
           <a:prstGeom prst="rect">
             <a:avLst/>
@@ -5260,17 +5726,83 @@
               </a:lnSpc>
             </a:pPr>
             <a:r>
-              <a:rPr lang="zh-CN" altLang="en-US" dirty="0">
-                <a:latin typeface="Microsoft YaHei UI" panose="020B0503020204020204" pitchFamily="34" charset="-122"/>
-                <a:ea typeface="Microsoft YaHei UI" panose="020B0503020204020204" pitchFamily="34" charset="-122"/>
+              <a:rPr lang="zh-CN" altLang="zh-CN" sz="1800" kern="100" dirty="0">
+                <a:effectLst/>
+                <a:ea typeface="宋体" panose="02010600030101010101" pitchFamily="2" charset="-122"/>
+                <a:cs typeface="Times New Roman" panose="02020603050405020304" pitchFamily="18" charset="0"/>
               </a:rPr>
-              <a:t>程序开发部分</a:t>
-            </a:r>
-            <a:endParaRPr lang="en-US" altLang="zh-CN" dirty="0">
-              <a:latin typeface="Microsoft YaHei UI" panose="020B0503020204020204" pitchFamily="34" charset="-122"/>
-              <a:ea typeface="Microsoft YaHei UI" panose="020B0503020204020204" pitchFamily="34" charset="-122"/>
-            </a:endParaRPr>
-          </a:p>
+              <a:t>基于</a:t>
+            </a:r>
+            <a:r>
+              <a:rPr lang="en-US" altLang="zh-CN" sz="1800" kern="100" dirty="0">
+                <a:effectLst/>
+                <a:ea typeface="宋体" panose="02010600030101010101" pitchFamily="2" charset="-122"/>
+                <a:cs typeface="Times New Roman" panose="02020603050405020304" pitchFamily="18" charset="0"/>
+              </a:rPr>
+              <a:t>token</a:t>
+            </a:r>
+            <a:r>
+              <a:rPr lang="zh-CN" altLang="zh-CN" sz="1800" kern="100" dirty="0">
+                <a:effectLst/>
+                <a:ea typeface="宋体" panose="02010600030101010101" pitchFamily="2" charset="-122"/>
+                <a:cs typeface="Times New Roman" panose="02020603050405020304" pitchFamily="18" charset="0"/>
+              </a:rPr>
+              <a:t>的鉴权机制类似于</a:t>
+            </a:r>
+            <a:r>
+              <a:rPr lang="en-US" altLang="zh-CN" sz="1800" kern="100" dirty="0">
+                <a:effectLst/>
+                <a:ea typeface="宋体" panose="02010600030101010101" pitchFamily="2" charset="-122"/>
+                <a:cs typeface="Times New Roman" panose="02020603050405020304" pitchFamily="18" charset="0"/>
+              </a:rPr>
+              <a:t>HTTP</a:t>
+            </a:r>
+            <a:r>
+              <a:rPr lang="zh-CN" altLang="zh-CN" sz="1800" kern="100" dirty="0">
+                <a:effectLst/>
+                <a:ea typeface="宋体" panose="02010600030101010101" pitchFamily="2" charset="-122"/>
+                <a:cs typeface="Times New Roman" panose="02020603050405020304" pitchFamily="18" charset="0"/>
+              </a:rPr>
+              <a:t>协议也是无状态的，它不需要在服务端去保留用户的认证信息或者会话信息</a:t>
+            </a:r>
+            <a:r>
+              <a:rPr lang="zh-CN" altLang="en-US" kern="100" dirty="0">
+                <a:ea typeface="宋体" panose="02010600030101010101" pitchFamily="2" charset="-122"/>
+                <a:cs typeface="Times New Roman" panose="02020603050405020304" pitchFamily="18" charset="0"/>
+              </a:rPr>
+              <a:t>。</a:t>
+            </a:r>
+            <a:endParaRPr lang="zh-CN" altLang="en-US" dirty="0"/>
+          </a:p>
+        </p:txBody>
+      </p:sp>
+      <p:sp>
+        <p:nvSpPr>
+          <p:cNvPr id="11" name="文本框 10">
+            <a:extLst>
+              <a:ext uri="{FF2B5EF4-FFF2-40B4-BE49-F238E27FC236}">
+                <a16:creationId xmlns:a16="http://schemas.microsoft.com/office/drawing/2014/main" id="{B74A670D-F91D-4CC7-B7B1-52854F22978C}"/>
+              </a:ext>
+            </a:extLst>
+          </p:cNvPr>
+          <p:cNvSpPr txBox="1"/>
+          <p:nvPr/>
+        </p:nvSpPr>
+        <p:spPr>
+          <a:xfrm>
+            <a:off x="362368" y="3433206"/>
+            <a:ext cx="3909848" cy="875881"/>
+          </a:xfrm>
+          <a:prstGeom prst="rect">
+            <a:avLst/>
+          </a:prstGeom>
+          <a:noFill/>
+        </p:spPr>
+        <p:txBody>
+          <a:bodyPr wrap="square">
+            <a:spAutoFit/>
+          </a:bodyPr>
+          <a:lstStyle/>
           <a:p>
             <a:pPr>
               <a:lnSpc>
@@ -5278,67 +5810,13 @@
               </a:lnSpc>
             </a:pPr>
             <a:r>
-              <a:rPr lang="zh-CN" altLang="en-US" dirty="0"/>
-              <a:t>继续完成成绩数据统计、体质报告</a:t>
-            </a:r>
-            <a:r>
-              <a:rPr lang="en-US" altLang="zh-CN" dirty="0"/>
-              <a:t>PDF</a:t>
-            </a:r>
-            <a:r>
-              <a:rPr lang="zh-CN" altLang="en-US" dirty="0"/>
-              <a:t>导出功能，以及部分未完成的代码测试、</a:t>
-            </a:r>
-            <a:r>
-              <a:rPr lang="en-US" altLang="zh-CN" dirty="0"/>
-              <a:t>BUG</a:t>
-            </a:r>
-            <a:r>
-              <a:rPr lang="zh-CN" altLang="en-US" dirty="0"/>
-              <a:t>修复和优化，预计</a:t>
-            </a:r>
-            <a:r>
-              <a:rPr lang="en-US" altLang="zh-CN" dirty="0"/>
-              <a:t>1-2</a:t>
-            </a:r>
-            <a:r>
-              <a:rPr lang="zh-CN" altLang="en-US" dirty="0"/>
-              <a:t>周。</a:t>
-            </a:r>
-            <a:endParaRPr lang="en-US" altLang="zh-CN" dirty="0"/>
-          </a:p>
-          <a:p>
-            <a:pPr>
-              <a:lnSpc>
-                <a:spcPct val="150000"/>
-              </a:lnSpc>
-            </a:pPr>
-            <a:endParaRPr lang="en-US" altLang="zh-CN" dirty="0"/>
-          </a:p>
-          <a:p>
-            <a:pPr>
-              <a:lnSpc>
-                <a:spcPct val="150000"/>
-              </a:lnSpc>
-            </a:pPr>
-            <a:r>
-              <a:rPr lang="zh-CN" altLang="en-US" dirty="0">
-                <a:latin typeface="Microsoft YaHei UI" panose="020B0503020204020204" pitchFamily="34" charset="-122"/>
-                <a:ea typeface="Microsoft YaHei UI" panose="020B0503020204020204" pitchFamily="34" charset="-122"/>
+              <a:rPr lang="zh-CN" altLang="en-US" kern="100" dirty="0">
+                <a:ea typeface="宋体" panose="02010600030101010101" pitchFamily="2" charset="-122"/>
+                <a:cs typeface="Times New Roman" panose="02020603050405020304" pitchFamily="18" charset="0"/>
               </a:rPr>
-              <a:t>论文编写</a:t>
-            </a:r>
-          </a:p>
-          <a:p>
-            <a:pPr>
-              <a:lnSpc>
-                <a:spcPct val="150000"/>
-              </a:lnSpc>
-            </a:pPr>
-            <a:r>
-              <a:rPr lang="zh-CN" altLang="en-US" dirty="0"/>
-              <a:t>程序基本完成，其余时间用于编写、修改和完善毕业设计论文，完成论文的定稿和装订，准备答辩。</a:t>
-            </a:r>
+              <a:t>登录成功后，缓存用户信息，避免每次请求查询数据库。</a:t>
+            </a:r>
+            <a:endParaRPr lang="zh-CN" altLang="en-US" dirty="0"/>
           </a:p>
         </p:txBody>
       </p:sp>
@@ -5346,17 +5824,1456 @@
     <p:custDataLst>
       <p:tags r:id="rId1"/>
     </p:custDataLst>
+    <p:extLst>
+      <p:ext uri="{BB962C8B-B14F-4D97-AF65-F5344CB8AC3E}">
+        <p14:creationId xmlns:p14="http://schemas.microsoft.com/office/powerpoint/2010/main" val="2407819680"/>
+      </p:ext>
+    </p:extLst>
   </p:cSld>
   <p:clrMapOvr>
     <a:masterClrMapping/>
   </p:clrMapOvr>
-  <p:transition spd="slow" advTm="1227">
+  <p:transition spd="slow" advTm="12623">
     <p:pull/>
   </p:transition>
 </p:sld>
 </file>
 
 <file path=ppt/slides/slide11.xml><?xml version="1.0" encoding="utf-8"?>
+<p:sld xmlns:a="http://schemas.openxmlformats.org/drawingml/2006/main" xmlns:r="http://schemas.openxmlformats.org/officeDocument/2006/relationships" xmlns:p="http://schemas.openxmlformats.org/presentationml/2006/main">
+  <p:cSld>
+    <p:spTree>
+      <p:nvGrpSpPr>
+        <p:cNvPr id="1" name=""/>
+        <p:cNvGrpSpPr/>
+        <p:nvPr/>
+      </p:nvGrpSpPr>
+      <p:grpSpPr>
+        <a:xfrm>
+          <a:off x="0" y="0"/>
+          <a:ext cx="0" cy="0"/>
+          <a:chOff x="0" y="0"/>
+          <a:chExt cx="0" cy="0"/>
+        </a:xfrm>
+      </p:grpSpPr>
+      <p:cxnSp>
+        <p:nvCxnSpPr>
+          <p:cNvPr id="24" name="直接连接符 23"/>
+          <p:cNvCxnSpPr/>
+          <p:nvPr/>
+        </p:nvCxnSpPr>
+        <p:spPr>
+          <a:xfrm>
+            <a:off x="515257" y="624114"/>
+            <a:ext cx="8113486" cy="0"/>
+          </a:xfrm>
+          <a:prstGeom prst="line">
+            <a:avLst/>
+          </a:prstGeom>
+          <a:ln w="12700">
+            <a:solidFill>
+              <a:schemeClr val="tx1"/>
+            </a:solidFill>
+            <a:prstDash val="dash"/>
+          </a:ln>
+        </p:spPr>
+        <p:style>
+          <a:lnRef idx="1">
+            <a:schemeClr val="accent1"/>
+          </a:lnRef>
+          <a:fillRef idx="0">
+            <a:schemeClr val="accent1"/>
+          </a:fillRef>
+          <a:effectRef idx="0">
+            <a:schemeClr val="accent1"/>
+          </a:effectRef>
+          <a:fontRef idx="minor">
+            <a:schemeClr val="tx1"/>
+          </a:fontRef>
+        </p:style>
+      </p:cxnSp>
+      <p:sp>
+        <p:nvSpPr>
+          <p:cNvPr id="25" name="椭圆 24"/>
+          <p:cNvSpPr/>
+          <p:nvPr/>
+        </p:nvSpPr>
+        <p:spPr>
+          <a:xfrm>
+            <a:off x="646880" y="242192"/>
+            <a:ext cx="274777" cy="274777"/>
+          </a:xfrm>
+          <a:prstGeom prst="ellipse">
+            <a:avLst/>
+          </a:prstGeom>
+          <a:solidFill>
+            <a:srgbClr val="5380F7"/>
+          </a:solidFill>
+          <a:ln>
+            <a:noFill/>
+          </a:ln>
+          <a:effectLst>
+            <a:outerShdw blurRad="254000" dist="127000" dir="8100000" algn="tr" rotWithShape="0">
+              <a:prstClr val="black">
+                <a:alpha val="60000"/>
+              </a:prstClr>
+            </a:outerShdw>
+          </a:effectLst>
+        </p:spPr>
+        <p:style>
+          <a:lnRef idx="2">
+            <a:schemeClr val="accent1">
+              <a:shade val="50000"/>
+            </a:schemeClr>
+          </a:lnRef>
+          <a:fillRef idx="1">
+            <a:schemeClr val="accent1"/>
+          </a:fillRef>
+          <a:effectRef idx="0">
+            <a:schemeClr val="accent1"/>
+          </a:effectRef>
+          <a:fontRef idx="minor">
+            <a:schemeClr val="lt1"/>
+          </a:fontRef>
+        </p:style>
+        <p:txBody>
+          <a:bodyPr rtlCol="0" anchor="ctr"/>
+          <a:lstStyle/>
+          <a:p>
+            <a:pPr algn="ctr"/>
+            <a:endParaRPr lang="zh-CN" altLang="en-US"/>
+          </a:p>
+        </p:txBody>
+      </p:sp>
+      <p:sp>
+        <p:nvSpPr>
+          <p:cNvPr id="26" name="TextBox 25"/>
+          <p:cNvSpPr txBox="1"/>
+          <p:nvPr/>
+        </p:nvSpPr>
+        <p:spPr>
+          <a:xfrm>
+            <a:off x="908957" y="206330"/>
+            <a:ext cx="1954381" cy="400110"/>
+          </a:xfrm>
+          <a:prstGeom prst="rect">
+            <a:avLst/>
+          </a:prstGeom>
+          <a:noFill/>
+        </p:spPr>
+        <p:txBody>
+          <a:bodyPr wrap="none" rtlCol="0">
+            <a:spAutoFit/>
+          </a:bodyPr>
+          <a:lstStyle/>
+          <a:p>
+            <a:r>
+              <a:rPr lang="zh-CN" altLang="en-US" sz="2000" spc="300" dirty="0">
+                <a:latin typeface="微软雅黑" panose="020B0503020204020204" pitchFamily="34" charset="-122"/>
+                <a:ea typeface="微软雅黑" panose="020B0503020204020204" pitchFamily="34" charset="-122"/>
+              </a:rPr>
+              <a:t>数据导入流程</a:t>
+            </a:r>
+          </a:p>
+        </p:txBody>
+      </p:sp>
+      <p:pic>
+        <p:nvPicPr>
+          <p:cNvPr id="3" name="图片 2">
+            <a:extLst>
+              <a:ext uri="{FF2B5EF4-FFF2-40B4-BE49-F238E27FC236}">
+                <a16:creationId xmlns:a16="http://schemas.microsoft.com/office/drawing/2014/main" id="{4E0757A8-59F5-4EC5-99B2-3BBB069D8D2C}"/>
+              </a:ext>
+            </a:extLst>
+          </p:cNvPr>
+          <p:cNvPicPr>
+            <a:picLocks noChangeAspect="1"/>
+          </p:cNvPicPr>
+          <p:nvPr/>
+        </p:nvPicPr>
+        <p:blipFill>
+          <a:blip r:embed="rId4" cstate="print">
+            <a:extLst>
+              <a:ext uri="{28A0092B-C50C-407E-A947-70E740481C1C}">
+                <a14:useLocalDpi xmlns:a14="http://schemas.microsoft.com/office/drawing/2010/main" val="0"/>
+              </a:ext>
+            </a:extLst>
+          </a:blip>
+          <a:stretch>
+            <a:fillRect/>
+          </a:stretch>
+        </p:blipFill>
+        <p:spPr>
+          <a:xfrm>
+            <a:off x="3873882" y="754909"/>
+            <a:ext cx="4691227" cy="4297940"/>
+          </a:xfrm>
+          <a:prstGeom prst="rect">
+            <a:avLst/>
+          </a:prstGeom>
+        </p:spPr>
+      </p:pic>
+      <p:sp>
+        <p:nvSpPr>
+          <p:cNvPr id="4" name="文本框 3">
+            <a:extLst>
+              <a:ext uri="{FF2B5EF4-FFF2-40B4-BE49-F238E27FC236}">
+                <a16:creationId xmlns:a16="http://schemas.microsoft.com/office/drawing/2014/main" id="{72DD0852-FBD5-4A52-B2D4-3ABB0254B16C}"/>
+              </a:ext>
+            </a:extLst>
+          </p:cNvPr>
+          <p:cNvSpPr txBox="1"/>
+          <p:nvPr/>
+        </p:nvSpPr>
+        <p:spPr>
+          <a:xfrm>
+            <a:off x="652494" y="1173153"/>
+            <a:ext cx="2878981" cy="875881"/>
+          </a:xfrm>
+          <a:prstGeom prst="rect">
+            <a:avLst/>
+          </a:prstGeom>
+          <a:noFill/>
+        </p:spPr>
+        <p:txBody>
+          <a:bodyPr wrap="square" rtlCol="0">
+            <a:spAutoFit/>
+          </a:bodyPr>
+          <a:lstStyle/>
+          <a:p>
+            <a:pPr>
+              <a:lnSpc>
+                <a:spcPct val="150000"/>
+              </a:lnSpc>
+            </a:pPr>
+            <a:r>
+              <a:rPr lang="zh-CN" altLang="en-US" dirty="0"/>
+              <a:t>每条记录必须包含测试编号、学号。</a:t>
+            </a:r>
+          </a:p>
+        </p:txBody>
+      </p:sp>
+      <p:sp>
+        <p:nvSpPr>
+          <p:cNvPr id="10" name="文本框 9">
+            <a:extLst>
+              <a:ext uri="{FF2B5EF4-FFF2-40B4-BE49-F238E27FC236}">
+                <a16:creationId xmlns:a16="http://schemas.microsoft.com/office/drawing/2014/main" id="{C7BD609F-8698-4644-8DEB-86EE8A0F422C}"/>
+              </a:ext>
+            </a:extLst>
+          </p:cNvPr>
+          <p:cNvSpPr txBox="1"/>
+          <p:nvPr/>
+        </p:nvSpPr>
+        <p:spPr>
+          <a:xfrm>
+            <a:off x="652495" y="2350129"/>
+            <a:ext cx="2467304" cy="1291379"/>
+          </a:xfrm>
+          <a:prstGeom prst="rect">
+            <a:avLst/>
+          </a:prstGeom>
+          <a:noFill/>
+        </p:spPr>
+        <p:txBody>
+          <a:bodyPr wrap="square" rtlCol="0">
+            <a:spAutoFit/>
+          </a:bodyPr>
+          <a:lstStyle/>
+          <a:p>
+            <a:pPr>
+              <a:lnSpc>
+                <a:spcPct val="150000"/>
+              </a:lnSpc>
+            </a:pPr>
+            <a:r>
+              <a:rPr lang="zh-CN" altLang="en-US" dirty="0"/>
+              <a:t>不同学生在同一次测试中的科目可能不一样。</a:t>
+            </a:r>
+          </a:p>
+        </p:txBody>
+      </p:sp>
+      <p:sp>
+        <p:nvSpPr>
+          <p:cNvPr id="11" name="文本框 10">
+            <a:extLst>
+              <a:ext uri="{FF2B5EF4-FFF2-40B4-BE49-F238E27FC236}">
+                <a16:creationId xmlns:a16="http://schemas.microsoft.com/office/drawing/2014/main" id="{2B4E5E5C-4E06-4D32-8073-9441A09053A8}"/>
+              </a:ext>
+            </a:extLst>
+          </p:cNvPr>
+          <p:cNvSpPr txBox="1"/>
+          <p:nvPr/>
+        </p:nvSpPr>
+        <p:spPr>
+          <a:xfrm>
+            <a:off x="652495" y="3858545"/>
+            <a:ext cx="2467304" cy="875881"/>
+          </a:xfrm>
+          <a:prstGeom prst="rect">
+            <a:avLst/>
+          </a:prstGeom>
+          <a:noFill/>
+        </p:spPr>
+        <p:txBody>
+          <a:bodyPr wrap="square" rtlCol="0">
+            <a:spAutoFit/>
+          </a:bodyPr>
+          <a:lstStyle/>
+          <a:p>
+            <a:pPr>
+              <a:lnSpc>
+                <a:spcPct val="150000"/>
+              </a:lnSpc>
+            </a:pPr>
+            <a:r>
+              <a:rPr lang="zh-CN" altLang="en-US" dirty="0"/>
+              <a:t>导入数据时通过评分标准确定成绩。</a:t>
+            </a:r>
+          </a:p>
+        </p:txBody>
+      </p:sp>
+    </p:spTree>
+    <p:custDataLst>
+      <p:tags r:id="rId1"/>
+    </p:custDataLst>
+    <p:extLst>
+      <p:ext uri="{BB962C8B-B14F-4D97-AF65-F5344CB8AC3E}">
+        <p14:creationId xmlns:p14="http://schemas.microsoft.com/office/powerpoint/2010/main" val="1128274143"/>
+      </p:ext>
+    </p:extLst>
+  </p:cSld>
+  <p:clrMapOvr>
+    <a:masterClrMapping/>
+  </p:clrMapOvr>
+  <p:transition spd="slow" advTm="12623">
+    <p:pull/>
+  </p:transition>
+</p:sld>
+</file>
+
+<file path=ppt/slides/slide12.xml><?xml version="1.0" encoding="utf-8"?>
+<p:sld xmlns:a="http://schemas.openxmlformats.org/drawingml/2006/main" xmlns:r="http://schemas.openxmlformats.org/officeDocument/2006/relationships" xmlns:p="http://schemas.openxmlformats.org/presentationml/2006/main">
+  <p:cSld>
+    <p:spTree>
+      <p:nvGrpSpPr>
+        <p:cNvPr id="1" name=""/>
+        <p:cNvGrpSpPr/>
+        <p:nvPr/>
+      </p:nvGrpSpPr>
+      <p:grpSpPr>
+        <a:xfrm>
+          <a:off x="0" y="0"/>
+          <a:ext cx="0" cy="0"/>
+          <a:chOff x="0" y="0"/>
+          <a:chExt cx="0" cy="0"/>
+        </a:xfrm>
+      </p:grpSpPr>
+      <p:pic>
+        <p:nvPicPr>
+          <p:cNvPr id="3" name="图片 2">
+            <a:extLst>
+              <a:ext uri="{FF2B5EF4-FFF2-40B4-BE49-F238E27FC236}">
+                <a16:creationId xmlns:a16="http://schemas.microsoft.com/office/drawing/2014/main" id="{847BEFA3-75C1-4C21-9C4C-7CCBD0530C9A}"/>
+              </a:ext>
+            </a:extLst>
+          </p:cNvPr>
+          <p:cNvPicPr>
+            <a:picLocks noChangeAspect="1"/>
+          </p:cNvPicPr>
+          <p:nvPr/>
+        </p:nvPicPr>
+        <p:blipFill>
+          <a:blip r:embed="rId4"/>
+          <a:stretch>
+            <a:fillRect/>
+          </a:stretch>
+        </p:blipFill>
+        <p:spPr>
+          <a:xfrm>
+            <a:off x="980340" y="865195"/>
+            <a:ext cx="7107370" cy="4036113"/>
+          </a:xfrm>
+          <a:prstGeom prst="rect">
+            <a:avLst/>
+          </a:prstGeom>
+        </p:spPr>
+      </p:pic>
+      <p:cxnSp>
+        <p:nvCxnSpPr>
+          <p:cNvPr id="24" name="直接连接符 23"/>
+          <p:cNvCxnSpPr/>
+          <p:nvPr/>
+        </p:nvCxnSpPr>
+        <p:spPr>
+          <a:xfrm>
+            <a:off x="515257" y="624114"/>
+            <a:ext cx="8113486" cy="0"/>
+          </a:xfrm>
+          <a:prstGeom prst="line">
+            <a:avLst/>
+          </a:prstGeom>
+          <a:ln w="12700">
+            <a:solidFill>
+              <a:schemeClr val="tx1"/>
+            </a:solidFill>
+            <a:prstDash val="dash"/>
+          </a:ln>
+        </p:spPr>
+        <p:style>
+          <a:lnRef idx="1">
+            <a:schemeClr val="accent1"/>
+          </a:lnRef>
+          <a:fillRef idx="0">
+            <a:schemeClr val="accent1"/>
+          </a:fillRef>
+          <a:effectRef idx="0">
+            <a:schemeClr val="accent1"/>
+          </a:effectRef>
+          <a:fontRef idx="minor">
+            <a:schemeClr val="tx1"/>
+          </a:fontRef>
+        </p:style>
+      </p:cxnSp>
+      <p:sp>
+        <p:nvSpPr>
+          <p:cNvPr id="25" name="椭圆 24"/>
+          <p:cNvSpPr/>
+          <p:nvPr/>
+        </p:nvSpPr>
+        <p:spPr>
+          <a:xfrm>
+            <a:off x="646880" y="242192"/>
+            <a:ext cx="274777" cy="274777"/>
+          </a:xfrm>
+          <a:prstGeom prst="ellipse">
+            <a:avLst/>
+          </a:prstGeom>
+          <a:solidFill>
+            <a:srgbClr val="5380F7"/>
+          </a:solidFill>
+          <a:ln>
+            <a:noFill/>
+          </a:ln>
+          <a:effectLst>
+            <a:outerShdw blurRad="254000" dist="127000" dir="8100000" algn="tr" rotWithShape="0">
+              <a:prstClr val="black">
+                <a:alpha val="60000"/>
+              </a:prstClr>
+            </a:outerShdw>
+          </a:effectLst>
+        </p:spPr>
+        <p:style>
+          <a:lnRef idx="2">
+            <a:schemeClr val="accent1">
+              <a:shade val="50000"/>
+            </a:schemeClr>
+          </a:lnRef>
+          <a:fillRef idx="1">
+            <a:schemeClr val="accent1"/>
+          </a:fillRef>
+          <a:effectRef idx="0">
+            <a:schemeClr val="accent1"/>
+          </a:effectRef>
+          <a:fontRef idx="minor">
+            <a:schemeClr val="lt1"/>
+          </a:fontRef>
+        </p:style>
+        <p:txBody>
+          <a:bodyPr rtlCol="0" anchor="ctr"/>
+          <a:lstStyle/>
+          <a:p>
+            <a:pPr algn="ctr"/>
+            <a:endParaRPr lang="zh-CN" altLang="en-US"/>
+          </a:p>
+        </p:txBody>
+      </p:sp>
+      <p:sp>
+        <p:nvSpPr>
+          <p:cNvPr id="26" name="TextBox 25"/>
+          <p:cNvSpPr txBox="1"/>
+          <p:nvPr/>
+        </p:nvSpPr>
+        <p:spPr>
+          <a:xfrm>
+            <a:off x="908957" y="206330"/>
+            <a:ext cx="1364476" cy="400110"/>
+          </a:xfrm>
+          <a:prstGeom prst="rect">
+            <a:avLst/>
+          </a:prstGeom>
+          <a:noFill/>
+        </p:spPr>
+        <p:txBody>
+          <a:bodyPr wrap="none" rtlCol="0">
+            <a:spAutoFit/>
+          </a:bodyPr>
+          <a:lstStyle/>
+          <a:p>
+            <a:r>
+              <a:rPr lang="zh-CN" altLang="en-US" sz="2000" spc="300" dirty="0">
+                <a:latin typeface="微软雅黑" panose="020B0503020204020204" pitchFamily="34" charset="-122"/>
+                <a:ea typeface="微软雅黑" panose="020B0503020204020204" pitchFamily="34" charset="-122"/>
+              </a:rPr>
+              <a:t>界面展示</a:t>
+            </a:r>
+          </a:p>
+        </p:txBody>
+      </p:sp>
+      <p:pic>
+        <p:nvPicPr>
+          <p:cNvPr id="6" name="图片 5">
+            <a:extLst>
+              <a:ext uri="{FF2B5EF4-FFF2-40B4-BE49-F238E27FC236}">
+                <a16:creationId xmlns:a16="http://schemas.microsoft.com/office/drawing/2014/main" id="{53958B38-A0D5-414D-8BC5-B3B7E9BD7D71}"/>
+              </a:ext>
+            </a:extLst>
+          </p:cNvPr>
+          <p:cNvPicPr>
+            <a:picLocks noChangeAspect="1"/>
+          </p:cNvPicPr>
+          <p:nvPr/>
+        </p:nvPicPr>
+        <p:blipFill>
+          <a:blip r:embed="rId5"/>
+          <a:stretch>
+            <a:fillRect/>
+          </a:stretch>
+        </p:blipFill>
+        <p:spPr>
+          <a:xfrm>
+            <a:off x="264500" y="803390"/>
+            <a:ext cx="8425814" cy="4249457"/>
+          </a:xfrm>
+          <a:prstGeom prst="rect">
+            <a:avLst/>
+          </a:prstGeom>
+        </p:spPr>
+      </p:pic>
+    </p:spTree>
+    <p:custDataLst>
+      <p:tags r:id="rId1"/>
+    </p:custDataLst>
+    <p:extLst>
+      <p:ext uri="{BB962C8B-B14F-4D97-AF65-F5344CB8AC3E}">
+        <p14:creationId xmlns:p14="http://schemas.microsoft.com/office/powerpoint/2010/main" val="831856352"/>
+      </p:ext>
+    </p:extLst>
+  </p:cSld>
+  <p:clrMapOvr>
+    <a:masterClrMapping/>
+  </p:clrMapOvr>
+  <p:transition spd="slow" advTm="12623">
+    <p:pull/>
+  </p:transition>
+  <p:timing>
+    <p:tnLst>
+      <p:par>
+        <p:cTn id="1" dur="indefinite" restart="never" nodeType="tmRoot">
+          <p:childTnLst>
+            <p:seq concurrent="1" nextAc="seek">
+              <p:cTn id="2" dur="indefinite" nodeType="mainSeq">
+                <p:childTnLst>
+                  <p:par>
+                    <p:cTn id="3" fill="hold">
+                      <p:stCondLst>
+                        <p:cond delay="indefinite"/>
+                      </p:stCondLst>
+                      <p:childTnLst>
+                        <p:par>
+                          <p:cTn id="4" fill="hold">
+                            <p:stCondLst>
+                              <p:cond delay="0"/>
+                            </p:stCondLst>
+                            <p:childTnLst>
+                              <p:par>
+                                <p:cTn id="5" presetID="1" presetClass="entr" presetSubtype="0" fill="hold" nodeType="clickEffect">
+                                  <p:stCondLst>
+                                    <p:cond delay="0"/>
+                                  </p:stCondLst>
+                                  <p:childTnLst>
+                                    <p:set>
+                                      <p:cBhvr>
+                                        <p:cTn id="6" dur="1" fill="hold">
+                                          <p:stCondLst>
+                                            <p:cond delay="0"/>
+                                          </p:stCondLst>
+                                        </p:cTn>
+                                        <p:tgtEl>
+                                          <p:spTgt spid="6"/>
+                                        </p:tgtEl>
+                                        <p:attrNameLst>
+                                          <p:attrName>style.visibility</p:attrName>
+                                        </p:attrNameLst>
+                                      </p:cBhvr>
+                                      <p:to>
+                                        <p:strVal val="visible"/>
+                                      </p:to>
+                                    </p:set>
+                                  </p:childTnLst>
+                                </p:cTn>
+                              </p:par>
+                            </p:childTnLst>
+                          </p:cTn>
+                        </p:par>
+                      </p:childTnLst>
+                    </p:cTn>
+                  </p:par>
+                </p:childTnLst>
+              </p:cTn>
+              <p:prevCondLst>
+                <p:cond evt="onPrev" delay="0">
+                  <p:tgtEl>
+                    <p:sldTgt/>
+                  </p:tgtEl>
+                </p:cond>
+              </p:prevCondLst>
+              <p:nextCondLst>
+                <p:cond evt="onNext" delay="0">
+                  <p:tgtEl>
+                    <p:sldTgt/>
+                  </p:tgtEl>
+                </p:cond>
+              </p:nextCondLst>
+            </p:seq>
+          </p:childTnLst>
+        </p:cTn>
+      </p:par>
+    </p:tnLst>
+  </p:timing>
+</p:sld>
+</file>
+
+<file path=ppt/slides/slide13.xml><?xml version="1.0" encoding="utf-8"?>
+<p:sld xmlns:a="http://schemas.openxmlformats.org/drawingml/2006/main" xmlns:r="http://schemas.openxmlformats.org/officeDocument/2006/relationships" xmlns:p="http://schemas.openxmlformats.org/presentationml/2006/main">
+  <p:cSld>
+    <p:spTree>
+      <p:nvGrpSpPr>
+        <p:cNvPr id="1" name=""/>
+        <p:cNvGrpSpPr/>
+        <p:nvPr/>
+      </p:nvGrpSpPr>
+      <p:grpSpPr>
+        <a:xfrm>
+          <a:off x="0" y="0"/>
+          <a:ext cx="0" cy="0"/>
+          <a:chOff x="0" y="0"/>
+          <a:chExt cx="0" cy="0"/>
+        </a:xfrm>
+      </p:grpSpPr>
+      <p:cxnSp>
+        <p:nvCxnSpPr>
+          <p:cNvPr id="24" name="直接连接符 23"/>
+          <p:cNvCxnSpPr/>
+          <p:nvPr/>
+        </p:nvCxnSpPr>
+        <p:spPr>
+          <a:xfrm>
+            <a:off x="515257" y="624114"/>
+            <a:ext cx="8113486" cy="0"/>
+          </a:xfrm>
+          <a:prstGeom prst="line">
+            <a:avLst/>
+          </a:prstGeom>
+          <a:ln w="12700">
+            <a:solidFill>
+              <a:schemeClr val="tx1"/>
+            </a:solidFill>
+            <a:prstDash val="dash"/>
+          </a:ln>
+        </p:spPr>
+        <p:style>
+          <a:lnRef idx="1">
+            <a:schemeClr val="accent1"/>
+          </a:lnRef>
+          <a:fillRef idx="0">
+            <a:schemeClr val="accent1"/>
+          </a:fillRef>
+          <a:effectRef idx="0">
+            <a:schemeClr val="accent1"/>
+          </a:effectRef>
+          <a:fontRef idx="minor">
+            <a:schemeClr val="tx1"/>
+          </a:fontRef>
+        </p:style>
+      </p:cxnSp>
+      <p:sp>
+        <p:nvSpPr>
+          <p:cNvPr id="25" name="椭圆 24"/>
+          <p:cNvSpPr/>
+          <p:nvPr/>
+        </p:nvSpPr>
+        <p:spPr>
+          <a:xfrm>
+            <a:off x="646880" y="242192"/>
+            <a:ext cx="274777" cy="274777"/>
+          </a:xfrm>
+          <a:prstGeom prst="ellipse">
+            <a:avLst/>
+          </a:prstGeom>
+          <a:solidFill>
+            <a:srgbClr val="5380F7"/>
+          </a:solidFill>
+          <a:ln>
+            <a:noFill/>
+          </a:ln>
+          <a:effectLst>
+            <a:outerShdw blurRad="254000" dist="127000" dir="8100000" algn="tr" rotWithShape="0">
+              <a:prstClr val="black">
+                <a:alpha val="60000"/>
+              </a:prstClr>
+            </a:outerShdw>
+          </a:effectLst>
+        </p:spPr>
+        <p:style>
+          <a:lnRef idx="2">
+            <a:schemeClr val="accent1">
+              <a:shade val="50000"/>
+            </a:schemeClr>
+          </a:lnRef>
+          <a:fillRef idx="1">
+            <a:schemeClr val="accent1"/>
+          </a:fillRef>
+          <a:effectRef idx="0">
+            <a:schemeClr val="accent1"/>
+          </a:effectRef>
+          <a:fontRef idx="minor">
+            <a:schemeClr val="lt1"/>
+          </a:fontRef>
+        </p:style>
+        <p:txBody>
+          <a:bodyPr rtlCol="0" anchor="ctr"/>
+          <a:lstStyle/>
+          <a:p>
+            <a:pPr algn="ctr"/>
+            <a:endParaRPr lang="zh-CN" altLang="en-US"/>
+          </a:p>
+        </p:txBody>
+      </p:sp>
+      <p:sp>
+        <p:nvSpPr>
+          <p:cNvPr id="26" name="TextBox 25"/>
+          <p:cNvSpPr txBox="1"/>
+          <p:nvPr/>
+        </p:nvSpPr>
+        <p:spPr>
+          <a:xfrm>
+            <a:off x="908957" y="206330"/>
+            <a:ext cx="1364476" cy="400110"/>
+          </a:xfrm>
+          <a:prstGeom prst="rect">
+            <a:avLst/>
+          </a:prstGeom>
+          <a:noFill/>
+        </p:spPr>
+        <p:txBody>
+          <a:bodyPr wrap="none" rtlCol="0">
+            <a:spAutoFit/>
+          </a:bodyPr>
+          <a:lstStyle/>
+          <a:p>
+            <a:r>
+              <a:rPr lang="zh-CN" altLang="en-US" sz="2000" spc="300" dirty="0">
+                <a:latin typeface="微软雅黑" panose="020B0503020204020204" pitchFamily="34" charset="-122"/>
+                <a:ea typeface="微软雅黑" panose="020B0503020204020204" pitchFamily="34" charset="-122"/>
+              </a:rPr>
+              <a:t>界面展示</a:t>
+            </a:r>
+          </a:p>
+        </p:txBody>
+      </p:sp>
+      <p:pic>
+        <p:nvPicPr>
+          <p:cNvPr id="2050" name="图片 1">
+            <a:extLst>
+              <a:ext uri="{FF2B5EF4-FFF2-40B4-BE49-F238E27FC236}">
+                <a16:creationId xmlns:a16="http://schemas.microsoft.com/office/drawing/2014/main" id="{7F2254E9-9C0D-44DA-B672-A2E4C734B7E4}"/>
+              </a:ext>
+            </a:extLst>
+          </p:cNvPr>
+          <p:cNvPicPr>
+            <a:picLocks noChangeAspect="1" noChangeArrowheads="1"/>
+          </p:cNvPicPr>
+          <p:nvPr/>
+        </p:nvPicPr>
+        <p:blipFill>
+          <a:blip r:embed="rId4" cstate="print">
+            <a:extLst>
+              <a:ext uri="{28A0092B-C50C-407E-A947-70E740481C1C}">
+                <a14:useLocalDpi xmlns:a14="http://schemas.microsoft.com/office/drawing/2010/main" val="0"/>
+              </a:ext>
+            </a:extLst>
+          </a:blip>
+          <a:srcRect/>
+          <a:stretch>
+            <a:fillRect/>
+          </a:stretch>
+        </p:blipFill>
+        <p:spPr bwMode="auto">
+          <a:xfrm>
+            <a:off x="388693" y="713585"/>
+            <a:ext cx="8298105" cy="4298608"/>
+          </a:xfrm>
+          <a:prstGeom prst="rect">
+            <a:avLst/>
+          </a:prstGeom>
+          <a:noFill/>
+          <a:ln>
+            <a:noFill/>
+          </a:ln>
+          <a:extLst>
+            <a:ext uri="{909E8E84-426E-40DD-AFC4-6F175D3DCCD1}">
+              <a14:hiddenFill xmlns:a14="http://schemas.microsoft.com/office/drawing/2010/main">
+                <a:solidFill>
+                  <a:srgbClr val="FFFFFF"/>
+                </a:solidFill>
+              </a14:hiddenFill>
+            </a:ext>
+            <a:ext uri="{91240B29-F687-4F45-9708-019B960494DF}">
+              <a14:hiddenLine xmlns:a14="http://schemas.microsoft.com/office/drawing/2010/main" w="9525">
+                <a:solidFill>
+                  <a:srgbClr val="000000"/>
+                </a:solidFill>
+                <a:miter lim="800000"/>
+                <a:headEnd/>
+                <a:tailEnd/>
+              </a14:hiddenLine>
+            </a:ext>
+          </a:extLst>
+        </p:spPr>
+      </p:pic>
+      <p:pic>
+        <p:nvPicPr>
+          <p:cNvPr id="10" name="图片 9">
+            <a:extLst>
+              <a:ext uri="{FF2B5EF4-FFF2-40B4-BE49-F238E27FC236}">
+                <a16:creationId xmlns:a16="http://schemas.microsoft.com/office/drawing/2014/main" id="{D3C0B74D-2F88-4C8B-AB5F-DF3A2C3B073D}"/>
+              </a:ext>
+            </a:extLst>
+          </p:cNvPr>
+          <p:cNvPicPr>
+            <a:picLocks noChangeAspect="1"/>
+          </p:cNvPicPr>
+          <p:nvPr/>
+        </p:nvPicPr>
+        <p:blipFill>
+          <a:blip r:embed="rId5"/>
+          <a:stretch>
+            <a:fillRect/>
+          </a:stretch>
+        </p:blipFill>
+        <p:spPr>
+          <a:xfrm>
+            <a:off x="3150148" y="516969"/>
+            <a:ext cx="2775197" cy="4495226"/>
+          </a:xfrm>
+          <a:prstGeom prst="rect">
+            <a:avLst/>
+          </a:prstGeom>
+        </p:spPr>
+      </p:pic>
+    </p:spTree>
+    <p:custDataLst>
+      <p:tags r:id="rId1"/>
+    </p:custDataLst>
+    <p:extLst>
+      <p:ext uri="{BB962C8B-B14F-4D97-AF65-F5344CB8AC3E}">
+        <p14:creationId xmlns:p14="http://schemas.microsoft.com/office/powerpoint/2010/main" val="3126145376"/>
+      </p:ext>
+    </p:extLst>
+  </p:cSld>
+  <p:clrMapOvr>
+    <a:masterClrMapping/>
+  </p:clrMapOvr>
+  <p:transition spd="slow" advTm="12623">
+    <p:pull/>
+  </p:transition>
+  <p:timing>
+    <p:tnLst>
+      <p:par>
+        <p:cTn id="1" dur="indefinite" restart="never" nodeType="tmRoot">
+          <p:childTnLst>
+            <p:seq concurrent="1" nextAc="seek">
+              <p:cTn id="2" dur="indefinite" nodeType="mainSeq">
+                <p:childTnLst>
+                  <p:par>
+                    <p:cTn id="3" fill="hold">
+                      <p:stCondLst>
+                        <p:cond delay="indefinite"/>
+                      </p:stCondLst>
+                      <p:childTnLst>
+                        <p:par>
+                          <p:cTn id="4" fill="hold">
+                            <p:stCondLst>
+                              <p:cond delay="0"/>
+                            </p:stCondLst>
+                            <p:childTnLst>
+                              <p:par>
+                                <p:cTn id="5" presetID="1" presetClass="entr" presetSubtype="0" fill="hold" nodeType="clickEffect">
+                                  <p:stCondLst>
+                                    <p:cond delay="0"/>
+                                  </p:stCondLst>
+                                  <p:childTnLst>
+                                    <p:set>
+                                      <p:cBhvr>
+                                        <p:cTn id="6" dur="1" fill="hold">
+                                          <p:stCondLst>
+                                            <p:cond delay="0"/>
+                                          </p:stCondLst>
+                                        </p:cTn>
+                                        <p:tgtEl>
+                                          <p:spTgt spid="10"/>
+                                        </p:tgtEl>
+                                        <p:attrNameLst>
+                                          <p:attrName>style.visibility</p:attrName>
+                                        </p:attrNameLst>
+                                      </p:cBhvr>
+                                      <p:to>
+                                        <p:strVal val="visible"/>
+                                      </p:to>
+                                    </p:set>
+                                  </p:childTnLst>
+                                </p:cTn>
+                              </p:par>
+                            </p:childTnLst>
+                          </p:cTn>
+                        </p:par>
+                      </p:childTnLst>
+                    </p:cTn>
+                  </p:par>
+                </p:childTnLst>
+              </p:cTn>
+              <p:prevCondLst>
+                <p:cond evt="onPrev" delay="0">
+                  <p:tgtEl>
+                    <p:sldTgt/>
+                  </p:tgtEl>
+                </p:cond>
+              </p:prevCondLst>
+              <p:nextCondLst>
+                <p:cond evt="onNext" delay="0">
+                  <p:tgtEl>
+                    <p:sldTgt/>
+                  </p:tgtEl>
+                </p:cond>
+              </p:nextCondLst>
+            </p:seq>
+          </p:childTnLst>
+        </p:cTn>
+      </p:par>
+    </p:tnLst>
+  </p:timing>
+</p:sld>
+</file>
+
+<file path=ppt/slides/slide14.xml><?xml version="1.0" encoding="utf-8"?>
+<p:sld xmlns:a="http://schemas.openxmlformats.org/drawingml/2006/main" xmlns:r="http://schemas.openxmlformats.org/officeDocument/2006/relationships" xmlns:p="http://schemas.openxmlformats.org/presentationml/2006/main">
+  <p:cSld>
+    <p:spTree>
+      <p:nvGrpSpPr>
+        <p:cNvPr id="1" name=""/>
+        <p:cNvGrpSpPr/>
+        <p:nvPr/>
+      </p:nvGrpSpPr>
+      <p:grpSpPr>
+        <a:xfrm>
+          <a:off x="0" y="0"/>
+          <a:ext cx="0" cy="0"/>
+          <a:chOff x="0" y="0"/>
+          <a:chExt cx="0" cy="0"/>
+        </a:xfrm>
+      </p:grpSpPr>
+      <p:cxnSp>
+        <p:nvCxnSpPr>
+          <p:cNvPr id="24" name="直接连接符 23"/>
+          <p:cNvCxnSpPr/>
+          <p:nvPr/>
+        </p:nvCxnSpPr>
+        <p:spPr>
+          <a:xfrm>
+            <a:off x="515257" y="624114"/>
+            <a:ext cx="8113486" cy="0"/>
+          </a:xfrm>
+          <a:prstGeom prst="line">
+            <a:avLst/>
+          </a:prstGeom>
+          <a:ln w="12700">
+            <a:solidFill>
+              <a:schemeClr val="tx1"/>
+            </a:solidFill>
+            <a:prstDash val="dash"/>
+          </a:ln>
+        </p:spPr>
+        <p:style>
+          <a:lnRef idx="1">
+            <a:schemeClr val="accent1"/>
+          </a:lnRef>
+          <a:fillRef idx="0">
+            <a:schemeClr val="accent1"/>
+          </a:fillRef>
+          <a:effectRef idx="0">
+            <a:schemeClr val="accent1"/>
+          </a:effectRef>
+          <a:fontRef idx="minor">
+            <a:schemeClr val="tx1"/>
+          </a:fontRef>
+        </p:style>
+      </p:cxnSp>
+      <p:sp>
+        <p:nvSpPr>
+          <p:cNvPr id="25" name="椭圆 24"/>
+          <p:cNvSpPr/>
+          <p:nvPr/>
+        </p:nvSpPr>
+        <p:spPr>
+          <a:xfrm>
+            <a:off x="646880" y="242192"/>
+            <a:ext cx="274777" cy="274777"/>
+          </a:xfrm>
+          <a:prstGeom prst="ellipse">
+            <a:avLst/>
+          </a:prstGeom>
+          <a:solidFill>
+            <a:srgbClr val="5380F7"/>
+          </a:solidFill>
+          <a:ln>
+            <a:noFill/>
+          </a:ln>
+          <a:effectLst>
+            <a:outerShdw blurRad="254000" dist="127000" dir="8100000" algn="tr" rotWithShape="0">
+              <a:prstClr val="black">
+                <a:alpha val="60000"/>
+              </a:prstClr>
+            </a:outerShdw>
+          </a:effectLst>
+        </p:spPr>
+        <p:style>
+          <a:lnRef idx="2">
+            <a:schemeClr val="accent1">
+              <a:shade val="50000"/>
+            </a:schemeClr>
+          </a:lnRef>
+          <a:fillRef idx="1">
+            <a:schemeClr val="accent1"/>
+          </a:fillRef>
+          <a:effectRef idx="0">
+            <a:schemeClr val="accent1"/>
+          </a:effectRef>
+          <a:fontRef idx="minor">
+            <a:schemeClr val="lt1"/>
+          </a:fontRef>
+        </p:style>
+        <p:txBody>
+          <a:bodyPr rtlCol="0" anchor="ctr"/>
+          <a:lstStyle/>
+          <a:p>
+            <a:pPr algn="ctr"/>
+            <a:endParaRPr lang="zh-CN" altLang="en-US"/>
+          </a:p>
+        </p:txBody>
+      </p:sp>
+      <p:sp>
+        <p:nvSpPr>
+          <p:cNvPr id="26" name="TextBox 25"/>
+          <p:cNvSpPr txBox="1"/>
+          <p:nvPr/>
+        </p:nvSpPr>
+        <p:spPr>
+          <a:xfrm>
+            <a:off x="908957" y="206330"/>
+            <a:ext cx="1954381" cy="400110"/>
+          </a:xfrm>
+          <a:prstGeom prst="rect">
+            <a:avLst/>
+          </a:prstGeom>
+          <a:noFill/>
+        </p:spPr>
+        <p:txBody>
+          <a:bodyPr wrap="none" rtlCol="0">
+            <a:spAutoFit/>
+          </a:bodyPr>
+          <a:lstStyle/>
+          <a:p>
+            <a:r>
+              <a:rPr lang="zh-CN" altLang="en-US" sz="2000" spc="300" dirty="0">
+                <a:latin typeface="微软雅黑" panose="020B0503020204020204" pitchFamily="34" charset="-122"/>
+                <a:ea typeface="微软雅黑" panose="020B0503020204020204" pitchFamily="34" charset="-122"/>
+              </a:rPr>
+              <a:t>程序完成进度</a:t>
+            </a:r>
+          </a:p>
+        </p:txBody>
+      </p:sp>
+      <p:pic>
+        <p:nvPicPr>
+          <p:cNvPr id="10" name="图片 9">
+            <a:extLst>
+              <a:ext uri="{FF2B5EF4-FFF2-40B4-BE49-F238E27FC236}">
+                <a16:creationId xmlns:a16="http://schemas.microsoft.com/office/drawing/2014/main" id="{1411AF15-9316-48AF-9177-C7BDBCCFAF18}"/>
+              </a:ext>
+            </a:extLst>
+          </p:cNvPr>
+          <p:cNvPicPr>
+            <a:picLocks noChangeAspect="1"/>
+          </p:cNvPicPr>
+          <p:nvPr/>
+        </p:nvPicPr>
+        <p:blipFill>
+          <a:blip r:embed="rId4" cstate="print">
+            <a:extLst>
+              <a:ext uri="{28A0092B-C50C-407E-A947-70E740481C1C}">
+                <a14:useLocalDpi xmlns:a14="http://schemas.microsoft.com/office/drawing/2010/main" val="0"/>
+              </a:ext>
+            </a:extLst>
+          </a:blip>
+          <a:stretch>
+            <a:fillRect/>
+          </a:stretch>
+        </p:blipFill>
+        <p:spPr>
+          <a:xfrm>
+            <a:off x="1584737" y="1105297"/>
+            <a:ext cx="6102422" cy="3578326"/>
+          </a:xfrm>
+          <a:prstGeom prst="rect">
+            <a:avLst/>
+          </a:prstGeom>
+        </p:spPr>
+      </p:pic>
+    </p:spTree>
+    <p:custDataLst>
+      <p:tags r:id="rId1"/>
+    </p:custDataLst>
+    <p:extLst>
+      <p:ext uri="{BB962C8B-B14F-4D97-AF65-F5344CB8AC3E}">
+        <p14:creationId xmlns:p14="http://schemas.microsoft.com/office/powerpoint/2010/main" val="3660779409"/>
+      </p:ext>
+    </p:extLst>
+  </p:cSld>
+  <p:clrMapOvr>
+    <a:masterClrMapping/>
+  </p:clrMapOvr>
+  <p:transition spd="slow" advTm="12623">
+    <p:pull/>
+  </p:transition>
+</p:sld>
+</file>
+
+<file path=ppt/slides/slide15.xml><?xml version="1.0" encoding="utf-8"?>
+<p:sld xmlns:a="http://schemas.openxmlformats.org/drawingml/2006/main" xmlns:r="http://schemas.openxmlformats.org/officeDocument/2006/relationships" xmlns:p="http://schemas.openxmlformats.org/presentationml/2006/main">
+  <p:cSld>
+    <p:spTree>
+      <p:nvGrpSpPr>
+        <p:cNvPr id="1" name=""/>
+        <p:cNvGrpSpPr/>
+        <p:nvPr/>
+      </p:nvGrpSpPr>
+      <p:grpSpPr>
+        <a:xfrm>
+          <a:off x="0" y="0"/>
+          <a:ext cx="0" cy="0"/>
+          <a:chOff x="0" y="0"/>
+          <a:chExt cx="0" cy="0"/>
+        </a:xfrm>
+      </p:grpSpPr>
+      <p:sp>
+        <p:nvSpPr>
+          <p:cNvPr id="25" name="椭圆 24"/>
+          <p:cNvSpPr/>
+          <p:nvPr/>
+        </p:nvSpPr>
+        <p:spPr>
+          <a:xfrm>
+            <a:off x="646880" y="242192"/>
+            <a:ext cx="274777" cy="274777"/>
+          </a:xfrm>
+          <a:prstGeom prst="ellipse">
+            <a:avLst/>
+          </a:prstGeom>
+          <a:solidFill>
+            <a:srgbClr val="5380F7"/>
+          </a:solidFill>
+          <a:ln>
+            <a:noFill/>
+          </a:ln>
+          <a:effectLst>
+            <a:outerShdw blurRad="254000" dist="127000" dir="8100000" algn="tr" rotWithShape="0">
+              <a:prstClr val="black">
+                <a:alpha val="60000"/>
+              </a:prstClr>
+            </a:outerShdw>
+          </a:effectLst>
+        </p:spPr>
+        <p:style>
+          <a:lnRef idx="2">
+            <a:schemeClr val="accent1">
+              <a:shade val="50000"/>
+            </a:schemeClr>
+          </a:lnRef>
+          <a:fillRef idx="1">
+            <a:schemeClr val="accent1"/>
+          </a:fillRef>
+          <a:effectRef idx="0">
+            <a:schemeClr val="accent1"/>
+          </a:effectRef>
+          <a:fontRef idx="minor">
+            <a:schemeClr val="lt1"/>
+          </a:fontRef>
+        </p:style>
+        <p:txBody>
+          <a:bodyPr rtlCol="0" anchor="ctr"/>
+          <a:lstStyle/>
+          <a:p>
+            <a:pPr algn="ctr"/>
+            <a:endParaRPr lang="zh-CN" altLang="en-US"/>
+          </a:p>
+        </p:txBody>
+      </p:sp>
+      <p:sp>
+        <p:nvSpPr>
+          <p:cNvPr id="26" name="TextBox 25"/>
+          <p:cNvSpPr txBox="1"/>
+          <p:nvPr/>
+        </p:nvSpPr>
+        <p:spPr>
+          <a:xfrm>
+            <a:off x="908957" y="206330"/>
+            <a:ext cx="2544286" cy="400110"/>
+          </a:xfrm>
+          <a:prstGeom prst="rect">
+            <a:avLst/>
+          </a:prstGeom>
+          <a:noFill/>
+        </p:spPr>
+        <p:txBody>
+          <a:bodyPr wrap="none" rtlCol="0">
+            <a:spAutoFit/>
+          </a:bodyPr>
+          <a:lstStyle/>
+          <a:p>
+            <a:r>
+              <a:rPr lang="zh-CN" altLang="en-US" sz="2000" spc="300" dirty="0">
+                <a:latin typeface="微软雅黑" panose="020B0503020204020204" pitchFamily="34" charset="-122"/>
+                <a:ea typeface="微软雅黑" panose="020B0503020204020204" pitchFamily="34" charset="-122"/>
+              </a:rPr>
+              <a:t>工作中遇到的问题</a:t>
+            </a:r>
+          </a:p>
+        </p:txBody>
+      </p:sp>
+      <p:sp>
+        <p:nvSpPr>
+          <p:cNvPr id="3" name="文本框 2">
+            <a:extLst>
+              <a:ext uri="{FF2B5EF4-FFF2-40B4-BE49-F238E27FC236}">
+                <a16:creationId xmlns:a16="http://schemas.microsoft.com/office/drawing/2014/main" id="{A9BF8B5E-D96D-499B-BB4C-A192E2468C3F}"/>
+              </a:ext>
+            </a:extLst>
+          </p:cNvPr>
+          <p:cNvSpPr txBox="1"/>
+          <p:nvPr/>
+        </p:nvSpPr>
+        <p:spPr>
+          <a:xfrm>
+            <a:off x="646880" y="1048931"/>
+            <a:ext cx="7762853" cy="3497111"/>
+          </a:xfrm>
+          <a:prstGeom prst="rect">
+            <a:avLst/>
+          </a:prstGeom>
+          <a:noFill/>
+        </p:spPr>
+        <p:txBody>
+          <a:bodyPr wrap="square" rtlCol="0">
+            <a:spAutoFit/>
+          </a:bodyPr>
+          <a:lstStyle/>
+          <a:p>
+            <a:pPr marL="285750" indent="-285750">
+              <a:lnSpc>
+                <a:spcPct val="150000"/>
+              </a:lnSpc>
+              <a:buFont typeface="Wingdings" panose="05000000000000000000" pitchFamily="2" charset="2"/>
+              <a:buChar char="Ø"/>
+            </a:pPr>
+            <a:r>
+              <a:rPr lang="zh-CN" altLang="en-US" dirty="0">
+                <a:latin typeface="Microsoft YaHei UI" panose="020B0503020204020204" pitchFamily="34" charset="-122"/>
+                <a:ea typeface="Microsoft YaHei UI" panose="020B0503020204020204" pitchFamily="34" charset="-122"/>
+              </a:rPr>
+              <a:t>重代码、轻需求</a:t>
+            </a:r>
+            <a:endParaRPr lang="en-US" altLang="zh-CN" dirty="0">
+              <a:latin typeface="Microsoft YaHei UI" panose="020B0503020204020204" pitchFamily="34" charset="-122"/>
+              <a:ea typeface="Microsoft YaHei UI" panose="020B0503020204020204" pitchFamily="34" charset="-122"/>
+            </a:endParaRPr>
+          </a:p>
+          <a:p>
+            <a:pPr>
+              <a:lnSpc>
+                <a:spcPct val="150000"/>
+              </a:lnSpc>
+            </a:pPr>
+            <a:r>
+              <a:rPr lang="zh-CN" altLang="zh-CN" sz="1600" kern="100" dirty="0">
+                <a:effectLst/>
+                <a:latin typeface="+mn-ea"/>
+                <a:cs typeface="Times New Roman" panose="02020603050405020304" pitchFamily="18" charset="0"/>
+              </a:rPr>
+              <a:t>前期需求分析工作不足，工作重心偏向编码，需求不清晰，设计实现需要反复修改</a:t>
+            </a:r>
+            <a:endParaRPr lang="en-US" altLang="zh-CN" sz="1600" kern="100" dirty="0">
+              <a:effectLst/>
+              <a:latin typeface="+mn-ea"/>
+              <a:cs typeface="Times New Roman" panose="02020603050405020304" pitchFamily="18" charset="0"/>
+            </a:endParaRPr>
+          </a:p>
+          <a:p>
+            <a:pPr>
+              <a:lnSpc>
+                <a:spcPct val="150000"/>
+              </a:lnSpc>
+            </a:pPr>
+            <a:endParaRPr lang="en-US" altLang="zh-CN" sz="1600" kern="100" dirty="0">
+              <a:effectLst/>
+              <a:latin typeface="+mn-ea"/>
+              <a:cs typeface="Times New Roman" panose="02020603050405020304" pitchFamily="18" charset="0"/>
+            </a:endParaRPr>
+          </a:p>
+          <a:p>
+            <a:pPr marL="285750" indent="-285750">
+              <a:lnSpc>
+                <a:spcPct val="150000"/>
+              </a:lnSpc>
+              <a:buFont typeface="Wingdings" panose="05000000000000000000" pitchFamily="2" charset="2"/>
+              <a:buChar char="Ø"/>
+            </a:pPr>
+            <a:r>
+              <a:rPr lang="zh-CN" altLang="en-US" dirty="0">
+                <a:latin typeface="Microsoft YaHei UI" panose="020B0503020204020204" pitchFamily="34" charset="-122"/>
+                <a:ea typeface="Microsoft YaHei UI" panose="020B0503020204020204" pitchFamily="34" charset="-122"/>
+              </a:rPr>
+              <a:t>模拟测试数据</a:t>
+            </a:r>
+            <a:endParaRPr lang="en-US" altLang="zh-CN" dirty="0">
+              <a:latin typeface="Microsoft YaHei UI" panose="020B0503020204020204" pitchFamily="34" charset="-122"/>
+              <a:ea typeface="Microsoft YaHei UI" panose="020B0503020204020204" pitchFamily="34" charset="-122"/>
+            </a:endParaRPr>
+          </a:p>
+          <a:p>
+            <a:pPr>
+              <a:lnSpc>
+                <a:spcPct val="150000"/>
+              </a:lnSpc>
+            </a:pPr>
+            <a:r>
+              <a:rPr lang="zh-CN" altLang="en-US" sz="1600" dirty="0">
+                <a:latin typeface="+mn-ea"/>
+              </a:rPr>
+              <a:t>测试中班级、学生、科目评分标准、成绩等信息使用</a:t>
+            </a:r>
+            <a:r>
+              <a:rPr lang="en-US" altLang="zh-CN" sz="1600" dirty="0">
+                <a:latin typeface="+mn-ea"/>
+              </a:rPr>
+              <a:t>Python</a:t>
+            </a:r>
+            <a:r>
+              <a:rPr lang="zh-CN" altLang="en-US" sz="1600" dirty="0">
+                <a:latin typeface="+mn-ea"/>
+              </a:rPr>
+              <a:t>脚本处理导入数据库</a:t>
+            </a:r>
+            <a:endParaRPr lang="en-US" altLang="zh-CN" sz="1600" dirty="0">
+              <a:latin typeface="+mn-ea"/>
+            </a:endParaRPr>
+          </a:p>
+          <a:p>
+            <a:pPr>
+              <a:lnSpc>
+                <a:spcPct val="150000"/>
+              </a:lnSpc>
+            </a:pPr>
+            <a:endParaRPr lang="en-US" altLang="zh-CN" sz="1600" dirty="0">
+              <a:latin typeface="+mn-ea"/>
+            </a:endParaRPr>
+          </a:p>
+          <a:p>
+            <a:pPr marL="285750" indent="-285750">
+              <a:lnSpc>
+                <a:spcPct val="150000"/>
+              </a:lnSpc>
+              <a:buFont typeface="Wingdings" panose="05000000000000000000" pitchFamily="2" charset="2"/>
+              <a:buChar char="Ø"/>
+            </a:pPr>
+            <a:r>
+              <a:rPr lang="zh-CN" altLang="en-US" dirty="0">
+                <a:latin typeface="Microsoft YaHei UI" panose="020B0503020204020204" pitchFamily="34" charset="-122"/>
+                <a:ea typeface="Microsoft YaHei UI" panose="020B0503020204020204" pitchFamily="34" charset="-122"/>
+              </a:rPr>
+              <a:t>数据库设计问题</a:t>
+            </a:r>
+            <a:endParaRPr lang="en-US" altLang="zh-CN" dirty="0">
+              <a:latin typeface="Microsoft YaHei UI" panose="020B0503020204020204" pitchFamily="34" charset="-122"/>
+              <a:ea typeface="Microsoft YaHei UI" panose="020B0503020204020204" pitchFamily="34" charset="-122"/>
+            </a:endParaRPr>
+          </a:p>
+          <a:p>
+            <a:pPr>
+              <a:lnSpc>
+                <a:spcPct val="150000"/>
+              </a:lnSpc>
+            </a:pPr>
+            <a:r>
+              <a:rPr lang="zh-CN" altLang="en-US" sz="1600" kern="100" dirty="0">
+                <a:effectLst/>
+                <a:latin typeface="+mn-ea"/>
+                <a:cs typeface="Times New Roman" panose="02020603050405020304" pitchFamily="18" charset="0"/>
+              </a:rPr>
+              <a:t>涉及到体测的部分功能</a:t>
+            </a:r>
+            <a:r>
+              <a:rPr lang="en-US" altLang="zh-CN" sz="1600" kern="100" dirty="0">
+                <a:effectLst/>
+                <a:latin typeface="+mn-ea"/>
+                <a:cs typeface="Times New Roman" panose="02020603050405020304" pitchFamily="18" charset="0"/>
+              </a:rPr>
+              <a:t>SQL</a:t>
+            </a:r>
+            <a:r>
+              <a:rPr lang="zh-CN" altLang="zh-CN" sz="1600" kern="100" dirty="0">
+                <a:effectLst/>
+                <a:latin typeface="+mn-ea"/>
+                <a:cs typeface="Times New Roman" panose="02020603050405020304" pitchFamily="18" charset="0"/>
+              </a:rPr>
+              <a:t>内容较长，在数据量大的情况下，可能存在性能问题，后续需要继续优化</a:t>
+            </a:r>
+            <a:endParaRPr lang="en-US" altLang="zh-CN" sz="1600" dirty="0">
+              <a:latin typeface="+mn-ea"/>
+            </a:endParaRPr>
+          </a:p>
+        </p:txBody>
+      </p:sp>
+    </p:spTree>
+    <p:custDataLst>
+      <p:tags r:id="rId1"/>
+    </p:custDataLst>
+    <p:extLst>
+      <p:ext uri="{BB962C8B-B14F-4D97-AF65-F5344CB8AC3E}">
+        <p14:creationId xmlns:p14="http://schemas.microsoft.com/office/powerpoint/2010/main" val="1866919921"/>
+      </p:ext>
+    </p:extLst>
+  </p:cSld>
+  <p:clrMapOvr>
+    <a:masterClrMapping/>
+  </p:clrMapOvr>
+  <p:transition spd="slow" advTm="409">
+    <p:pull/>
+  </p:transition>
+</p:sld>
+</file>
+
+<file path=ppt/slides/slide16.xml><?xml version="1.0" encoding="utf-8"?>
 <p:sld xmlns:a="http://schemas.openxmlformats.org/drawingml/2006/main" xmlns:r="http://schemas.openxmlformats.org/officeDocument/2006/relationships" xmlns:p="http://schemas.openxmlformats.org/presentationml/2006/main">
   <p:cSld>
     <p:spTree>
@@ -5808,7 +7725,7 @@
         </p:nvGrpSpPr>
         <p:grpSpPr>
           <a:xfrm>
-            <a:off x="3420404" y="1370716"/>
+            <a:off x="3412521" y="795275"/>
             <a:ext cx="531441" cy="525000"/>
             <a:chOff x="304800" y="673100"/>
             <a:chExt cx="4000500" cy="4000500"/>
@@ -5988,8 +7905,8 @@
         </p:nvSpPr>
         <p:spPr>
           <a:xfrm>
-            <a:off x="3980517" y="1448549"/>
-            <a:ext cx="1569660" cy="369332"/>
+            <a:off x="3972634" y="873108"/>
+            <a:ext cx="1107996" cy="369332"/>
           </a:xfrm>
           <a:prstGeom prst="rect">
             <a:avLst/>
@@ -6007,7 +7924,7 @@
                 <a:latin typeface="微软雅黑" panose="020B0503020204020204" pitchFamily="34" charset="-122"/>
                 <a:ea typeface="微软雅黑" panose="020B0503020204020204" pitchFamily="34" charset="-122"/>
               </a:rPr>
-              <a:t>系统整体架构</a:t>
+              <a:t>系统目的</a:t>
             </a:r>
           </a:p>
         </p:txBody>
@@ -6026,8 +7943,8 @@
         </p:nvSpPr>
         <p:spPr>
           <a:xfrm>
-            <a:off x="3975043" y="2908273"/>
-            <a:ext cx="1569660" cy="369332"/>
+            <a:off x="3972634" y="1569266"/>
+            <a:ext cx="2262158" cy="369332"/>
           </a:xfrm>
           <a:prstGeom prst="rect">
             <a:avLst/>
@@ -6045,45 +7962,7 @@
                 <a:latin typeface="微软雅黑" panose="020B0503020204020204" pitchFamily="34" charset="-122"/>
                 <a:ea typeface="微软雅黑" panose="020B0503020204020204" pitchFamily="34" charset="-122"/>
               </a:rPr>
-              <a:t>工作中的问题</a:t>
-            </a:r>
-          </a:p>
-        </p:txBody>
-      </p:sp>
-      <p:sp>
-        <p:nvSpPr>
-          <p:cNvPr id="11" name="TextBox 145">
-            <a:extLst>
-              <a:ext uri="{FF2B5EF4-FFF2-40B4-BE49-F238E27FC236}">
-                <a16:creationId xmlns:a16="http://schemas.microsoft.com/office/drawing/2014/main" id="{5C409B8C-F089-4D20-81C4-32486F2FBB73}"/>
-              </a:ext>
-            </a:extLst>
-          </p:cNvPr>
-          <p:cNvSpPr txBox="1"/>
-          <p:nvPr/>
-        </p:nvSpPr>
-        <p:spPr>
-          <a:xfrm>
-            <a:off x="3980517" y="2176677"/>
-            <a:ext cx="1569660" cy="369332"/>
-          </a:xfrm>
-          <a:prstGeom prst="rect">
-            <a:avLst/>
-          </a:prstGeom>
-          <a:noFill/>
-        </p:spPr>
-        <p:txBody>
-          <a:bodyPr wrap="none" rtlCol="0">
-            <a:spAutoFit/>
-          </a:bodyPr>
-          <a:lstStyle/>
-          <a:p>
-            <a:r>
-              <a:rPr lang="zh-CN" altLang="en-US" dirty="0">
-                <a:latin typeface="微软雅黑" panose="020B0503020204020204" pitchFamily="34" charset="-122"/>
-                <a:ea typeface="微软雅黑" panose="020B0503020204020204" pitchFamily="34" charset="-122"/>
-              </a:rPr>
-              <a:t>系统功能展示</a:t>
+              <a:t>系统架构及技术路线</a:t>
             </a:r>
           </a:p>
         </p:txBody>
@@ -6102,7 +7981,7 @@
         </p:nvSpPr>
         <p:spPr>
           <a:xfrm>
-            <a:off x="3975043" y="3641373"/>
+            <a:off x="3972634" y="2302366"/>
             <a:ext cx="1107996" cy="369332"/>
           </a:xfrm>
           <a:prstGeom prst="rect">
@@ -6121,191 +8000,11 @@
                 <a:latin typeface="微软雅黑" panose="020B0503020204020204" pitchFamily="34" charset="-122"/>
                 <a:ea typeface="微软雅黑" panose="020B0503020204020204" pitchFamily="34" charset="-122"/>
               </a:rPr>
-              <a:t>后续安排</a:t>
-            </a:r>
-          </a:p>
-        </p:txBody>
-      </p:sp>
-      <p:grpSp>
-        <p:nvGrpSpPr>
-          <p:cNvPr id="13" name="组合 12">
-            <a:extLst>
-              <a:ext uri="{FF2B5EF4-FFF2-40B4-BE49-F238E27FC236}">
-                <a16:creationId xmlns:a16="http://schemas.microsoft.com/office/drawing/2014/main" id="{A401ECAF-6E08-4A22-8398-CF5BEA83D06A}"/>
-              </a:ext>
-            </a:extLst>
-          </p:cNvPr>
-          <p:cNvGrpSpPr/>
-          <p:nvPr/>
-        </p:nvGrpSpPr>
-        <p:grpSpPr>
-          <a:xfrm>
-            <a:off x="3408805" y="2098843"/>
-            <a:ext cx="531441" cy="525000"/>
-            <a:chOff x="304800" y="673100"/>
-            <a:chExt cx="4000500" cy="4000500"/>
-          </a:xfrm>
-          <a:effectLst>
-            <a:outerShdw blurRad="444500" dist="254000" dir="8100000" algn="tr" rotWithShape="0">
-              <a:prstClr val="black">
-                <a:alpha val="50000"/>
-              </a:prstClr>
-            </a:outerShdw>
-          </a:effectLst>
-        </p:grpSpPr>
-        <p:sp>
-          <p:nvSpPr>
-            <p:cNvPr id="14" name="同心圆 121">
-              <a:extLst>
-                <a:ext uri="{FF2B5EF4-FFF2-40B4-BE49-F238E27FC236}">
-                  <a16:creationId xmlns:a16="http://schemas.microsoft.com/office/drawing/2014/main" id="{8C27E597-1A6A-44DA-91AF-0EBE61C45F5F}"/>
-                </a:ext>
-              </a:extLst>
-            </p:cNvPr>
-            <p:cNvSpPr/>
-            <p:nvPr/>
-          </p:nvSpPr>
-          <p:spPr>
-            <a:xfrm>
-              <a:off x="304800" y="673100"/>
-              <a:ext cx="4000500" cy="4000500"/>
-            </a:xfrm>
-            <a:prstGeom prst="donut">
-              <a:avLst>
-                <a:gd name="adj" fmla="val 4879"/>
-              </a:avLst>
-            </a:prstGeom>
-            <a:gradFill>
-              <a:gsLst>
-                <a:gs pos="0">
-                  <a:schemeClr val="bg1"/>
-                </a:gs>
-                <a:gs pos="55000">
-                  <a:schemeClr val="bg1">
-                    <a:lumMod val="95000"/>
-                  </a:schemeClr>
-                </a:gs>
-                <a:gs pos="100000">
-                  <a:schemeClr val="bg1">
-                    <a:lumMod val="65000"/>
-                  </a:schemeClr>
-                </a:gs>
-              </a:gsLst>
-              <a:lin ang="8100000" scaled="0"/>
-            </a:gradFill>
-            <a:ln>
-              <a:noFill/>
-            </a:ln>
-          </p:spPr>
-          <p:style>
-            <a:lnRef idx="2">
-              <a:schemeClr val="accent1">
-                <a:shade val="50000"/>
-              </a:schemeClr>
-            </a:lnRef>
-            <a:fillRef idx="1">
-              <a:schemeClr val="accent1"/>
-            </a:fillRef>
-            <a:effectRef idx="0">
-              <a:schemeClr val="accent1"/>
-            </a:effectRef>
-            <a:fontRef idx="minor">
-              <a:schemeClr val="lt1"/>
-            </a:fontRef>
-          </p:style>
-          <p:txBody>
-            <a:bodyPr rtlCol="0" anchor="ctr"/>
-            <a:lstStyle/>
-            <a:p>
-              <a:pPr algn="ctr"/>
-              <a:endParaRPr lang="zh-CN" altLang="en-US">
-                <a:solidFill>
-                  <a:srgbClr val="1A3F6C"/>
-                </a:solidFill>
-              </a:endParaRPr>
-            </a:p>
-          </p:txBody>
-        </p:sp>
-        <p:sp>
-          <p:nvSpPr>
-            <p:cNvPr id="15" name="椭圆 14">
-              <a:extLst>
-                <a:ext uri="{FF2B5EF4-FFF2-40B4-BE49-F238E27FC236}">
-                  <a16:creationId xmlns:a16="http://schemas.microsoft.com/office/drawing/2014/main" id="{96783492-B0E6-454A-AA55-7C4FE38C157A}"/>
-                </a:ext>
-              </a:extLst>
-            </p:cNvPr>
-            <p:cNvSpPr/>
-            <p:nvPr/>
-          </p:nvSpPr>
-          <p:spPr>
-            <a:xfrm>
-              <a:off x="392113" y="760413"/>
-              <a:ext cx="3825874" cy="3825874"/>
-            </a:xfrm>
-            <a:prstGeom prst="ellipse">
-              <a:avLst/>
-            </a:prstGeom>
-            <a:gradFill>
-              <a:gsLst>
-                <a:gs pos="0">
-                  <a:schemeClr val="bg1"/>
-                </a:gs>
-                <a:gs pos="51000">
-                  <a:schemeClr val="bg1">
-                    <a:lumMod val="95000"/>
-                  </a:schemeClr>
-                </a:gs>
-                <a:gs pos="100000">
-                  <a:schemeClr val="bg1">
-                    <a:lumMod val="75000"/>
-                  </a:schemeClr>
-                </a:gs>
-              </a:gsLst>
-              <a:lin ang="18900000" scaled="0"/>
-            </a:gradFill>
-            <a:ln>
-              <a:noFill/>
-            </a:ln>
-          </p:spPr>
-          <p:style>
-            <a:lnRef idx="2">
-              <a:schemeClr val="accent1">
-                <a:shade val="50000"/>
-              </a:schemeClr>
-            </a:lnRef>
-            <a:fillRef idx="1">
-              <a:schemeClr val="accent1"/>
-            </a:fillRef>
-            <a:effectRef idx="0">
-              <a:schemeClr val="accent1"/>
-            </a:effectRef>
-            <a:fontRef idx="minor">
-              <a:schemeClr val="lt1"/>
-            </a:fontRef>
-          </p:style>
-          <p:txBody>
-            <a:bodyPr rtlCol="0" anchor="ctr"/>
-            <a:lstStyle/>
-            <a:p>
-              <a:pPr algn="ctr"/>
-              <a:r>
-                <a:rPr lang="en-US" altLang="zh-CN" sz="3600" dirty="0">
-                  <a:solidFill>
-                    <a:srgbClr val="1A3F6C"/>
-                  </a:solidFill>
-                </a:rPr>
-                <a:t>2</a:t>
-              </a:r>
-              <a:endParaRPr lang="zh-CN" altLang="en-US" dirty="0">
-                <a:solidFill>
-                  <a:srgbClr val="1A3F6C"/>
-                </a:solidFill>
-              </a:endParaRPr>
-            </a:p>
-          </p:txBody>
-        </p:sp>
-      </p:grpSp>
+              <a:t>系统设计</a:t>
+            </a:r>
+          </a:p>
+        </p:txBody>
+      </p:sp>
       <p:grpSp>
         <p:nvGrpSpPr>
           <p:cNvPr id="17" name="组合 16">
@@ -6320,7 +8019,7 @@
         </p:nvGrpSpPr>
         <p:grpSpPr>
           <a:xfrm>
-            <a:off x="3432003" y="3558567"/>
+            <a:off x="3429594" y="2219560"/>
             <a:ext cx="531441" cy="525000"/>
             <a:chOff x="304800" y="673100"/>
             <a:chExt cx="4000500" cy="4000500"/>
@@ -6500,7 +8199,7 @@
         </p:nvGrpSpPr>
         <p:grpSpPr>
           <a:xfrm>
-            <a:off x="3432003" y="2830440"/>
+            <a:off x="3429594" y="1491433"/>
             <a:ext cx="531441" cy="525000"/>
             <a:chOff x="304800" y="673100"/>
             <a:chExt cx="4000500" cy="4000500"/>
@@ -6666,6 +8365,442 @@
           </p:txBody>
         </p:sp>
       </p:grpSp>
+      <p:sp>
+        <p:nvSpPr>
+          <p:cNvPr id="23" name="TextBox 146">
+            <a:extLst>
+              <a:ext uri="{FF2B5EF4-FFF2-40B4-BE49-F238E27FC236}">
+                <a16:creationId xmlns:a16="http://schemas.microsoft.com/office/drawing/2014/main" id="{74563DC6-6D04-4CC4-806B-86595F36BEE4}"/>
+              </a:ext>
+            </a:extLst>
+          </p:cNvPr>
+          <p:cNvSpPr txBox="1"/>
+          <p:nvPr/>
+        </p:nvSpPr>
+        <p:spPr>
+          <a:xfrm>
+            <a:off x="3956444" y="3035466"/>
+            <a:ext cx="1800493" cy="369332"/>
+          </a:xfrm>
+          <a:prstGeom prst="rect">
+            <a:avLst/>
+          </a:prstGeom>
+          <a:noFill/>
+        </p:spPr>
+        <p:txBody>
+          <a:bodyPr wrap="none" rtlCol="0">
+            <a:spAutoFit/>
+          </a:bodyPr>
+          <a:lstStyle/>
+          <a:p>
+            <a:r>
+              <a:rPr lang="zh-CN" altLang="en-US" dirty="0">
+                <a:latin typeface="微软雅黑" panose="020B0503020204020204" pitchFamily="34" charset="-122"/>
+                <a:ea typeface="微软雅黑" panose="020B0503020204020204" pitchFamily="34" charset="-122"/>
+              </a:rPr>
+              <a:t>完成进度及展示</a:t>
+            </a:r>
+          </a:p>
+        </p:txBody>
+      </p:sp>
+      <p:grpSp>
+        <p:nvGrpSpPr>
+          <p:cNvPr id="27" name="组合 26">
+            <a:extLst>
+              <a:ext uri="{FF2B5EF4-FFF2-40B4-BE49-F238E27FC236}">
+                <a16:creationId xmlns:a16="http://schemas.microsoft.com/office/drawing/2014/main" id="{6F9D27BD-3E4A-44D5-A80F-6BB48F0CCE1D}"/>
+              </a:ext>
+            </a:extLst>
+          </p:cNvPr>
+          <p:cNvGrpSpPr/>
+          <p:nvPr/>
+        </p:nvGrpSpPr>
+        <p:grpSpPr>
+          <a:xfrm>
+            <a:off x="3441193" y="2967863"/>
+            <a:ext cx="531441" cy="525000"/>
+            <a:chOff x="304800" y="673100"/>
+            <a:chExt cx="4000500" cy="4000500"/>
+          </a:xfrm>
+          <a:effectLst>
+            <a:outerShdw blurRad="444500" dist="254000" dir="8100000" algn="tr" rotWithShape="0">
+              <a:prstClr val="black">
+                <a:alpha val="50000"/>
+              </a:prstClr>
+            </a:outerShdw>
+          </a:effectLst>
+        </p:grpSpPr>
+        <p:sp>
+          <p:nvSpPr>
+            <p:cNvPr id="28" name="同心圆 121">
+              <a:extLst>
+                <a:ext uri="{FF2B5EF4-FFF2-40B4-BE49-F238E27FC236}">
+                  <a16:creationId xmlns:a16="http://schemas.microsoft.com/office/drawing/2014/main" id="{57724D12-DEA0-4D27-ADBF-B0C185A0F4C3}"/>
+                </a:ext>
+              </a:extLst>
+            </p:cNvPr>
+            <p:cNvSpPr/>
+            <p:nvPr/>
+          </p:nvSpPr>
+          <p:spPr>
+            <a:xfrm>
+              <a:off x="304800" y="673100"/>
+              <a:ext cx="4000500" cy="4000500"/>
+            </a:xfrm>
+            <a:prstGeom prst="donut">
+              <a:avLst>
+                <a:gd name="adj" fmla="val 4879"/>
+              </a:avLst>
+            </a:prstGeom>
+            <a:gradFill>
+              <a:gsLst>
+                <a:gs pos="0">
+                  <a:schemeClr val="bg1"/>
+                </a:gs>
+                <a:gs pos="55000">
+                  <a:schemeClr val="bg1">
+                    <a:lumMod val="95000"/>
+                  </a:schemeClr>
+                </a:gs>
+                <a:gs pos="100000">
+                  <a:schemeClr val="bg1">
+                    <a:lumMod val="65000"/>
+                  </a:schemeClr>
+                </a:gs>
+              </a:gsLst>
+              <a:lin ang="8100000" scaled="0"/>
+            </a:gradFill>
+            <a:ln>
+              <a:noFill/>
+            </a:ln>
+          </p:spPr>
+          <p:style>
+            <a:lnRef idx="2">
+              <a:schemeClr val="accent1">
+                <a:shade val="50000"/>
+              </a:schemeClr>
+            </a:lnRef>
+            <a:fillRef idx="1">
+              <a:schemeClr val="accent1"/>
+            </a:fillRef>
+            <a:effectRef idx="0">
+              <a:schemeClr val="accent1"/>
+            </a:effectRef>
+            <a:fontRef idx="minor">
+              <a:schemeClr val="lt1"/>
+            </a:fontRef>
+          </p:style>
+          <p:txBody>
+            <a:bodyPr rtlCol="0" anchor="ctr"/>
+            <a:lstStyle/>
+            <a:p>
+              <a:pPr algn="ctr"/>
+              <a:endParaRPr lang="zh-CN" altLang="en-US">
+                <a:solidFill>
+                  <a:srgbClr val="1A3F6C"/>
+                </a:solidFill>
+              </a:endParaRPr>
+            </a:p>
+          </p:txBody>
+        </p:sp>
+        <p:sp>
+          <p:nvSpPr>
+            <p:cNvPr id="29" name="椭圆 28">
+              <a:extLst>
+                <a:ext uri="{FF2B5EF4-FFF2-40B4-BE49-F238E27FC236}">
+                  <a16:creationId xmlns:a16="http://schemas.microsoft.com/office/drawing/2014/main" id="{26DE7BF3-A1B7-4DB5-B16F-DFF21B635DBD}"/>
+                </a:ext>
+              </a:extLst>
+            </p:cNvPr>
+            <p:cNvSpPr/>
+            <p:nvPr/>
+          </p:nvSpPr>
+          <p:spPr>
+            <a:xfrm>
+              <a:off x="392113" y="760413"/>
+              <a:ext cx="3825874" cy="3825874"/>
+            </a:xfrm>
+            <a:prstGeom prst="ellipse">
+              <a:avLst/>
+            </a:prstGeom>
+            <a:gradFill>
+              <a:gsLst>
+                <a:gs pos="0">
+                  <a:schemeClr val="bg1"/>
+                </a:gs>
+                <a:gs pos="51000">
+                  <a:schemeClr val="bg1">
+                    <a:lumMod val="95000"/>
+                  </a:schemeClr>
+                </a:gs>
+                <a:gs pos="100000">
+                  <a:schemeClr val="bg1">
+                    <a:lumMod val="75000"/>
+                  </a:schemeClr>
+                </a:gs>
+              </a:gsLst>
+              <a:lin ang="18900000" scaled="0"/>
+            </a:gradFill>
+            <a:ln>
+              <a:noFill/>
+            </a:ln>
+          </p:spPr>
+          <p:style>
+            <a:lnRef idx="2">
+              <a:schemeClr val="accent1">
+                <a:shade val="50000"/>
+              </a:schemeClr>
+            </a:lnRef>
+            <a:fillRef idx="1">
+              <a:schemeClr val="accent1"/>
+            </a:fillRef>
+            <a:effectRef idx="0">
+              <a:schemeClr val="accent1"/>
+            </a:effectRef>
+            <a:fontRef idx="minor">
+              <a:schemeClr val="lt1"/>
+            </a:fontRef>
+          </p:style>
+          <p:txBody>
+            <a:bodyPr rtlCol="0" anchor="ctr"/>
+            <a:lstStyle/>
+            <a:p>
+              <a:pPr algn="ctr"/>
+              <a:r>
+                <a:rPr lang="en-US" altLang="zh-CN" sz="3600" dirty="0">
+                  <a:solidFill>
+                    <a:srgbClr val="1A3F6C"/>
+                  </a:solidFill>
+                </a:rPr>
+                <a:t>5</a:t>
+              </a:r>
+              <a:endParaRPr lang="zh-CN" altLang="en-US" dirty="0">
+                <a:solidFill>
+                  <a:srgbClr val="1A3F6C"/>
+                </a:solidFill>
+              </a:endParaRPr>
+            </a:p>
+          </p:txBody>
+        </p:sp>
+      </p:grpSp>
+      <p:sp>
+        <p:nvSpPr>
+          <p:cNvPr id="30" name="TextBox 146">
+            <a:extLst>
+              <a:ext uri="{FF2B5EF4-FFF2-40B4-BE49-F238E27FC236}">
+                <a16:creationId xmlns:a16="http://schemas.microsoft.com/office/drawing/2014/main" id="{11DE2D5E-809F-4FE7-AABB-B4039F3DD0F6}"/>
+              </a:ext>
+            </a:extLst>
+          </p:cNvPr>
+          <p:cNvSpPr txBox="1"/>
+          <p:nvPr/>
+        </p:nvSpPr>
+        <p:spPr>
+          <a:xfrm>
+            <a:off x="3956444" y="3777294"/>
+            <a:ext cx="2723823" cy="369332"/>
+          </a:xfrm>
+          <a:prstGeom prst="rect">
+            <a:avLst/>
+          </a:prstGeom>
+          <a:noFill/>
+        </p:spPr>
+        <p:txBody>
+          <a:bodyPr wrap="none" rtlCol="0">
+            <a:spAutoFit/>
+          </a:bodyPr>
+          <a:lstStyle/>
+          <a:p>
+            <a:r>
+              <a:rPr lang="zh-CN" altLang="en-US" dirty="0">
+                <a:latin typeface="微软雅黑" panose="020B0503020204020204" pitchFamily="34" charset="-122"/>
+                <a:ea typeface="微软雅黑" panose="020B0503020204020204" pitchFamily="34" charset="-122"/>
+              </a:rPr>
+              <a:t>工作中的问题及后续安排</a:t>
+            </a:r>
+          </a:p>
+        </p:txBody>
+      </p:sp>
+      <p:grpSp>
+        <p:nvGrpSpPr>
+          <p:cNvPr id="31" name="组合 30">
+            <a:extLst>
+              <a:ext uri="{FF2B5EF4-FFF2-40B4-BE49-F238E27FC236}">
+                <a16:creationId xmlns:a16="http://schemas.microsoft.com/office/drawing/2014/main" id="{64CDDB72-08EE-495C-814C-B1BCBCAE411E}"/>
+              </a:ext>
+            </a:extLst>
+          </p:cNvPr>
+          <p:cNvGrpSpPr/>
+          <p:nvPr/>
+        </p:nvGrpSpPr>
+        <p:grpSpPr>
+          <a:xfrm>
+            <a:off x="3425003" y="3698315"/>
+            <a:ext cx="531441" cy="526145"/>
+            <a:chOff x="304800" y="664375"/>
+            <a:chExt cx="4000500" cy="4009225"/>
+          </a:xfrm>
+          <a:effectLst>
+            <a:outerShdw blurRad="444500" dist="254000" dir="8100000" algn="tr" rotWithShape="0">
+              <a:prstClr val="black">
+                <a:alpha val="50000"/>
+              </a:prstClr>
+            </a:outerShdw>
+          </a:effectLst>
+        </p:grpSpPr>
+        <p:sp>
+          <p:nvSpPr>
+            <p:cNvPr id="32" name="同心圆 121">
+              <a:extLst>
+                <a:ext uri="{FF2B5EF4-FFF2-40B4-BE49-F238E27FC236}">
+                  <a16:creationId xmlns:a16="http://schemas.microsoft.com/office/drawing/2014/main" id="{6F83ADFD-778D-43D0-96BA-3C6941125D22}"/>
+                </a:ext>
+              </a:extLst>
+            </p:cNvPr>
+            <p:cNvSpPr/>
+            <p:nvPr/>
+          </p:nvSpPr>
+          <p:spPr>
+            <a:xfrm>
+              <a:off x="304800" y="673100"/>
+              <a:ext cx="4000500" cy="4000500"/>
+            </a:xfrm>
+            <a:prstGeom prst="donut">
+              <a:avLst>
+                <a:gd name="adj" fmla="val 4879"/>
+              </a:avLst>
+            </a:prstGeom>
+            <a:gradFill>
+              <a:gsLst>
+                <a:gs pos="0">
+                  <a:schemeClr val="bg1"/>
+                </a:gs>
+                <a:gs pos="55000">
+                  <a:schemeClr val="bg1">
+                    <a:lumMod val="95000"/>
+                  </a:schemeClr>
+                </a:gs>
+                <a:gs pos="100000">
+                  <a:schemeClr val="bg1">
+                    <a:lumMod val="65000"/>
+                  </a:schemeClr>
+                </a:gs>
+              </a:gsLst>
+              <a:lin ang="8100000" scaled="0"/>
+            </a:gradFill>
+            <a:ln>
+              <a:noFill/>
+            </a:ln>
+          </p:spPr>
+          <p:style>
+            <a:lnRef idx="2">
+              <a:schemeClr val="accent1">
+                <a:shade val="50000"/>
+              </a:schemeClr>
+            </a:lnRef>
+            <a:fillRef idx="1">
+              <a:schemeClr val="accent1"/>
+            </a:fillRef>
+            <a:effectRef idx="0">
+              <a:schemeClr val="accent1"/>
+            </a:effectRef>
+            <a:fontRef idx="minor">
+              <a:schemeClr val="lt1"/>
+            </a:fontRef>
+          </p:style>
+          <p:txBody>
+            <a:bodyPr rtlCol="0" anchor="ctr"/>
+            <a:lstStyle/>
+            <a:p>
+              <a:pPr algn="ctr"/>
+              <a:endParaRPr lang="zh-CN" altLang="en-US">
+                <a:solidFill>
+                  <a:srgbClr val="1A3F6C"/>
+                </a:solidFill>
+              </a:endParaRPr>
+            </a:p>
+          </p:txBody>
+        </p:sp>
+        <p:sp>
+          <p:nvSpPr>
+            <p:cNvPr id="33" name="椭圆 32">
+              <a:extLst>
+                <a:ext uri="{FF2B5EF4-FFF2-40B4-BE49-F238E27FC236}">
+                  <a16:creationId xmlns:a16="http://schemas.microsoft.com/office/drawing/2014/main" id="{DA8E5A2F-02F9-4C00-B747-73C1D920AA61}"/>
+                </a:ext>
+              </a:extLst>
+            </p:cNvPr>
+            <p:cNvSpPr/>
+            <p:nvPr/>
+          </p:nvSpPr>
+          <p:spPr>
+            <a:xfrm>
+              <a:off x="392113" y="664375"/>
+              <a:ext cx="3825874" cy="3825872"/>
+            </a:xfrm>
+            <a:prstGeom prst="ellipse">
+              <a:avLst/>
+            </a:prstGeom>
+            <a:gradFill>
+              <a:gsLst>
+                <a:gs pos="0">
+                  <a:schemeClr val="bg1"/>
+                </a:gs>
+                <a:gs pos="51000">
+                  <a:schemeClr val="bg1">
+                    <a:lumMod val="95000"/>
+                  </a:schemeClr>
+                </a:gs>
+                <a:gs pos="100000">
+                  <a:schemeClr val="bg1">
+                    <a:lumMod val="75000"/>
+                  </a:schemeClr>
+                </a:gs>
+              </a:gsLst>
+              <a:lin ang="18900000" scaled="0"/>
+            </a:gradFill>
+            <a:ln>
+              <a:noFill/>
+            </a:ln>
+          </p:spPr>
+          <p:style>
+            <a:lnRef idx="2">
+              <a:schemeClr val="accent1">
+                <a:shade val="50000"/>
+              </a:schemeClr>
+            </a:lnRef>
+            <a:fillRef idx="1">
+              <a:schemeClr val="accent1"/>
+            </a:fillRef>
+            <a:effectRef idx="0">
+              <a:schemeClr val="accent1"/>
+            </a:effectRef>
+            <a:fontRef idx="minor">
+              <a:schemeClr val="lt1"/>
+            </a:fontRef>
+          </p:style>
+          <p:txBody>
+            <a:bodyPr rtlCol="0" anchor="ctr"/>
+            <a:lstStyle/>
+            <a:p>
+              <a:pPr algn="ctr"/>
+              <a:r>
+                <a:rPr lang="en-US" altLang="zh-CN" sz="3600" dirty="0">
+                  <a:solidFill>
+                    <a:srgbClr val="1A3F6C"/>
+                  </a:solidFill>
+                </a:rPr>
+                <a:t>6</a:t>
+              </a:r>
+              <a:endParaRPr lang="zh-CN" altLang="en-US" dirty="0">
+                <a:solidFill>
+                  <a:srgbClr val="1A3F6C"/>
+                </a:solidFill>
+              </a:endParaRPr>
+            </a:p>
+          </p:txBody>
+        </p:sp>
+      </p:grpSp>
     </p:spTree>
     <p:custDataLst>
       <p:tags r:id="rId1"/>
@@ -6818,54 +8953,351 @@
                 <a:latin typeface="微软雅黑" panose="020B0503020204020204" pitchFamily="34" charset="-122"/>
                 <a:ea typeface="微软雅黑" panose="020B0503020204020204" pitchFamily="34" charset="-122"/>
               </a:rPr>
-              <a:t>系统架构</a:t>
-            </a:r>
-          </a:p>
-        </p:txBody>
-      </p:sp>
-      <p:pic>
-        <p:nvPicPr>
-          <p:cNvPr id="16" name="图片 15">
+              <a:t>系统目的</a:t>
+            </a:r>
+          </a:p>
+        </p:txBody>
+      </p:sp>
+      <p:sp>
+        <p:nvSpPr>
+          <p:cNvPr id="34" name="圆角矩形 75">
             <a:extLst>
               <a:ext uri="{FF2B5EF4-FFF2-40B4-BE49-F238E27FC236}">
-                <a16:creationId xmlns:a16="http://schemas.microsoft.com/office/drawing/2014/main" id="{F729407D-712D-4079-AA1C-62F326FB4333}"/>
+                <a16:creationId xmlns:a16="http://schemas.microsoft.com/office/drawing/2014/main" id="{CA109C4E-C3C3-4C21-AE97-CE3DCF61022E}"/>
               </a:ext>
             </a:extLst>
           </p:cNvPr>
-          <p:cNvPicPr>
-            <a:picLocks noChangeAspect="1"/>
-          </p:cNvPicPr>
+          <p:cNvSpPr/>
           <p:nvPr/>
-        </p:nvPicPr>
-        <p:blipFill>
-          <a:blip r:embed="rId4" cstate="print">
+        </p:nvSpPr>
+        <p:spPr>
+          <a:xfrm>
+            <a:off x="2042257" y="1108026"/>
+            <a:ext cx="4498650" cy="551920"/>
+          </a:xfrm>
+          <a:prstGeom prst="roundRect">
+            <a:avLst>
+              <a:gd name="adj" fmla="val 50000"/>
+            </a:avLst>
+          </a:prstGeom>
+          <a:solidFill>
+            <a:srgbClr val="E6E7E9"/>
+          </a:solidFill>
+          <a:ln>
+            <a:noFill/>
+          </a:ln>
+          <a:effectLst>
+            <a:outerShdw blurRad="444500" dist="254000" dir="8100000" algn="tr" rotWithShape="0">
+              <a:prstClr val="black">
+                <a:alpha val="40000"/>
+              </a:prstClr>
+            </a:outerShdw>
+          </a:effectLst>
+        </p:spPr>
+        <p:style>
+          <a:lnRef idx="2">
+            <a:schemeClr val="accent1">
+              <a:shade val="50000"/>
+            </a:schemeClr>
+          </a:lnRef>
+          <a:fillRef idx="1">
+            <a:schemeClr val="accent1"/>
+          </a:fillRef>
+          <a:effectRef idx="0">
+            <a:schemeClr val="accent1"/>
+          </a:effectRef>
+          <a:fontRef idx="minor">
+            <a:schemeClr val="lt1"/>
+          </a:fontRef>
+        </p:style>
+        <p:txBody>
+          <a:bodyPr rtlCol="0" anchor="ctr"/>
+          <a:lstStyle/>
+          <a:p>
+            <a:pPr algn="ctr"/>
+            <a:r>
+              <a:rPr lang="zh-CN" altLang="en-US" sz="2000" b="1" dirty="0">
+                <a:solidFill>
+                  <a:schemeClr val="tx1"/>
+                </a:solidFill>
+                <a:latin typeface="微软雅黑" panose="020B0503020204020204" pitchFamily="34" charset="-122"/>
+                <a:ea typeface="微软雅黑" panose="020B0503020204020204" pitchFamily="34" charset="-122"/>
+              </a:rPr>
+              <a:t>体质健康数据管理系统</a:t>
+            </a:r>
+            <a:r>
+              <a:rPr lang="en-US" altLang="zh-CN" sz="2000" b="1" dirty="0">
+                <a:solidFill>
+                  <a:schemeClr val="tx1"/>
+                </a:solidFill>
+                <a:latin typeface="微软雅黑" panose="020B0503020204020204" pitchFamily="34" charset="-122"/>
+                <a:ea typeface="微软雅黑" panose="020B0503020204020204" pitchFamily="34" charset="-122"/>
+              </a:rPr>
+              <a:t>Web</a:t>
+            </a:r>
+            <a:r>
+              <a:rPr lang="zh-CN" altLang="en-US" sz="2000" b="1" dirty="0">
+                <a:solidFill>
+                  <a:schemeClr val="tx1"/>
+                </a:solidFill>
+                <a:latin typeface="微软雅黑" panose="020B0503020204020204" pitchFamily="34" charset="-122"/>
+                <a:ea typeface="微软雅黑" panose="020B0503020204020204" pitchFamily="34" charset="-122"/>
+              </a:rPr>
+              <a:t>软件开发</a:t>
+            </a:r>
+          </a:p>
+        </p:txBody>
+      </p:sp>
+      <p:sp>
+        <p:nvSpPr>
+          <p:cNvPr id="35" name="圆角矩形 75">
             <a:extLst>
-              <a:ext uri="{28A0092B-C50C-407E-A947-70E740481C1C}">
-                <a14:useLocalDpi xmlns:a14="http://schemas.microsoft.com/office/drawing/2010/main" val="0"/>
+              <a:ext uri="{FF2B5EF4-FFF2-40B4-BE49-F238E27FC236}">
+                <a16:creationId xmlns:a16="http://schemas.microsoft.com/office/drawing/2014/main" id="{5C57700B-9B89-4905-A720-AB061A319D89}"/>
               </a:ext>
             </a:extLst>
-          </a:blip>
-          <a:stretch>
-            <a:fillRect/>
-          </a:stretch>
-        </p:blipFill>
+          </p:cNvPr>
+          <p:cNvSpPr/>
+          <p:nvPr/>
+        </p:nvSpPr>
         <p:spPr>
           <a:xfrm>
-            <a:off x="1755642" y="816750"/>
-            <a:ext cx="5288334" cy="4120415"/>
-          </a:xfrm>
-          <a:prstGeom prst="rect">
+            <a:off x="515257" y="2695777"/>
+            <a:ext cx="8380770" cy="1686910"/>
+          </a:xfrm>
+          <a:prstGeom prst="roundRect">
+            <a:avLst>
+              <a:gd name="adj" fmla="val 50000"/>
+            </a:avLst>
+          </a:prstGeom>
+          <a:solidFill>
+            <a:srgbClr val="E6E7E9"/>
+          </a:solidFill>
+          <a:ln>
+            <a:noFill/>
+          </a:ln>
+          <a:effectLst>
+            <a:outerShdw blurRad="444500" dist="254000" dir="8100000" algn="tr" rotWithShape="0">
+              <a:prstClr val="black">
+                <a:alpha val="40000"/>
+              </a:prstClr>
+            </a:outerShdw>
+          </a:effectLst>
+        </p:spPr>
+        <p:style>
+          <a:lnRef idx="2">
+            <a:schemeClr val="accent1">
+              <a:shade val="50000"/>
+            </a:schemeClr>
+          </a:lnRef>
+          <a:fillRef idx="1">
+            <a:schemeClr val="accent1"/>
+          </a:fillRef>
+          <a:effectRef idx="0">
+            <a:schemeClr val="accent1"/>
+          </a:effectRef>
+          <a:fontRef idx="minor">
+            <a:schemeClr val="lt1"/>
+          </a:fontRef>
+        </p:style>
+        <p:txBody>
+          <a:bodyPr rtlCol="0" anchor="ctr"/>
+          <a:lstStyle/>
+          <a:p>
+            <a:pPr indent="-285750">
+              <a:lnSpc>
+                <a:spcPct val="135000"/>
+              </a:lnSpc>
+              <a:buFont typeface="Wingdings" panose="05000000000000000000" pitchFamily="2" charset="2"/>
+              <a:buChar char="Ø"/>
+            </a:pPr>
+            <a:r>
+              <a:rPr lang="zh-CN" altLang="zh-CN" sz="1600" dirty="0">
+                <a:solidFill>
+                  <a:schemeClr val="tx1"/>
+                </a:solidFill>
+                <a:latin typeface="微软雅黑" panose="020B0503020204020204" pitchFamily="34" charset="-122"/>
+                <a:ea typeface="微软雅黑" panose="020B0503020204020204" pitchFamily="34" charset="-122"/>
+              </a:rPr>
+              <a:t>以青少年体质健康测试数据为基础搭建数据管理软件系统</a:t>
+            </a:r>
+            <a:endParaRPr lang="en-US" altLang="zh-CN" sz="1600" dirty="0">
+              <a:solidFill>
+                <a:schemeClr val="tx1"/>
+              </a:solidFill>
+              <a:latin typeface="微软雅黑" panose="020B0503020204020204" pitchFamily="34" charset="-122"/>
+              <a:ea typeface="微软雅黑" panose="020B0503020204020204" pitchFamily="34" charset="-122"/>
+            </a:endParaRPr>
+          </a:p>
+          <a:p>
+            <a:pPr indent="-285750">
+              <a:lnSpc>
+                <a:spcPct val="135000"/>
+              </a:lnSpc>
+              <a:buFont typeface="Wingdings" panose="05000000000000000000" pitchFamily="2" charset="2"/>
+              <a:buChar char="Ø"/>
+            </a:pPr>
+            <a:r>
+              <a:rPr lang="zh-CN" altLang="en-US" sz="1600" dirty="0">
+                <a:solidFill>
+                  <a:schemeClr val="tx1"/>
+                </a:solidFill>
+                <a:latin typeface="微软雅黑" panose="020B0503020204020204" pitchFamily="34" charset="-122"/>
+                <a:ea typeface="微软雅黑" panose="020B0503020204020204" pitchFamily="34" charset="-122"/>
+              </a:rPr>
+              <a:t>对</a:t>
+            </a:r>
+            <a:r>
+              <a:rPr lang="zh-CN" altLang="zh-CN" sz="1600" dirty="0">
+                <a:solidFill>
+                  <a:schemeClr val="tx1"/>
+                </a:solidFill>
+                <a:latin typeface="微软雅黑" panose="020B0503020204020204" pitchFamily="34" charset="-122"/>
+                <a:ea typeface="微软雅黑" panose="020B0503020204020204" pitchFamily="34" charset="-122"/>
+              </a:rPr>
+              <a:t>体测数据进行</a:t>
+            </a:r>
+            <a:r>
+              <a:rPr lang="zh-CN" altLang="en-US" sz="1600" dirty="0">
+                <a:solidFill>
+                  <a:schemeClr val="tx1"/>
+                </a:solidFill>
+                <a:latin typeface="微软雅黑" panose="020B0503020204020204" pitchFamily="34" charset="-122"/>
+                <a:ea typeface="微软雅黑" panose="020B0503020204020204" pitchFamily="34" charset="-122"/>
+              </a:rPr>
+              <a:t>上报、汇总、</a:t>
+            </a:r>
+            <a:r>
+              <a:rPr lang="zh-CN" altLang="zh-CN" sz="1600" dirty="0">
+                <a:solidFill>
+                  <a:schemeClr val="tx1"/>
+                </a:solidFill>
+                <a:latin typeface="微软雅黑" panose="020B0503020204020204" pitchFamily="34" charset="-122"/>
+                <a:ea typeface="微软雅黑" panose="020B0503020204020204" pitchFamily="34" charset="-122"/>
+              </a:rPr>
+              <a:t>管理和分析</a:t>
+            </a:r>
+            <a:endParaRPr lang="en-US" altLang="zh-CN" sz="1600" dirty="0">
+              <a:solidFill>
+                <a:schemeClr val="tx1"/>
+              </a:solidFill>
+              <a:latin typeface="微软雅黑" panose="020B0503020204020204" pitchFamily="34" charset="-122"/>
+              <a:ea typeface="微软雅黑" panose="020B0503020204020204" pitchFamily="34" charset="-122"/>
+            </a:endParaRPr>
+          </a:p>
+          <a:p>
+            <a:pPr indent="-285750">
+              <a:lnSpc>
+                <a:spcPct val="135000"/>
+              </a:lnSpc>
+              <a:buFont typeface="Wingdings" panose="05000000000000000000" pitchFamily="2" charset="2"/>
+              <a:buChar char="Ø"/>
+            </a:pPr>
+            <a:r>
+              <a:rPr lang="zh-CN" altLang="zh-CN" sz="1600" dirty="0">
+                <a:solidFill>
+                  <a:schemeClr val="tx1"/>
+                </a:solidFill>
+                <a:latin typeface="微软雅黑" panose="020B0503020204020204" pitchFamily="34" charset="-122"/>
+                <a:ea typeface="微软雅黑" panose="020B0503020204020204" pitchFamily="34" charset="-122"/>
+              </a:rPr>
+              <a:t>数据的处理分析结果最终应用于</a:t>
+            </a:r>
+            <a:r>
+              <a:rPr lang="zh-CN" altLang="en-US" sz="1600" dirty="0">
+                <a:solidFill>
+                  <a:schemeClr val="tx1"/>
+                </a:solidFill>
+                <a:latin typeface="微软雅黑" panose="020B0503020204020204" pitchFamily="34" charset="-122"/>
+                <a:ea typeface="微软雅黑" panose="020B0503020204020204" pitchFamily="34" charset="-122"/>
+              </a:rPr>
+              <a:t>学生</a:t>
+            </a:r>
+            <a:r>
+              <a:rPr lang="zh-CN" altLang="zh-CN" sz="1600" dirty="0">
+                <a:solidFill>
+                  <a:schemeClr val="tx1"/>
+                </a:solidFill>
+                <a:latin typeface="微软雅黑" panose="020B0503020204020204" pitchFamily="34" charset="-122"/>
+                <a:ea typeface="微软雅黑" panose="020B0503020204020204" pitchFamily="34" charset="-122"/>
+              </a:rPr>
+              <a:t>体质健康的发展，为个人健康、科学管理、政策制定服务</a:t>
+            </a:r>
+            <a:endParaRPr lang="en-US" altLang="zh-CN" sz="1600" dirty="0">
+              <a:solidFill>
+                <a:schemeClr val="tx1"/>
+              </a:solidFill>
+              <a:latin typeface="微软雅黑" panose="020B0503020204020204" pitchFamily="34" charset="-122"/>
+              <a:ea typeface="微软雅黑" panose="020B0503020204020204" pitchFamily="34" charset="-122"/>
+            </a:endParaRPr>
+          </a:p>
+          <a:p>
+            <a:endParaRPr lang="zh-CN" altLang="en-US" sz="1600" b="1" dirty="0">
+              <a:solidFill>
+                <a:schemeClr val="tx1"/>
+              </a:solidFill>
+              <a:latin typeface="微软雅黑" panose="020B0503020204020204" pitchFamily="34" charset="-122"/>
+              <a:ea typeface="微软雅黑" panose="020B0503020204020204" pitchFamily="34" charset="-122"/>
+            </a:endParaRPr>
+          </a:p>
+        </p:txBody>
+      </p:sp>
+      <p:sp>
+        <p:nvSpPr>
+          <p:cNvPr id="36" name="箭头: 下 35">
+            <a:extLst>
+              <a:ext uri="{FF2B5EF4-FFF2-40B4-BE49-F238E27FC236}">
+                <a16:creationId xmlns:a16="http://schemas.microsoft.com/office/drawing/2014/main" id="{8F21656A-0EF0-4784-83E2-26575E57EB58}"/>
+              </a:ext>
+            </a:extLst>
+          </p:cNvPr>
+          <p:cNvSpPr/>
+          <p:nvPr/>
+        </p:nvSpPr>
+        <p:spPr>
+          <a:xfrm>
+            <a:off x="4072852" y="1777560"/>
+            <a:ext cx="437461" cy="861222"/>
+          </a:xfrm>
+          <a:prstGeom prst="downArrow">
             <a:avLst/>
           </a:prstGeom>
-        </p:spPr>
-      </p:pic>
+          <a:solidFill>
+            <a:schemeClr val="bg1"/>
+          </a:solidFill>
+        </p:spPr>
+        <p:style>
+          <a:lnRef idx="2">
+            <a:schemeClr val="accent1">
+              <a:shade val="50000"/>
+            </a:schemeClr>
+          </a:lnRef>
+          <a:fillRef idx="1">
+            <a:schemeClr val="accent1"/>
+          </a:fillRef>
+          <a:effectRef idx="0">
+            <a:schemeClr val="accent1"/>
+          </a:effectRef>
+          <a:fontRef idx="minor">
+            <a:schemeClr val="lt1"/>
+          </a:fontRef>
+        </p:style>
+        <p:txBody>
+          <a:bodyPr rtlCol="0" anchor="ctr"/>
+          <a:lstStyle/>
+          <a:p>
+            <a:pPr algn="ctr"/>
+            <a:endParaRPr lang="zh-CN" altLang="en-US"/>
+          </a:p>
+        </p:txBody>
+      </p:sp>
     </p:spTree>
     <p:custDataLst>
       <p:tags r:id="rId1"/>
     </p:custDataLst>
     <p:extLst>
       <p:ext uri="{BB962C8B-B14F-4D97-AF65-F5344CB8AC3E}">
-        <p14:creationId xmlns:p14="http://schemas.microsoft.com/office/powerpoint/2010/main" val="3987169802"/>
+        <p14:creationId xmlns:p14="http://schemas.microsoft.com/office/powerpoint/2010/main" val="1333973454"/>
       </p:ext>
     </p:extLst>
   </p:cSld>
@@ -6993,7 +9425,7 @@
         <p:spPr>
           <a:xfrm>
             <a:off x="908957" y="206330"/>
-            <a:ext cx="1954381" cy="400110"/>
+            <a:ext cx="1364476" cy="400110"/>
           </a:xfrm>
           <a:prstGeom prst="rect">
             <a:avLst/>
@@ -7011,77 +9443,17 @@
                 <a:latin typeface="微软雅黑" panose="020B0503020204020204" pitchFamily="34" charset="-122"/>
                 <a:ea typeface="微软雅黑" panose="020B0503020204020204" pitchFamily="34" charset="-122"/>
               </a:rPr>
-              <a:t>认证权限模块</a:t>
+              <a:t>系统架构</a:t>
             </a:r>
           </a:p>
         </p:txBody>
       </p:sp>
       <p:pic>
         <p:nvPicPr>
-          <p:cNvPr id="1027" name="Picture 3">
+          <p:cNvPr id="16" name="图片 15">
             <a:extLst>
               <a:ext uri="{FF2B5EF4-FFF2-40B4-BE49-F238E27FC236}">
-                <a16:creationId xmlns:a16="http://schemas.microsoft.com/office/drawing/2014/main" id="{72129668-EC99-4B70-BB99-96E2E9D7B1DD}"/>
-              </a:ext>
-            </a:extLst>
-          </p:cNvPr>
-          <p:cNvPicPr>
-            <a:picLocks noChangeAspect="1" noChangeArrowheads="1"/>
-          </p:cNvPicPr>
-          <p:nvPr/>
-        </p:nvPicPr>
-        <p:blipFill>
-          <a:blip r:embed="rId4">
-            <a:extLst>
-              <a:ext uri="{28A0092B-C50C-407E-A947-70E740481C1C}">
-                <a14:useLocalDpi xmlns:a14="http://schemas.microsoft.com/office/drawing/2010/main" val="0"/>
-              </a:ext>
-            </a:extLst>
-          </a:blip>
-          <a:srcRect/>
-          <a:stretch>
-            <a:fillRect/>
-          </a:stretch>
-        </p:blipFill>
-        <p:spPr bwMode="auto">
-          <a:xfrm>
-            <a:off x="4809110" y="1843792"/>
-            <a:ext cx="4179071" cy="2420763"/>
-          </a:xfrm>
-          <a:prstGeom prst="rect">
-            <a:avLst/>
-          </a:prstGeom>
-          <a:noFill/>
-          <a:ln>
-            <a:noFill/>
-          </a:ln>
-          <a:extLst>
-            <a:ext uri="{909E8E84-426E-40DD-AFC4-6F175D3DCCD1}">
-              <a14:hiddenFill xmlns:a14="http://schemas.microsoft.com/office/drawing/2010/main">
-                <a:solidFill>
-                  <a:srgbClr val="FFFFFF"/>
-                </a:solidFill>
-              </a14:hiddenFill>
-            </a:ext>
-            <a:ext uri="{91240B29-F687-4F45-9708-019B960494DF}">
-              <a14:hiddenLine xmlns:a14="http://schemas.microsoft.com/office/drawing/2010/main" w="9525">
-                <a:solidFill>
-                  <a:srgbClr val="000000"/>
-                </a:solidFill>
-                <a:miter lim="800000"/>
-                <a:headEnd/>
-                <a:tailEnd/>
-              </a14:hiddenLine>
-            </a:ext>
-          </a:extLst>
-        </p:spPr>
-      </p:pic>
-      <p:pic>
-        <p:nvPicPr>
-          <p:cNvPr id="20" name="图片 19">
-            <a:extLst>
-              <a:ext uri="{FF2B5EF4-FFF2-40B4-BE49-F238E27FC236}">
-                <a16:creationId xmlns:a16="http://schemas.microsoft.com/office/drawing/2014/main" id="{ACE46DBB-C70D-452A-A8B9-802FD7A99D0C}"/>
+                <a16:creationId xmlns:a16="http://schemas.microsoft.com/office/drawing/2014/main" id="{F729407D-712D-4079-AA1C-62F326FB4333}"/>
               </a:ext>
             </a:extLst>
           </p:cNvPr>
@@ -7091,7 +9463,7 @@
           <p:nvPr/>
         </p:nvPicPr>
         <p:blipFill>
-          <a:blip r:embed="rId5" cstate="print">
+          <a:blip r:embed="rId4" cstate="print">
             <a:extLst>
               <a:ext uri="{28A0092B-C50C-407E-A947-70E740481C1C}">
                 <a14:useLocalDpi xmlns:a14="http://schemas.microsoft.com/office/drawing/2010/main" val="0"/>
@@ -7104,8 +9476,8 @@
         </p:blipFill>
         <p:spPr>
           <a:xfrm>
-            <a:off x="313215" y="1116768"/>
-            <a:ext cx="4403654" cy="3492560"/>
+            <a:off x="1755642" y="816750"/>
+            <a:ext cx="5288334" cy="4120415"/>
           </a:xfrm>
           <a:prstGeom prst="rect">
             <a:avLst/>
@@ -7118,7 +9490,7 @@
     </p:custDataLst>
     <p:extLst>
       <p:ext uri="{BB962C8B-B14F-4D97-AF65-F5344CB8AC3E}">
-        <p14:creationId xmlns:p14="http://schemas.microsoft.com/office/powerpoint/2010/main" val="2407819680"/>
+        <p14:creationId xmlns:p14="http://schemas.microsoft.com/office/powerpoint/2010/main" val="3987169802"/>
       </p:ext>
     </p:extLst>
   </p:cSld>
@@ -7150,7 +9522,7 @@
       </p:grpSpPr>
       <p:cxnSp>
         <p:nvCxnSpPr>
-          <p:cNvPr id="24" name="直接连接符 23"/>
+          <p:cNvPr id="33" name="直接连接符 32"/>
           <p:cNvCxnSpPr/>
           <p:nvPr/>
         </p:nvCxnSpPr>
@@ -7186,7 +9558,7 @@
       </p:cxnSp>
       <p:sp>
         <p:nvSpPr>
-          <p:cNvPr id="25" name="椭圆 24"/>
+          <p:cNvPr id="34" name="椭圆 33"/>
           <p:cNvSpPr/>
           <p:nvPr/>
         </p:nvSpPr>
@@ -7239,14 +9611,14 @@
       </p:sp>
       <p:sp>
         <p:nvSpPr>
-          <p:cNvPr id="26" name="TextBox 25"/>
+          <p:cNvPr id="35" name="TextBox 34"/>
           <p:cNvSpPr txBox="1"/>
           <p:nvPr/>
         </p:nvSpPr>
         <p:spPr>
           <a:xfrm>
             <a:off x="908957" y="206330"/>
-            <a:ext cx="1954381" cy="400110"/>
+            <a:ext cx="1364476" cy="400110"/>
           </a:xfrm>
           <a:prstGeom prst="rect">
             <a:avLst/>
@@ -7264,17 +9636,117 @@
                 <a:latin typeface="微软雅黑" panose="020B0503020204020204" pitchFamily="34" charset="-122"/>
                 <a:ea typeface="微软雅黑" panose="020B0503020204020204" pitchFamily="34" charset="-122"/>
               </a:rPr>
-              <a:t>基础数据模块</a:t>
-            </a:r>
+              <a:t>技术路线</a:t>
+            </a:r>
+          </a:p>
+        </p:txBody>
+      </p:sp>
+      <p:sp>
+        <p:nvSpPr>
+          <p:cNvPr id="41" name="文本框 40">
+            <a:extLst>
+              <a:ext uri="{FF2B5EF4-FFF2-40B4-BE49-F238E27FC236}">
+                <a16:creationId xmlns:a16="http://schemas.microsoft.com/office/drawing/2014/main" id="{68F8B49D-7FC8-454E-A382-D499005A80DD}"/>
+              </a:ext>
+            </a:extLst>
+          </p:cNvPr>
+          <p:cNvSpPr txBox="1"/>
+          <p:nvPr/>
+        </p:nvSpPr>
+        <p:spPr>
+          <a:xfrm>
+            <a:off x="515257" y="853788"/>
+            <a:ext cx="8113486" cy="658257"/>
+          </a:xfrm>
+          <a:prstGeom prst="rect">
+            <a:avLst/>
+          </a:prstGeom>
+          <a:noFill/>
+        </p:spPr>
+        <p:txBody>
+          <a:bodyPr wrap="square">
+            <a:spAutoFit/>
+          </a:bodyPr>
+          <a:lstStyle/>
+          <a:p>
+            <a:pPr>
+              <a:lnSpc>
+                <a:spcPct val="120000"/>
+              </a:lnSpc>
+            </a:pPr>
+            <a:r>
+              <a:rPr lang="zh-CN" altLang="en-US" sz="1600" kern="100" dirty="0">
+                <a:effectLst/>
+                <a:latin typeface="微软雅黑" panose="020B0503020204020204" pitchFamily="34" charset="-122"/>
+                <a:ea typeface="微软雅黑" panose="020B0503020204020204" pitchFamily="34" charset="-122"/>
+                <a:cs typeface="Times New Roman" panose="02020603050405020304" pitchFamily="18" charset="0"/>
+              </a:rPr>
+              <a:t>前后端分离模式，</a:t>
+            </a:r>
+            <a:r>
+              <a:rPr lang="en-US" altLang="zh-CN" sz="1600" kern="100" dirty="0" err="1">
+                <a:effectLst/>
+                <a:latin typeface="微软雅黑" panose="020B0503020204020204" pitchFamily="34" charset="-122"/>
+                <a:ea typeface="微软雅黑" panose="020B0503020204020204" pitchFamily="34" charset="-122"/>
+              </a:rPr>
+              <a:t>Springboot</a:t>
+            </a:r>
+            <a:r>
+              <a:rPr lang="zh-CN" altLang="zh-CN" sz="1600" kern="100" dirty="0">
+                <a:effectLst/>
+                <a:latin typeface="微软雅黑" panose="020B0503020204020204" pitchFamily="34" charset="-122"/>
+                <a:ea typeface="微软雅黑" panose="020B0503020204020204" pitchFamily="34" charset="-122"/>
+                <a:cs typeface="Times New Roman" panose="02020603050405020304" pitchFamily="18" charset="0"/>
+              </a:rPr>
+              <a:t>开发服务器，通过持久层框架</a:t>
+            </a:r>
+            <a:r>
+              <a:rPr lang="en-US" altLang="zh-CN" sz="1600" kern="100" dirty="0" err="1">
+                <a:effectLst/>
+                <a:latin typeface="微软雅黑" panose="020B0503020204020204" pitchFamily="34" charset="-122"/>
+                <a:ea typeface="微软雅黑" panose="020B0503020204020204" pitchFamily="34" charset="-122"/>
+              </a:rPr>
+              <a:t>Mybatis</a:t>
+            </a:r>
+            <a:r>
+              <a:rPr lang="zh-CN" altLang="zh-CN" sz="1600" kern="100" dirty="0">
+                <a:effectLst/>
+                <a:latin typeface="微软雅黑" panose="020B0503020204020204" pitchFamily="34" charset="-122"/>
+                <a:ea typeface="微软雅黑" panose="020B0503020204020204" pitchFamily="34" charset="-122"/>
+                <a:cs typeface="Times New Roman" panose="02020603050405020304" pitchFamily="18" charset="0"/>
+              </a:rPr>
+              <a:t>与数据库交互，浏览器前端获取数据后由</a:t>
+            </a:r>
+            <a:r>
+              <a:rPr lang="en-US" altLang="zh-CN" sz="1600" kern="100" dirty="0">
+                <a:effectLst/>
+                <a:latin typeface="微软雅黑" panose="020B0503020204020204" pitchFamily="34" charset="-122"/>
+                <a:ea typeface="微软雅黑" panose="020B0503020204020204" pitchFamily="34" charset="-122"/>
+              </a:rPr>
+              <a:t>Vue</a:t>
+            </a:r>
+            <a:r>
+              <a:rPr lang="zh-CN" altLang="zh-CN" sz="1600" kern="100" dirty="0">
+                <a:effectLst/>
+                <a:latin typeface="微软雅黑" panose="020B0503020204020204" pitchFamily="34" charset="-122"/>
+                <a:ea typeface="微软雅黑" panose="020B0503020204020204" pitchFamily="34" charset="-122"/>
+                <a:cs typeface="Times New Roman" panose="02020603050405020304" pitchFamily="18" charset="0"/>
+              </a:rPr>
+              <a:t>进行管理，渲染界面。</a:t>
+            </a:r>
+            <a:endParaRPr lang="zh-CN" altLang="en-US" sz="1600" dirty="0">
+              <a:latin typeface="微软雅黑" panose="020B0503020204020204" pitchFamily="34" charset="-122"/>
+              <a:ea typeface="微软雅黑" panose="020B0503020204020204" pitchFamily="34" charset="-122"/>
+            </a:endParaRPr>
           </a:p>
         </p:txBody>
       </p:sp>
       <p:pic>
         <p:nvPicPr>
-          <p:cNvPr id="6" name="图片 5">
+          <p:cNvPr id="10" name="图片 9">
             <a:extLst>
               <a:ext uri="{FF2B5EF4-FFF2-40B4-BE49-F238E27FC236}">
-                <a16:creationId xmlns:a16="http://schemas.microsoft.com/office/drawing/2014/main" id="{43A90358-CD81-45A9-A7F8-953BA765F789}"/>
+                <a16:creationId xmlns:a16="http://schemas.microsoft.com/office/drawing/2014/main" id="{1C101F96-6BB6-47F3-8E46-123D03BA80AA}"/>
               </a:ext>
             </a:extLst>
           </p:cNvPr>
@@ -7284,7 +9756,7 @@
           <p:nvPr/>
         </p:nvPicPr>
         <p:blipFill>
-          <a:blip r:embed="rId4" cstate="print">
+          <a:blip r:embed="rId3" cstate="print">
             <a:extLst>
               <a:ext uri="{28A0092B-C50C-407E-A947-70E740481C1C}">
                 <a14:useLocalDpi xmlns:a14="http://schemas.microsoft.com/office/drawing/2010/main" val="0"/>
@@ -7297,20 +9769,26 @@
         </p:blipFill>
         <p:spPr>
           <a:xfrm>
-            <a:off x="226582" y="641789"/>
-            <a:ext cx="4643926" cy="4372416"/>
-          </a:xfrm>
-          <a:prstGeom prst="rect">
+            <a:off x="925761" y="3855937"/>
+            <a:ext cx="1040336" cy="978284"/>
+          </a:xfrm>
+          <a:prstGeom prst="ellipse">
             <a:avLst/>
           </a:prstGeom>
+          <a:ln>
+            <a:noFill/>
+          </a:ln>
+          <a:effectLst>
+            <a:softEdge rad="112500"/>
+          </a:effectLst>
         </p:spPr>
       </p:pic>
       <p:pic>
         <p:nvPicPr>
-          <p:cNvPr id="13" name="图片 12">
+          <p:cNvPr id="11" name="图形 10">
             <a:extLst>
               <a:ext uri="{FF2B5EF4-FFF2-40B4-BE49-F238E27FC236}">
-                <a16:creationId xmlns:a16="http://schemas.microsoft.com/office/drawing/2014/main" id="{C838FC98-139E-46F7-9408-27FB5D633033}"/>
+                <a16:creationId xmlns:a16="http://schemas.microsoft.com/office/drawing/2014/main" id="{AC24BF4B-836B-457D-B276-322A616E7F28}"/>
               </a:ext>
             </a:extLst>
           </p:cNvPr>
@@ -7320,120 +9798,95 @@
           <p:nvPr/>
         </p:nvPicPr>
         <p:blipFill>
-          <a:blip r:embed="rId5"/>
+          <a:blip r:embed="rId4">
+            <a:extLst>
+              <a:ext uri="{28A0092B-C50C-407E-A947-70E740481C1C}">
+                <a14:useLocalDpi xmlns:a14="http://schemas.microsoft.com/office/drawing/2010/main" val="0"/>
+              </a:ext>
+              <a:ext uri="{96DAC541-7B7A-43D3-8B79-37D633B846F1}">
+                <asvg:svgBlip xmlns:asvg="http://schemas.microsoft.com/office/drawing/2016/SVG/main" r:embed="rId5"/>
+              </a:ext>
+            </a:extLst>
+          </a:blip>
           <a:stretch>
             <a:fillRect/>
           </a:stretch>
         </p:blipFill>
         <p:spPr>
           <a:xfrm>
-            <a:off x="4933817" y="1542591"/>
-            <a:ext cx="4129558" cy="2812052"/>
+            <a:off x="1018876" y="1977212"/>
+            <a:ext cx="878127" cy="878127"/>
           </a:xfrm>
           <a:prstGeom prst="rect">
             <a:avLst/>
           </a:prstGeom>
+          <a:effectLst>
+            <a:softEdge rad="12700"/>
+          </a:effectLst>
         </p:spPr>
       </p:pic>
-    </p:spTree>
-    <p:custDataLst>
-      <p:tags r:id="rId1"/>
-    </p:custDataLst>
-    <p:extLst>
-      <p:ext uri="{BB962C8B-B14F-4D97-AF65-F5344CB8AC3E}">
-        <p14:creationId xmlns:p14="http://schemas.microsoft.com/office/powerpoint/2010/main" val="1128274143"/>
-      </p:ext>
-    </p:extLst>
-  </p:cSld>
-  <p:clrMapOvr>
-    <a:masterClrMapping/>
-  </p:clrMapOvr>
-  <p:transition spd="slow" advTm="12623">
-    <p:pull/>
-  </p:transition>
-</p:sld>
-</file>
-
-<file path=ppt/slides/slide6.xml><?xml version="1.0" encoding="utf-8"?>
-<p:sld xmlns:a="http://schemas.openxmlformats.org/drawingml/2006/main" xmlns:r="http://schemas.openxmlformats.org/officeDocument/2006/relationships" xmlns:p="http://schemas.openxmlformats.org/presentationml/2006/main">
-  <p:cSld>
-    <p:spTree>
-      <p:nvGrpSpPr>
-        <p:cNvPr id="1" name=""/>
-        <p:cNvGrpSpPr/>
-        <p:nvPr/>
-      </p:nvGrpSpPr>
-      <p:grpSpPr>
-        <a:xfrm>
-          <a:off x="0" y="0"/>
-          <a:ext cx="0" cy="0"/>
-          <a:chOff x="0" y="0"/>
-          <a:chExt cx="0" cy="0"/>
-        </a:xfrm>
-      </p:grpSpPr>
-      <p:cxnSp>
-        <p:nvCxnSpPr>
-          <p:cNvPr id="24" name="直接连接符 23"/>
-          <p:cNvCxnSpPr/>
+      <p:pic>
+        <p:nvPicPr>
+          <p:cNvPr id="12" name="图片 11">
+            <a:extLst>
+              <a:ext uri="{FF2B5EF4-FFF2-40B4-BE49-F238E27FC236}">
+                <a16:creationId xmlns:a16="http://schemas.microsoft.com/office/drawing/2014/main" id="{7767EC06-198F-413F-B53C-AAC664E73265}"/>
+              </a:ext>
+            </a:extLst>
+          </p:cNvPr>
+          <p:cNvPicPr>
+            <a:picLocks noChangeAspect="1"/>
+          </p:cNvPicPr>
           <p:nvPr/>
-        </p:nvCxnSpPr>
+        </p:nvPicPr>
+        <p:blipFill>
+          <a:blip r:embed="rId6" cstate="print">
+            <a:extLst>
+              <a:ext uri="{28A0092B-C50C-407E-A947-70E740481C1C}">
+                <a14:useLocalDpi xmlns:a14="http://schemas.microsoft.com/office/drawing/2010/main" val="0"/>
+              </a:ext>
+            </a:extLst>
+          </a:blip>
+          <a:stretch>
+            <a:fillRect/>
+          </a:stretch>
+        </p:blipFill>
         <p:spPr>
           <a:xfrm>
-            <a:off x="515257" y="624114"/>
-            <a:ext cx="8113486" cy="0"/>
-          </a:xfrm>
-          <a:prstGeom prst="line">
-            <a:avLst/>
-          </a:prstGeom>
-          <a:ln w="12700">
-            <a:solidFill>
-              <a:schemeClr val="tx1"/>
-            </a:solidFill>
-            <a:prstDash val="dash"/>
-          </a:ln>
-        </p:spPr>
-        <p:style>
-          <a:lnRef idx="1">
-            <a:schemeClr val="accent1"/>
-          </a:lnRef>
-          <a:fillRef idx="0">
-            <a:schemeClr val="accent1"/>
-          </a:fillRef>
-          <a:effectRef idx="0">
-            <a:schemeClr val="accent1"/>
-          </a:effectRef>
-          <a:fontRef idx="minor">
-            <a:schemeClr val="tx1"/>
-          </a:fontRef>
-        </p:style>
-      </p:cxnSp>
-      <p:sp>
-        <p:nvSpPr>
-          <p:cNvPr id="25" name="椭圆 24"/>
-          <p:cNvSpPr/>
-          <p:nvPr/>
-        </p:nvSpPr>
-        <p:spPr>
-          <a:xfrm>
-            <a:off x="646880" y="242192"/>
-            <a:ext cx="274777" cy="274777"/>
+            <a:off x="241184" y="2745529"/>
+            <a:ext cx="1308337" cy="1265118"/>
           </a:xfrm>
           <a:prstGeom prst="ellipse">
             <a:avLst/>
           </a:prstGeom>
-          <a:solidFill>
-            <a:srgbClr val="5380F7"/>
-          </a:solidFill>
           <a:ln>
             <a:noFill/>
           </a:ln>
           <a:effectLst>
-            <a:outerShdw blurRad="254000" dist="127000" dir="8100000" algn="tr" rotWithShape="0">
-              <a:prstClr val="black">
-                <a:alpha val="60000"/>
-              </a:prstClr>
-            </a:outerShdw>
+            <a:softEdge rad="112500"/>
           </a:effectLst>
+        </p:spPr>
+      </p:pic>
+      <p:sp>
+        <p:nvSpPr>
+          <p:cNvPr id="13" name="箭头: 左右 12">
+            <a:extLst>
+              <a:ext uri="{FF2B5EF4-FFF2-40B4-BE49-F238E27FC236}">
+                <a16:creationId xmlns:a16="http://schemas.microsoft.com/office/drawing/2014/main" id="{B88CE473-A269-44EA-9500-C1E1237DB8C3}"/>
+              </a:ext>
+            </a:extLst>
+          </p:cNvPr>
+          <p:cNvSpPr/>
+          <p:nvPr/>
+        </p:nvSpPr>
+        <p:spPr>
+          <a:xfrm>
+            <a:off x="1520128" y="3177357"/>
+            <a:ext cx="1247685" cy="356461"/>
+          </a:xfrm>
+          <a:prstGeom prst="leftRightArrow">
+            <a:avLst/>
+          </a:prstGeom>
         </p:spPr>
         <p:style>
           <a:lnRef idx="2">
@@ -7460,44 +9913,12 @@
           </a:p>
         </p:txBody>
       </p:sp>
-      <p:sp>
-        <p:nvSpPr>
-          <p:cNvPr id="26" name="TextBox 25"/>
-          <p:cNvSpPr txBox="1"/>
-          <p:nvPr/>
-        </p:nvSpPr>
-        <p:spPr>
-          <a:xfrm>
-            <a:off x="908957" y="206330"/>
-            <a:ext cx="1364476" cy="400110"/>
-          </a:xfrm>
-          <a:prstGeom prst="rect">
-            <a:avLst/>
-          </a:prstGeom>
-          <a:noFill/>
-        </p:spPr>
-        <p:txBody>
-          <a:bodyPr wrap="none" rtlCol="0">
-            <a:spAutoFit/>
-          </a:bodyPr>
-          <a:lstStyle/>
-          <a:p>
-            <a:r>
-              <a:rPr lang="zh-CN" altLang="en-US" sz="2000" spc="300" dirty="0">
-                <a:latin typeface="微软雅黑" panose="020B0503020204020204" pitchFamily="34" charset="-122"/>
-                <a:ea typeface="微软雅黑" panose="020B0503020204020204" pitchFamily="34" charset="-122"/>
-              </a:rPr>
-              <a:t>科目模块</a:t>
-            </a:r>
-          </a:p>
-        </p:txBody>
-      </p:sp>
       <p:pic>
         <p:nvPicPr>
-          <p:cNvPr id="5" name="图片 4">
+          <p:cNvPr id="14" name="图片 13">
             <a:extLst>
               <a:ext uri="{FF2B5EF4-FFF2-40B4-BE49-F238E27FC236}">
-                <a16:creationId xmlns:a16="http://schemas.microsoft.com/office/drawing/2014/main" id="{A3779DB6-929B-43CF-8EFA-4C7EEA25E300}"/>
+                <a16:creationId xmlns:a16="http://schemas.microsoft.com/office/drawing/2014/main" id="{25923352-456B-440C-886F-CD926A0BBF6D}"/>
               </a:ext>
             </a:extLst>
           </p:cNvPr>
@@ -7507,7 +9928,7 @@
           <p:nvPr/>
         </p:nvPicPr>
         <p:blipFill>
-          <a:blip r:embed="rId4" cstate="print">
+          <a:blip r:embed="rId7" cstate="print">
             <a:extLst>
               <a:ext uri="{28A0092B-C50C-407E-A947-70E740481C1C}">
                 <a14:useLocalDpi xmlns:a14="http://schemas.microsoft.com/office/drawing/2010/main" val="0"/>
@@ -7520,173 +9941,92 @@
         </p:blipFill>
         <p:spPr>
           <a:xfrm>
-            <a:off x="462791" y="846797"/>
-            <a:ext cx="4310623" cy="3987530"/>
-          </a:xfrm>
-          <a:prstGeom prst="rect">
+            <a:off x="1666498" y="2745529"/>
+            <a:ext cx="986289" cy="535024"/>
+          </a:xfrm>
+          <a:prstGeom prst="ellipse">
             <a:avLst/>
           </a:prstGeom>
+          <a:ln>
+            <a:noFill/>
+          </a:ln>
+          <a:effectLst>
+            <a:softEdge rad="112500"/>
+          </a:effectLst>
         </p:spPr>
       </p:pic>
       <p:pic>
         <p:nvPicPr>
-          <p:cNvPr id="8" name="图片 7">
+          <p:cNvPr id="15" name="Picture 1">
             <a:extLst>
               <a:ext uri="{FF2B5EF4-FFF2-40B4-BE49-F238E27FC236}">
-                <a16:creationId xmlns:a16="http://schemas.microsoft.com/office/drawing/2014/main" id="{A948BF99-4F24-445E-9523-87EA9FC18844}"/>
+                <a16:creationId xmlns:a16="http://schemas.microsoft.com/office/drawing/2014/main" id="{39B05AA9-A317-436B-B0D3-F5317708E0AF}"/>
               </a:ext>
             </a:extLst>
           </p:cNvPr>
           <p:cNvPicPr>
-            <a:picLocks noChangeAspect="1"/>
+            <a:picLocks noChangeAspect="1" noChangeArrowheads="1"/>
           </p:cNvPicPr>
           <p:nvPr/>
         </p:nvPicPr>
         <p:blipFill>
-          <a:blip r:embed="rId5"/>
+          <a:blip r:embed="rId8">
+            <a:extLst>
+              <a:ext uri="{28A0092B-C50C-407E-A947-70E740481C1C}">
+                <a14:useLocalDpi xmlns:a14="http://schemas.microsoft.com/office/drawing/2010/main" val="0"/>
+              </a:ext>
+            </a:extLst>
+          </a:blip>
+          <a:srcRect/>
           <a:stretch>
             <a:fillRect/>
           </a:stretch>
         </p:blipFill>
-        <p:spPr>
-          <a:xfrm>
-            <a:off x="4972833" y="846797"/>
-            <a:ext cx="3856374" cy="2376088"/>
-          </a:xfrm>
-          <a:prstGeom prst="rect">
-            <a:avLst/>
-          </a:prstGeom>
-        </p:spPr>
-      </p:pic>
-      <p:pic>
-        <p:nvPicPr>
-          <p:cNvPr id="10" name="图片 9">
-            <a:extLst>
-              <a:ext uri="{FF2B5EF4-FFF2-40B4-BE49-F238E27FC236}">
-                <a16:creationId xmlns:a16="http://schemas.microsoft.com/office/drawing/2014/main" id="{1039B73C-DDD1-4226-85A3-BAFBBC778154}"/>
-              </a:ext>
-            </a:extLst>
-          </p:cNvPr>
-          <p:cNvPicPr>
-            <a:picLocks noChangeAspect="1"/>
-          </p:cNvPicPr>
-          <p:nvPr/>
-        </p:nvPicPr>
-        <p:blipFill>
-          <a:blip r:embed="rId6"/>
-          <a:stretch>
-            <a:fillRect/>
-          </a:stretch>
-        </p:blipFill>
-        <p:spPr>
-          <a:xfrm>
-            <a:off x="4972834" y="3330031"/>
-            <a:ext cx="3856374" cy="1504297"/>
-          </a:xfrm>
-          <a:prstGeom prst="rect">
-            <a:avLst/>
-          </a:prstGeom>
-        </p:spPr>
-      </p:pic>
-    </p:spTree>
-    <p:custDataLst>
-      <p:tags r:id="rId1"/>
-    </p:custDataLst>
-    <p:extLst>
-      <p:ext uri="{BB962C8B-B14F-4D97-AF65-F5344CB8AC3E}">
-        <p14:creationId xmlns:p14="http://schemas.microsoft.com/office/powerpoint/2010/main" val="831856352"/>
-      </p:ext>
-    </p:extLst>
-  </p:cSld>
-  <p:clrMapOvr>
-    <a:masterClrMapping/>
-  </p:clrMapOvr>
-  <p:transition spd="slow" advTm="12623">
-    <p:pull/>
-  </p:transition>
-</p:sld>
-</file>
-
-<file path=ppt/slides/slide7.xml><?xml version="1.0" encoding="utf-8"?>
-<p:sld xmlns:a="http://schemas.openxmlformats.org/drawingml/2006/main" xmlns:r="http://schemas.openxmlformats.org/officeDocument/2006/relationships" xmlns:p="http://schemas.openxmlformats.org/presentationml/2006/main">
-  <p:cSld>
-    <p:spTree>
-      <p:nvGrpSpPr>
-        <p:cNvPr id="1" name=""/>
-        <p:cNvGrpSpPr/>
-        <p:nvPr/>
-      </p:nvGrpSpPr>
-      <p:grpSpPr>
-        <a:xfrm>
-          <a:off x="0" y="0"/>
-          <a:ext cx="0" cy="0"/>
-          <a:chOff x="0" y="0"/>
-          <a:chExt cx="0" cy="0"/>
-        </a:xfrm>
-      </p:grpSpPr>
-      <p:cxnSp>
-        <p:nvCxnSpPr>
-          <p:cNvPr id="24" name="直接连接符 23"/>
-          <p:cNvCxnSpPr/>
-          <p:nvPr/>
-        </p:nvCxnSpPr>
-        <p:spPr>
-          <a:xfrm>
-            <a:off x="515257" y="624114"/>
-            <a:ext cx="8113486" cy="0"/>
-          </a:xfrm>
-          <a:prstGeom prst="line">
-            <a:avLst/>
-          </a:prstGeom>
-          <a:ln w="12700">
-            <a:solidFill>
-              <a:schemeClr val="tx1"/>
-            </a:solidFill>
-            <a:prstDash val="dash"/>
-          </a:ln>
-        </p:spPr>
-        <p:style>
-          <a:lnRef idx="1">
-            <a:schemeClr val="accent1"/>
-          </a:lnRef>
-          <a:fillRef idx="0">
-            <a:schemeClr val="accent1"/>
-          </a:fillRef>
-          <a:effectRef idx="0">
-            <a:schemeClr val="accent1"/>
-          </a:effectRef>
-          <a:fontRef idx="minor">
-            <a:schemeClr val="tx1"/>
-          </a:fontRef>
-        </p:style>
-      </p:cxnSp>
-      <p:sp>
-        <p:nvSpPr>
-          <p:cNvPr id="25" name="椭圆 24"/>
-          <p:cNvSpPr/>
-          <p:nvPr/>
-        </p:nvSpPr>
-        <p:spPr>
-          <a:xfrm>
-            <a:off x="646880" y="242192"/>
-            <a:ext cx="274777" cy="274777"/>
+        <p:spPr bwMode="auto">
+          <a:xfrm>
+            <a:off x="2758585" y="2733818"/>
+            <a:ext cx="2586754" cy="1265118"/>
           </a:xfrm>
           <a:prstGeom prst="ellipse">
             <a:avLst/>
           </a:prstGeom>
-          <a:solidFill>
-            <a:srgbClr val="5380F7"/>
-          </a:solidFill>
           <a:ln>
             <a:noFill/>
           </a:ln>
           <a:effectLst>
-            <a:outerShdw blurRad="254000" dist="127000" dir="8100000" algn="tr" rotWithShape="0">
-              <a:prstClr val="black">
-                <a:alpha val="60000"/>
-              </a:prstClr>
-            </a:outerShdw>
+            <a:softEdge rad="112500"/>
           </a:effectLst>
+          <a:extLst>
+            <a:ext uri="{909E8E84-426E-40DD-AFC4-6F175D3DCCD1}">
+              <a14:hiddenFill xmlns:a14="http://schemas.microsoft.com/office/drawing/2010/main">
+                <a:solidFill>
+                  <a:srgbClr val="FFFFFF"/>
+                </a:solidFill>
+              </a14:hiddenFill>
+            </a:ext>
+          </a:extLst>
+        </p:spPr>
+      </p:pic>
+      <p:sp>
+        <p:nvSpPr>
+          <p:cNvPr id="16" name="箭头: 左右 15">
+            <a:extLst>
+              <a:ext uri="{FF2B5EF4-FFF2-40B4-BE49-F238E27FC236}">
+                <a16:creationId xmlns:a16="http://schemas.microsoft.com/office/drawing/2014/main" id="{ED4D1551-B904-48B5-B080-F0FC03D12881}"/>
+              </a:ext>
+            </a:extLst>
+          </p:cNvPr>
+          <p:cNvSpPr/>
+          <p:nvPr/>
+        </p:nvSpPr>
+        <p:spPr>
+          <a:xfrm>
+            <a:off x="5451137" y="3177357"/>
+            <a:ext cx="1467294" cy="446580"/>
+          </a:xfrm>
+          <a:prstGeom prst="leftRightArrow">
+            <a:avLst/>
+          </a:prstGeom>
         </p:spPr>
         <p:style>
           <a:lnRef idx="2">
@@ -7713,44 +10053,12 @@
           </a:p>
         </p:txBody>
       </p:sp>
-      <p:sp>
-        <p:nvSpPr>
-          <p:cNvPr id="26" name="TextBox 25"/>
-          <p:cNvSpPr txBox="1"/>
-          <p:nvPr/>
-        </p:nvSpPr>
-        <p:spPr>
-          <a:xfrm>
-            <a:off x="908957" y="206330"/>
-            <a:ext cx="1364476" cy="400110"/>
-          </a:xfrm>
-          <a:prstGeom prst="rect">
-            <a:avLst/>
-          </a:prstGeom>
-          <a:noFill/>
-        </p:spPr>
-        <p:txBody>
-          <a:bodyPr wrap="none" rtlCol="0">
-            <a:spAutoFit/>
-          </a:bodyPr>
-          <a:lstStyle/>
-          <a:p>
-            <a:r>
-              <a:rPr lang="zh-CN" altLang="en-US" sz="2000" spc="300" dirty="0">
-                <a:latin typeface="微软雅黑" panose="020B0503020204020204" pitchFamily="34" charset="-122"/>
-                <a:ea typeface="微软雅黑" panose="020B0503020204020204" pitchFamily="34" charset="-122"/>
-              </a:rPr>
-              <a:t>体测模块</a:t>
-            </a:r>
-          </a:p>
-        </p:txBody>
-      </p:sp>
       <p:pic>
         <p:nvPicPr>
-          <p:cNvPr id="2050" name="图片 1">
+          <p:cNvPr id="17" name="Picture 2">
             <a:extLst>
               <a:ext uri="{FF2B5EF4-FFF2-40B4-BE49-F238E27FC236}">
-                <a16:creationId xmlns:a16="http://schemas.microsoft.com/office/drawing/2014/main" id="{7F2254E9-9C0D-44DA-B672-A2E4C734B7E4}"/>
+                <a16:creationId xmlns:a16="http://schemas.microsoft.com/office/drawing/2014/main" id="{8066AF69-867E-4615-AD8E-D694ACE71FFC}"/>
               </a:ext>
             </a:extLst>
           </p:cNvPr>
@@ -7760,7 +10068,7 @@
           <p:nvPr/>
         </p:nvPicPr>
         <p:blipFill>
-          <a:blip r:embed="rId4" cstate="print">
+          <a:blip r:embed="rId9">
             <a:extLst>
               <a:ext uri="{28A0092B-C50C-407E-A947-70E740481C1C}">
                 <a14:useLocalDpi xmlns:a14="http://schemas.microsoft.com/office/drawing/2010/main" val="0"/>
@@ -7774,16 +10082,18 @@
         </p:blipFill>
         <p:spPr bwMode="auto">
           <a:xfrm>
-            <a:off x="4572000" y="2840635"/>
-            <a:ext cx="4430712" cy="2238821"/>
-          </a:xfrm>
-          <a:prstGeom prst="rect">
+            <a:off x="5451137" y="2658695"/>
+            <a:ext cx="1467294" cy="621858"/>
+          </a:xfrm>
+          <a:prstGeom prst="ellipse">
             <a:avLst/>
           </a:prstGeom>
-          <a:noFill/>
           <a:ln>
             <a:noFill/>
           </a:ln>
+          <a:effectLst>
+            <a:softEdge rad="112500"/>
+          </a:effectLst>
           <a:extLst>
             <a:ext uri="{909E8E84-426E-40DD-AFC4-6F175D3DCCD1}">
               <a14:hiddenFill xmlns:a14="http://schemas.microsoft.com/office/drawing/2010/main">
@@ -7792,61 +10102,105 @@
                 </a:solidFill>
               </a14:hiddenFill>
             </a:ext>
-            <a:ext uri="{91240B29-F687-4F45-9708-019B960494DF}">
-              <a14:hiddenLine xmlns:a14="http://schemas.microsoft.com/office/drawing/2010/main" w="9525">
-                <a:solidFill>
-                  <a:srgbClr val="000000"/>
-                </a:solidFill>
-                <a:miter lim="800000"/>
-                <a:headEnd/>
-                <a:tailEnd/>
-              </a14:hiddenLine>
-            </a:ext>
           </a:extLst>
         </p:spPr>
       </p:pic>
-      <p:pic>
-        <p:nvPicPr>
-          <p:cNvPr id="3" name="图片 2">
+      <p:sp>
+        <p:nvSpPr>
+          <p:cNvPr id="18" name="AutoShape 4">
             <a:extLst>
               <a:ext uri="{FF2B5EF4-FFF2-40B4-BE49-F238E27FC236}">
-                <a16:creationId xmlns:a16="http://schemas.microsoft.com/office/drawing/2014/main" id="{22F7482B-F3C3-42B8-86A9-5DB48ED2D088}"/>
+                <a16:creationId xmlns:a16="http://schemas.microsoft.com/office/drawing/2014/main" id="{C88FD8EF-9672-448F-ACA2-4F54BE895330}"/>
               </a:ext>
             </a:extLst>
           </p:cNvPr>
-          <p:cNvPicPr>
-            <a:picLocks noChangeAspect="1"/>
-          </p:cNvPicPr>
+          <p:cNvSpPr>
+            <a:spLocks noChangeAspect="1" noChangeArrowheads="1"/>
+          </p:cNvSpPr>
           <p:nvPr/>
-        </p:nvPicPr>
-        <p:blipFill>
-          <a:blip r:embed="rId5" cstate="print">
-            <a:extLst>
-              <a:ext uri="{28A0092B-C50C-407E-A947-70E740481C1C}">
-                <a14:useLocalDpi xmlns:a14="http://schemas.microsoft.com/office/drawing/2010/main" val="0"/>
-              </a:ext>
-            </a:extLst>
-          </a:blip>
-          <a:stretch>
-            <a:fillRect/>
-          </a:stretch>
-        </p:blipFill>
-        <p:spPr>
-          <a:xfrm>
-            <a:off x="246179" y="1192657"/>
-            <a:ext cx="4059756" cy="3342656"/>
+        </p:nvSpPr>
+        <p:spPr bwMode="auto">
+          <a:xfrm>
+            <a:off x="4425786" y="3004872"/>
+            <a:ext cx="304800" cy="304800"/>
           </a:xfrm>
           <a:prstGeom prst="rect">
             <a:avLst/>
           </a:prstGeom>
-        </p:spPr>
-      </p:pic>
+          <a:noFill/>
+          <a:extLst>
+            <a:ext uri="{909E8E84-426E-40DD-AFC4-6F175D3DCCD1}">
+              <a14:hiddenFill xmlns:a14="http://schemas.microsoft.com/office/drawing/2010/main">
+                <a:solidFill>
+                  <a:srgbClr val="FFFFFF"/>
+                </a:solidFill>
+              </a14:hiddenFill>
+            </a:ext>
+          </a:extLst>
+        </p:spPr>
+        <p:txBody>
+          <a:bodyPr vert="horz" wrap="square" lIns="91440" tIns="45720" rIns="91440" bIns="45720" numCol="1" anchor="t" anchorCtr="0" compatLnSpc="1">
+            <a:prstTxWarp prst="textNoShape">
+              <a:avLst/>
+            </a:prstTxWarp>
+          </a:bodyPr>
+          <a:lstStyle/>
+          <a:p>
+            <a:endParaRPr lang="zh-CN" altLang="en-US"/>
+          </a:p>
+        </p:txBody>
+      </p:sp>
+      <p:sp>
+        <p:nvSpPr>
+          <p:cNvPr id="19" name="AutoShape 6">
+            <a:extLst>
+              <a:ext uri="{FF2B5EF4-FFF2-40B4-BE49-F238E27FC236}">
+                <a16:creationId xmlns:a16="http://schemas.microsoft.com/office/drawing/2014/main" id="{81056592-9EAA-4984-8B0A-C9F6ADCE7FDC}"/>
+              </a:ext>
+            </a:extLst>
+          </p:cNvPr>
+          <p:cNvSpPr>
+            <a:spLocks noChangeAspect="1" noChangeArrowheads="1"/>
+          </p:cNvSpPr>
+          <p:nvPr/>
+        </p:nvSpPr>
+        <p:spPr bwMode="auto">
+          <a:xfrm>
+            <a:off x="4578186" y="3157272"/>
+            <a:ext cx="304800" cy="304800"/>
+          </a:xfrm>
+          <a:prstGeom prst="rect">
+            <a:avLst/>
+          </a:prstGeom>
+          <a:noFill/>
+          <a:extLst>
+            <a:ext uri="{909E8E84-426E-40DD-AFC4-6F175D3DCCD1}">
+              <a14:hiddenFill xmlns:a14="http://schemas.microsoft.com/office/drawing/2010/main">
+                <a:solidFill>
+                  <a:srgbClr val="FFFFFF"/>
+                </a:solidFill>
+              </a14:hiddenFill>
+            </a:ext>
+          </a:extLst>
+        </p:spPr>
+        <p:txBody>
+          <a:bodyPr vert="horz" wrap="square" lIns="91440" tIns="45720" rIns="91440" bIns="45720" numCol="1" anchor="t" anchorCtr="0" compatLnSpc="1">
+            <a:prstTxWarp prst="textNoShape">
+              <a:avLst/>
+            </a:prstTxWarp>
+          </a:bodyPr>
+          <a:lstStyle/>
+          <a:p>
+            <a:endParaRPr lang="zh-CN" altLang="en-US"/>
+          </a:p>
+        </p:txBody>
+      </p:sp>
       <p:pic>
         <p:nvPicPr>
-          <p:cNvPr id="2052" name="图片 1">
+          <p:cNvPr id="20" name="Picture 7">
             <a:extLst>
               <a:ext uri="{FF2B5EF4-FFF2-40B4-BE49-F238E27FC236}">
-                <a16:creationId xmlns:a16="http://schemas.microsoft.com/office/drawing/2014/main" id="{761242AA-FBC9-4E61-BDFC-A6DDF2F15910}"/>
+                <a16:creationId xmlns:a16="http://schemas.microsoft.com/office/drawing/2014/main" id="{E30A1868-4A35-46A4-A7EB-06DDC0C6CF58}"/>
               </a:ext>
             </a:extLst>
           </p:cNvPr>
@@ -7856,7 +10210,7 @@
           <p:nvPr/>
         </p:nvPicPr>
         <p:blipFill>
-          <a:blip r:embed="rId6" cstate="print">
+          <a:blip r:embed="rId10">
             <a:extLst>
               <a:ext uri="{28A0092B-C50C-407E-A947-70E740481C1C}">
                 <a14:useLocalDpi xmlns:a14="http://schemas.microsoft.com/office/drawing/2010/main" val="0"/>
@@ -7870,16 +10224,18 @@
         </p:blipFill>
         <p:spPr bwMode="auto">
           <a:xfrm>
-            <a:off x="4572000" y="659463"/>
-            <a:ext cx="4430711" cy="2063750"/>
-          </a:xfrm>
-          <a:prstGeom prst="rect">
+            <a:off x="6838950" y="2824384"/>
+            <a:ext cx="2305050" cy="1152525"/>
+          </a:xfrm>
+          <a:prstGeom prst="ellipse">
             <a:avLst/>
           </a:prstGeom>
-          <a:noFill/>
           <a:ln>
             <a:noFill/>
           </a:ln>
+          <a:effectLst>
+            <a:softEdge rad="112500"/>
+          </a:effectLst>
           <a:extLst>
             <a:ext uri="{909E8E84-426E-40DD-AFC4-6F175D3DCCD1}">
               <a14:hiddenFill xmlns:a14="http://schemas.microsoft.com/office/drawing/2010/main">
@@ -7888,64 +10244,969 @@
                 </a:solidFill>
               </a14:hiddenFill>
             </a:ext>
-            <a:ext uri="{91240B29-F687-4F45-9708-019B960494DF}">
-              <a14:hiddenLine xmlns:a14="http://schemas.microsoft.com/office/drawing/2010/main" w="9525">
-                <a:solidFill>
-                  <a:srgbClr val="000000"/>
-                </a:solidFill>
-                <a:miter lim="800000"/>
-                <a:headEnd/>
-                <a:tailEnd/>
-              </a14:hiddenLine>
-            </a:ext>
           </a:extLst>
         </p:spPr>
       </p:pic>
-      <p:pic>
-        <p:nvPicPr>
-          <p:cNvPr id="9" name="图片 8">
+      <p:graphicFrame>
+        <p:nvGraphicFramePr>
+          <p:cNvPr id="21" name="表格 20">
             <a:extLst>
               <a:ext uri="{FF2B5EF4-FFF2-40B4-BE49-F238E27FC236}">
-                <a16:creationId xmlns:a16="http://schemas.microsoft.com/office/drawing/2014/main" id="{5E1CD93F-B81C-4355-A648-7FC491A5F5E8}"/>
+                <a16:creationId xmlns:a16="http://schemas.microsoft.com/office/drawing/2014/main" id="{78B99414-857C-4DF0-ADA7-E405B2CD49D3}"/>
               </a:ext>
             </a:extLst>
           </p:cNvPr>
-          <p:cNvPicPr>
-            <a:picLocks noChangeAspect="1"/>
-          </p:cNvPicPr>
+          <p:cNvGraphicFramePr>
+            <a:graphicFrameLocks noGrp="1"/>
+          </p:cNvGraphicFramePr>
           <p:nvPr/>
-        </p:nvPicPr>
-        <p:blipFill>
-          <a:blip r:embed="rId7"/>
-          <a:stretch>
-            <a:fillRect/>
-          </a:stretch>
-        </p:blipFill>
-        <p:spPr>
-          <a:xfrm>
-            <a:off x="2441380" y="184120"/>
-            <a:ext cx="2775197" cy="4895336"/>
-          </a:xfrm>
-          <a:prstGeom prst="rect">
-            <a:avLst/>
-          </a:prstGeom>
-        </p:spPr>
-      </p:pic>
+        </p:nvGraphicFramePr>
+        <p:xfrm>
+          <a:off x="842798" y="1564667"/>
+          <a:ext cx="3055147" cy="3185209"/>
+        </p:xfrm>
+        <a:graphic>
+          <a:graphicData uri="http://schemas.openxmlformats.org/drawingml/2006/table">
+            <a:tbl>
+              <a:tblPr firstRow="1" firstCol="1" bandRow="1">
+                <a:tableStyleId>{5C22544A-7EE6-4342-B048-85BDC9FD1C3A}</a:tableStyleId>
+              </a:tblPr>
+              <a:tblGrid>
+                <a:gridCol w="1394842">
+                  <a:extLst>
+                    <a:ext uri="{9D8B030D-6E8A-4147-A177-3AD203B41FA5}">
+                      <a16:colId xmlns:a16="http://schemas.microsoft.com/office/drawing/2014/main" val="3345370853"/>
+                    </a:ext>
+                  </a:extLst>
+                </a:gridCol>
+                <a:gridCol w="1660305">
+                  <a:extLst>
+                    <a:ext uri="{9D8B030D-6E8A-4147-A177-3AD203B41FA5}">
+                      <a16:colId xmlns:a16="http://schemas.microsoft.com/office/drawing/2014/main" val="1731223381"/>
+                    </a:ext>
+                  </a:extLst>
+                </a:gridCol>
+              </a:tblGrid>
+              <a:tr h="519867">
+                <a:tc>
+                  <a:txBody>
+                    <a:bodyPr/>
+                    <a:lstStyle/>
+                    <a:p>
+                      <a:pPr indent="266700" algn="just">
+                        <a:lnSpc>
+                          <a:spcPts val="1800"/>
+                        </a:lnSpc>
+                      </a:pPr>
+                      <a:r>
+                        <a:rPr lang="zh-CN" sz="1200" kern="100" dirty="0">
+                          <a:effectLst/>
+                          <a:latin typeface="微软雅黑" panose="020B0503020204020204" pitchFamily="34" charset="-122"/>
+                          <a:ea typeface="微软雅黑" panose="020B0503020204020204" pitchFamily="34" charset="-122"/>
+                        </a:rPr>
+                        <a:t>技术</a:t>
+                      </a:r>
+                    </a:p>
+                  </a:txBody>
+                  <a:tcPr marL="68580" marR="68580" marT="0" marB="0" anchor="ctr"/>
+                </a:tc>
+                <a:tc>
+                  <a:txBody>
+                    <a:bodyPr/>
+                    <a:lstStyle/>
+                    <a:p>
+                      <a:pPr indent="267970" algn="just">
+                        <a:lnSpc>
+                          <a:spcPts val="1800"/>
+                        </a:lnSpc>
+                      </a:pPr>
+                      <a:r>
+                        <a:rPr lang="zh-CN" sz="1200" kern="100" dirty="0">
+                          <a:effectLst/>
+                          <a:latin typeface="微软雅黑" panose="020B0503020204020204" pitchFamily="34" charset="-122"/>
+                          <a:ea typeface="微软雅黑" panose="020B0503020204020204" pitchFamily="34" charset="-122"/>
+                        </a:rPr>
+                        <a:t>说明</a:t>
+                      </a:r>
+                    </a:p>
+                  </a:txBody>
+                  <a:tcPr marL="68580" marR="68580" marT="0" marB="0" anchor="ctr"/>
+                </a:tc>
+                <a:extLst>
+                  <a:ext uri="{0D108BD9-81ED-4DB2-BD59-A6C34878D82A}">
+                    <a16:rowId xmlns:a16="http://schemas.microsoft.com/office/drawing/2014/main" val="3150910329"/>
+                  </a:ext>
+                </a:extLst>
+              </a:tr>
+              <a:tr h="533658">
+                <a:tc>
+                  <a:txBody>
+                    <a:bodyPr/>
+                    <a:lstStyle/>
+                    <a:p>
+                      <a:pPr indent="266700" algn="just">
+                        <a:lnSpc>
+                          <a:spcPts val="1800"/>
+                        </a:lnSpc>
+                      </a:pPr>
+                      <a:r>
+                        <a:rPr lang="en-US" sz="1200" kern="100" dirty="0">
+                          <a:effectLst/>
+                          <a:latin typeface="微软雅黑" panose="020B0503020204020204" pitchFamily="34" charset="-122"/>
+                          <a:ea typeface="微软雅黑" panose="020B0503020204020204" pitchFamily="34" charset="-122"/>
+                        </a:rPr>
+                        <a:t>Typescript</a:t>
+                      </a:r>
+                      <a:endParaRPr lang="zh-CN" sz="1200" kern="100" dirty="0">
+                        <a:effectLst/>
+                        <a:latin typeface="微软雅黑" panose="020B0503020204020204" pitchFamily="34" charset="-122"/>
+                        <a:ea typeface="微软雅黑" panose="020B0503020204020204" pitchFamily="34" charset="-122"/>
+                      </a:endParaRPr>
+                    </a:p>
+                  </a:txBody>
+                  <a:tcPr marL="68580" marR="68580" marT="0" marB="0" anchor="ctr"/>
+                </a:tc>
+                <a:tc>
+                  <a:txBody>
+                    <a:bodyPr/>
+                    <a:lstStyle/>
+                    <a:p>
+                      <a:pPr indent="267970" algn="just">
+                        <a:lnSpc>
+                          <a:spcPts val="1800"/>
+                        </a:lnSpc>
+                      </a:pPr>
+                      <a:r>
+                        <a:rPr lang="en-US" sz="1200" kern="100" dirty="0" err="1">
+                          <a:effectLst/>
+                          <a:latin typeface="微软雅黑" panose="020B0503020204020204" pitchFamily="34" charset="-122"/>
+                          <a:ea typeface="微软雅黑" panose="020B0503020204020204" pitchFamily="34" charset="-122"/>
+                        </a:rPr>
+                        <a:t>Javascript</a:t>
+                      </a:r>
+                      <a:r>
+                        <a:rPr lang="zh-CN" sz="1200" kern="100" dirty="0">
+                          <a:effectLst/>
+                          <a:latin typeface="微软雅黑" panose="020B0503020204020204" pitchFamily="34" charset="-122"/>
+                          <a:ea typeface="微软雅黑" panose="020B0503020204020204" pitchFamily="34" charset="-122"/>
+                        </a:rPr>
+                        <a:t>超集</a:t>
+                      </a:r>
+                    </a:p>
+                  </a:txBody>
+                  <a:tcPr marL="68580" marR="68580" marT="0" marB="0" anchor="ctr"/>
+                </a:tc>
+                <a:extLst>
+                  <a:ext uri="{0D108BD9-81ED-4DB2-BD59-A6C34878D82A}">
+                    <a16:rowId xmlns:a16="http://schemas.microsoft.com/office/drawing/2014/main" val="786800311"/>
+                  </a:ext>
+                </a:extLst>
+              </a:tr>
+              <a:tr h="532184">
+                <a:tc>
+                  <a:txBody>
+                    <a:bodyPr/>
+                    <a:lstStyle/>
+                    <a:p>
+                      <a:pPr indent="266700" algn="just">
+                        <a:lnSpc>
+                          <a:spcPts val="1800"/>
+                        </a:lnSpc>
+                      </a:pPr>
+                      <a:r>
+                        <a:rPr lang="en-US" sz="1200" kern="100" dirty="0">
+                          <a:effectLst/>
+                          <a:latin typeface="微软雅黑" panose="020B0503020204020204" pitchFamily="34" charset="-122"/>
+                          <a:ea typeface="微软雅黑" panose="020B0503020204020204" pitchFamily="34" charset="-122"/>
+                        </a:rPr>
+                        <a:t>Vue</a:t>
+                      </a:r>
+                      <a:endParaRPr lang="zh-CN" sz="1200" kern="100" dirty="0">
+                        <a:effectLst/>
+                        <a:latin typeface="微软雅黑" panose="020B0503020204020204" pitchFamily="34" charset="-122"/>
+                        <a:ea typeface="微软雅黑" panose="020B0503020204020204" pitchFamily="34" charset="-122"/>
+                      </a:endParaRPr>
+                    </a:p>
+                  </a:txBody>
+                  <a:tcPr marL="68580" marR="68580" marT="0" marB="0" anchor="ctr"/>
+                </a:tc>
+                <a:tc>
+                  <a:txBody>
+                    <a:bodyPr/>
+                    <a:lstStyle/>
+                    <a:p>
+                      <a:pPr indent="267970" algn="just">
+                        <a:lnSpc>
+                          <a:spcPts val="1800"/>
+                        </a:lnSpc>
+                      </a:pPr>
+                      <a:r>
+                        <a:rPr lang="zh-CN" sz="1200" kern="100" dirty="0">
+                          <a:effectLst/>
+                          <a:latin typeface="微软雅黑" panose="020B0503020204020204" pitchFamily="34" charset="-122"/>
+                          <a:ea typeface="微软雅黑" panose="020B0503020204020204" pitchFamily="34" charset="-122"/>
+                        </a:rPr>
+                        <a:t>前端框架</a:t>
+                      </a:r>
+                    </a:p>
+                  </a:txBody>
+                  <a:tcPr marL="68580" marR="68580" marT="0" marB="0" anchor="ctr"/>
+                </a:tc>
+                <a:extLst>
+                  <a:ext uri="{0D108BD9-81ED-4DB2-BD59-A6C34878D82A}">
+                    <a16:rowId xmlns:a16="http://schemas.microsoft.com/office/drawing/2014/main" val="3342978897"/>
+                  </a:ext>
+                </a:extLst>
+              </a:tr>
+              <a:tr h="533658">
+                <a:tc>
+                  <a:txBody>
+                    <a:bodyPr/>
+                    <a:lstStyle/>
+                    <a:p>
+                      <a:pPr indent="266700" algn="just">
+                        <a:lnSpc>
+                          <a:spcPts val="1800"/>
+                        </a:lnSpc>
+                      </a:pPr>
+                      <a:r>
+                        <a:rPr lang="en-US" sz="1200" kern="100" dirty="0" err="1">
+                          <a:effectLst/>
+                          <a:latin typeface="微软雅黑" panose="020B0503020204020204" pitchFamily="34" charset="-122"/>
+                          <a:ea typeface="微软雅黑" panose="020B0503020204020204" pitchFamily="34" charset="-122"/>
+                        </a:rPr>
+                        <a:t>Axios</a:t>
+                      </a:r>
+                      <a:endParaRPr lang="zh-CN" sz="1200" kern="100" dirty="0">
+                        <a:effectLst/>
+                        <a:latin typeface="微软雅黑" panose="020B0503020204020204" pitchFamily="34" charset="-122"/>
+                        <a:ea typeface="微软雅黑" panose="020B0503020204020204" pitchFamily="34" charset="-122"/>
+                      </a:endParaRPr>
+                    </a:p>
+                  </a:txBody>
+                  <a:tcPr marL="68580" marR="68580" marT="0" marB="0" anchor="ctr"/>
+                </a:tc>
+                <a:tc>
+                  <a:txBody>
+                    <a:bodyPr/>
+                    <a:lstStyle/>
+                    <a:p>
+                      <a:pPr indent="267970" algn="just">
+                        <a:lnSpc>
+                          <a:spcPts val="1800"/>
+                        </a:lnSpc>
+                      </a:pPr>
+                      <a:r>
+                        <a:rPr lang="zh-CN" sz="1200" kern="100" dirty="0">
+                          <a:effectLst/>
+                          <a:latin typeface="微软雅黑" panose="020B0503020204020204" pitchFamily="34" charset="-122"/>
+                          <a:ea typeface="微软雅黑" panose="020B0503020204020204" pitchFamily="34" charset="-122"/>
+                        </a:rPr>
+                        <a:t>前端</a:t>
+                      </a:r>
+                      <a:r>
+                        <a:rPr lang="en-US" sz="1200" kern="100" dirty="0">
+                          <a:effectLst/>
+                          <a:latin typeface="微软雅黑" panose="020B0503020204020204" pitchFamily="34" charset="-122"/>
+                          <a:ea typeface="微软雅黑" panose="020B0503020204020204" pitchFamily="34" charset="-122"/>
+                        </a:rPr>
+                        <a:t>HTTP</a:t>
+                      </a:r>
+                      <a:r>
+                        <a:rPr lang="zh-CN" sz="1200" kern="100" dirty="0">
+                          <a:effectLst/>
+                          <a:latin typeface="微软雅黑" panose="020B0503020204020204" pitchFamily="34" charset="-122"/>
+                          <a:ea typeface="微软雅黑" panose="020B0503020204020204" pitchFamily="34" charset="-122"/>
+                        </a:rPr>
+                        <a:t>框架</a:t>
+                      </a:r>
+                    </a:p>
+                  </a:txBody>
+                  <a:tcPr marL="68580" marR="68580" marT="0" marB="0" anchor="ctr"/>
+                </a:tc>
+                <a:extLst>
+                  <a:ext uri="{0D108BD9-81ED-4DB2-BD59-A6C34878D82A}">
+                    <a16:rowId xmlns:a16="http://schemas.microsoft.com/office/drawing/2014/main" val="1710692219"/>
+                  </a:ext>
+                </a:extLst>
+              </a:tr>
+              <a:tr h="532184">
+                <a:tc>
+                  <a:txBody>
+                    <a:bodyPr/>
+                    <a:lstStyle/>
+                    <a:p>
+                      <a:pPr indent="266700" algn="just">
+                        <a:lnSpc>
+                          <a:spcPts val="1800"/>
+                        </a:lnSpc>
+                      </a:pPr>
+                      <a:r>
+                        <a:rPr lang="en-US" sz="1200" kern="100" dirty="0" err="1">
+                          <a:effectLst/>
+                          <a:latin typeface="微软雅黑" panose="020B0503020204020204" pitchFamily="34" charset="-122"/>
+                          <a:ea typeface="微软雅黑" panose="020B0503020204020204" pitchFamily="34" charset="-122"/>
+                        </a:rPr>
+                        <a:t>Echarts</a:t>
+                      </a:r>
+                      <a:endParaRPr lang="zh-CN" sz="1200" kern="100" dirty="0">
+                        <a:effectLst/>
+                        <a:latin typeface="微软雅黑" panose="020B0503020204020204" pitchFamily="34" charset="-122"/>
+                        <a:ea typeface="微软雅黑" panose="020B0503020204020204" pitchFamily="34" charset="-122"/>
+                      </a:endParaRPr>
+                    </a:p>
+                  </a:txBody>
+                  <a:tcPr marL="68580" marR="68580" marT="0" marB="0" anchor="ctr"/>
+                </a:tc>
+                <a:tc>
+                  <a:txBody>
+                    <a:bodyPr/>
+                    <a:lstStyle/>
+                    <a:p>
+                      <a:pPr indent="267970" algn="just">
+                        <a:lnSpc>
+                          <a:spcPts val="1800"/>
+                        </a:lnSpc>
+                      </a:pPr>
+                      <a:r>
+                        <a:rPr lang="zh-CN" sz="1200" kern="100" dirty="0">
+                          <a:effectLst/>
+                          <a:latin typeface="微软雅黑" panose="020B0503020204020204" pitchFamily="34" charset="-122"/>
+                          <a:ea typeface="微软雅黑" panose="020B0503020204020204" pitchFamily="34" charset="-122"/>
+                        </a:rPr>
+                        <a:t>可视化支持</a:t>
+                      </a:r>
+                    </a:p>
+                  </a:txBody>
+                  <a:tcPr marL="68580" marR="68580" marT="0" marB="0" anchor="ctr"/>
+                </a:tc>
+                <a:extLst>
+                  <a:ext uri="{0D108BD9-81ED-4DB2-BD59-A6C34878D82A}">
+                    <a16:rowId xmlns:a16="http://schemas.microsoft.com/office/drawing/2014/main" val="3965740389"/>
+                  </a:ext>
+                </a:extLst>
+              </a:tr>
+              <a:tr h="533658">
+                <a:tc>
+                  <a:txBody>
+                    <a:bodyPr/>
+                    <a:lstStyle/>
+                    <a:p>
+                      <a:pPr indent="266700" algn="just">
+                        <a:lnSpc>
+                          <a:spcPts val="1800"/>
+                        </a:lnSpc>
+                      </a:pPr>
+                      <a:r>
+                        <a:rPr lang="en-US" sz="1200" kern="100">
+                          <a:effectLst/>
+                          <a:latin typeface="微软雅黑" panose="020B0503020204020204" pitchFamily="34" charset="-122"/>
+                          <a:ea typeface="微软雅黑" panose="020B0503020204020204" pitchFamily="34" charset="-122"/>
+                        </a:rPr>
+                        <a:t>Ant-design-vue</a:t>
+                      </a:r>
+                      <a:endParaRPr lang="zh-CN" sz="1200" kern="100">
+                        <a:effectLst/>
+                        <a:latin typeface="微软雅黑" panose="020B0503020204020204" pitchFamily="34" charset="-122"/>
+                        <a:ea typeface="微软雅黑" panose="020B0503020204020204" pitchFamily="34" charset="-122"/>
+                      </a:endParaRPr>
+                    </a:p>
+                  </a:txBody>
+                  <a:tcPr marL="68580" marR="68580" marT="0" marB="0" anchor="ctr"/>
+                </a:tc>
+                <a:tc>
+                  <a:txBody>
+                    <a:bodyPr/>
+                    <a:lstStyle/>
+                    <a:p>
+                      <a:pPr indent="267970" algn="just">
+                        <a:lnSpc>
+                          <a:spcPts val="1800"/>
+                        </a:lnSpc>
+                      </a:pPr>
+                      <a:r>
+                        <a:rPr lang="zh-CN" sz="1200" kern="100" dirty="0">
+                          <a:effectLst/>
+                          <a:latin typeface="微软雅黑" panose="020B0503020204020204" pitchFamily="34" charset="-122"/>
+                          <a:ea typeface="微软雅黑" panose="020B0503020204020204" pitchFamily="34" charset="-122"/>
+                        </a:rPr>
+                        <a:t>前端</a:t>
+                      </a:r>
+                      <a:r>
+                        <a:rPr lang="en-US" sz="1200" kern="100" dirty="0">
+                          <a:effectLst/>
+                          <a:latin typeface="微软雅黑" panose="020B0503020204020204" pitchFamily="34" charset="-122"/>
+                          <a:ea typeface="微软雅黑" panose="020B0503020204020204" pitchFamily="34" charset="-122"/>
+                        </a:rPr>
+                        <a:t>UI</a:t>
+                      </a:r>
+                      <a:r>
+                        <a:rPr lang="zh-CN" sz="1200" kern="100" dirty="0">
+                          <a:effectLst/>
+                          <a:latin typeface="微软雅黑" panose="020B0503020204020204" pitchFamily="34" charset="-122"/>
+                          <a:ea typeface="微软雅黑" panose="020B0503020204020204" pitchFamily="34" charset="-122"/>
+                        </a:rPr>
+                        <a:t>框架</a:t>
+                      </a:r>
+                    </a:p>
+                  </a:txBody>
+                  <a:tcPr marL="68580" marR="68580" marT="0" marB="0" anchor="ctr"/>
+                </a:tc>
+                <a:extLst>
+                  <a:ext uri="{0D108BD9-81ED-4DB2-BD59-A6C34878D82A}">
+                    <a16:rowId xmlns:a16="http://schemas.microsoft.com/office/drawing/2014/main" val="3469757518"/>
+                  </a:ext>
+                </a:extLst>
+              </a:tr>
+            </a:tbl>
+          </a:graphicData>
+        </a:graphic>
+      </p:graphicFrame>
+      <p:graphicFrame>
+        <p:nvGraphicFramePr>
+          <p:cNvPr id="22" name="表格 21">
+            <a:extLst>
+              <a:ext uri="{FF2B5EF4-FFF2-40B4-BE49-F238E27FC236}">
+                <a16:creationId xmlns:a16="http://schemas.microsoft.com/office/drawing/2014/main" id="{EC4103E9-2CB8-43B2-A892-E3E60AF10CF6}"/>
+              </a:ext>
+            </a:extLst>
+          </p:cNvPr>
+          <p:cNvGraphicFramePr>
+            <a:graphicFrameLocks noGrp="1"/>
+          </p:cNvGraphicFramePr>
+          <p:nvPr>
+            <p:extLst>
+              <p:ext uri="{D42A27DB-BD31-4B8C-83A1-F6EECF244321}">
+                <p14:modId xmlns:p14="http://schemas.microsoft.com/office/powerpoint/2010/main" val="1013321198"/>
+              </p:ext>
+            </p:extLst>
+          </p:nvPr>
+        </p:nvGraphicFramePr>
+        <p:xfrm>
+          <a:off x="4894579" y="1069065"/>
+          <a:ext cx="3677146" cy="3765156"/>
+        </p:xfrm>
+        <a:graphic>
+          <a:graphicData uri="http://schemas.openxmlformats.org/drawingml/2006/table">
+            <a:tbl>
+              <a:tblPr firstRow="1" firstCol="1" bandRow="1">
+                <a:tableStyleId>{5C22544A-7EE6-4342-B048-85BDC9FD1C3A}</a:tableStyleId>
+              </a:tblPr>
+              <a:tblGrid>
+                <a:gridCol w="1782201">
+                  <a:extLst>
+                    <a:ext uri="{9D8B030D-6E8A-4147-A177-3AD203B41FA5}">
+                      <a16:colId xmlns:a16="http://schemas.microsoft.com/office/drawing/2014/main" val="3955087087"/>
+                    </a:ext>
+                  </a:extLst>
+                </a:gridCol>
+                <a:gridCol w="1894945">
+                  <a:extLst>
+                    <a:ext uri="{9D8B030D-6E8A-4147-A177-3AD203B41FA5}">
+                      <a16:colId xmlns:a16="http://schemas.microsoft.com/office/drawing/2014/main" val="706969786"/>
+                    </a:ext>
+                  </a:extLst>
+                </a:gridCol>
+              </a:tblGrid>
+              <a:tr h="461086">
+                <a:tc>
+                  <a:txBody>
+                    <a:bodyPr/>
+                    <a:lstStyle/>
+                    <a:p>
+                      <a:pPr indent="266700" algn="just">
+                        <a:lnSpc>
+                          <a:spcPts val="1800"/>
+                        </a:lnSpc>
+                      </a:pPr>
+                      <a:r>
+                        <a:rPr lang="zh-CN" sz="1050" kern="100" dirty="0">
+                          <a:effectLst/>
+                          <a:latin typeface="微软雅黑" panose="020B0503020204020204" pitchFamily="34" charset="-122"/>
+                          <a:ea typeface="微软雅黑" panose="020B0503020204020204" pitchFamily="34" charset="-122"/>
+                        </a:rPr>
+                        <a:t>技术</a:t>
+                      </a:r>
+                    </a:p>
+                  </a:txBody>
+                  <a:tcPr marL="68580" marR="68580" marT="0" marB="0" anchor="ctr"/>
+                </a:tc>
+                <a:tc>
+                  <a:txBody>
+                    <a:bodyPr/>
+                    <a:lstStyle/>
+                    <a:p>
+                      <a:pPr indent="266700" algn="just">
+                        <a:lnSpc>
+                          <a:spcPts val="1800"/>
+                        </a:lnSpc>
+                      </a:pPr>
+                      <a:r>
+                        <a:rPr lang="zh-CN" sz="1050" kern="100" dirty="0">
+                          <a:effectLst/>
+                          <a:latin typeface="微软雅黑" panose="020B0503020204020204" pitchFamily="34" charset="-122"/>
+                          <a:ea typeface="微软雅黑" panose="020B0503020204020204" pitchFamily="34" charset="-122"/>
+                        </a:rPr>
+                        <a:t>说明</a:t>
+                      </a:r>
+                    </a:p>
+                  </a:txBody>
+                  <a:tcPr marL="68580" marR="68580" marT="0" marB="0" anchor="ctr"/>
+                </a:tc>
+                <a:extLst>
+                  <a:ext uri="{0D108BD9-81ED-4DB2-BD59-A6C34878D82A}">
+                    <a16:rowId xmlns:a16="http://schemas.microsoft.com/office/drawing/2014/main" val="2748740085"/>
+                  </a:ext>
+                </a:extLst>
+              </a:tr>
+              <a:tr h="472010">
+                <a:tc>
+                  <a:txBody>
+                    <a:bodyPr/>
+                    <a:lstStyle/>
+                    <a:p>
+                      <a:pPr indent="266700" algn="just">
+                        <a:lnSpc>
+                          <a:spcPts val="1800"/>
+                        </a:lnSpc>
+                      </a:pPr>
+                      <a:r>
+                        <a:rPr lang="en-US" sz="1050" kern="100" dirty="0" err="1">
+                          <a:effectLst/>
+                          <a:latin typeface="微软雅黑" panose="020B0503020204020204" pitchFamily="34" charset="-122"/>
+                          <a:ea typeface="微软雅黑" panose="020B0503020204020204" pitchFamily="34" charset="-122"/>
+                        </a:rPr>
+                        <a:t>SpringBoot</a:t>
+                      </a:r>
+                      <a:endParaRPr lang="zh-CN" sz="1050" kern="100" dirty="0">
+                        <a:effectLst/>
+                        <a:latin typeface="微软雅黑" panose="020B0503020204020204" pitchFamily="34" charset="-122"/>
+                        <a:ea typeface="微软雅黑" panose="020B0503020204020204" pitchFamily="34" charset="-122"/>
+                      </a:endParaRPr>
+                    </a:p>
+                  </a:txBody>
+                  <a:tcPr marL="68580" marR="68580" marT="0" marB="0" anchor="ctr"/>
+                </a:tc>
+                <a:tc>
+                  <a:txBody>
+                    <a:bodyPr/>
+                    <a:lstStyle/>
+                    <a:p>
+                      <a:pPr indent="267970" algn="just">
+                        <a:lnSpc>
+                          <a:spcPts val="1800"/>
+                        </a:lnSpc>
+                      </a:pPr>
+                      <a:r>
+                        <a:rPr lang="zh-CN" sz="1050" kern="100" dirty="0">
+                          <a:effectLst/>
+                          <a:latin typeface="微软雅黑" panose="020B0503020204020204" pitchFamily="34" charset="-122"/>
+                          <a:ea typeface="微软雅黑" panose="020B0503020204020204" pitchFamily="34" charset="-122"/>
+                        </a:rPr>
+                        <a:t>容器</a:t>
+                      </a:r>
+                      <a:r>
+                        <a:rPr lang="en-US" sz="1050" kern="100" dirty="0">
+                          <a:effectLst/>
+                          <a:latin typeface="微软雅黑" panose="020B0503020204020204" pitchFamily="34" charset="-122"/>
+                          <a:ea typeface="微软雅黑" panose="020B0503020204020204" pitchFamily="34" charset="-122"/>
+                        </a:rPr>
+                        <a:t>+MVC</a:t>
+                      </a:r>
+                      <a:r>
+                        <a:rPr lang="zh-CN" sz="1050" kern="100" dirty="0">
+                          <a:effectLst/>
+                          <a:latin typeface="微软雅黑" panose="020B0503020204020204" pitchFamily="34" charset="-122"/>
+                          <a:ea typeface="微软雅黑" panose="020B0503020204020204" pitchFamily="34" charset="-122"/>
+                        </a:rPr>
+                        <a:t>框架</a:t>
+                      </a:r>
+                    </a:p>
+                  </a:txBody>
+                  <a:tcPr marL="68580" marR="68580" marT="0" marB="0" anchor="ctr"/>
+                </a:tc>
+                <a:extLst>
+                  <a:ext uri="{0D108BD9-81ED-4DB2-BD59-A6C34878D82A}">
+                    <a16:rowId xmlns:a16="http://schemas.microsoft.com/office/drawing/2014/main" val="602704688"/>
+                  </a:ext>
+                </a:extLst>
+              </a:tr>
+              <a:tr h="472010">
+                <a:tc>
+                  <a:txBody>
+                    <a:bodyPr/>
+                    <a:lstStyle/>
+                    <a:p>
+                      <a:pPr indent="266700" algn="just">
+                        <a:lnSpc>
+                          <a:spcPts val="1800"/>
+                        </a:lnSpc>
+                      </a:pPr>
+                      <a:r>
+                        <a:rPr lang="en-US" sz="1050" kern="100" dirty="0" err="1">
+                          <a:effectLst/>
+                          <a:latin typeface="微软雅黑" panose="020B0503020204020204" pitchFamily="34" charset="-122"/>
+                          <a:ea typeface="微软雅黑" panose="020B0503020204020204" pitchFamily="34" charset="-122"/>
+                        </a:rPr>
+                        <a:t>SpringSecurity</a:t>
+                      </a:r>
+                      <a:endParaRPr lang="zh-CN" sz="1050" kern="100" dirty="0">
+                        <a:effectLst/>
+                        <a:latin typeface="微软雅黑" panose="020B0503020204020204" pitchFamily="34" charset="-122"/>
+                        <a:ea typeface="微软雅黑" panose="020B0503020204020204" pitchFamily="34" charset="-122"/>
+                      </a:endParaRPr>
+                    </a:p>
+                  </a:txBody>
+                  <a:tcPr marL="68580" marR="68580" marT="0" marB="0" anchor="ctr"/>
+                </a:tc>
+                <a:tc>
+                  <a:txBody>
+                    <a:bodyPr/>
+                    <a:lstStyle/>
+                    <a:p>
+                      <a:pPr indent="267970" algn="just">
+                        <a:lnSpc>
+                          <a:spcPts val="1800"/>
+                        </a:lnSpc>
+                      </a:pPr>
+                      <a:r>
+                        <a:rPr lang="zh-CN" sz="1050" kern="100" dirty="0">
+                          <a:effectLst/>
+                          <a:latin typeface="微软雅黑" panose="020B0503020204020204" pitchFamily="34" charset="-122"/>
+                          <a:ea typeface="微软雅黑" panose="020B0503020204020204" pitchFamily="34" charset="-122"/>
+                        </a:rPr>
+                        <a:t>认证和授权框架</a:t>
+                      </a:r>
+                    </a:p>
+                  </a:txBody>
+                  <a:tcPr marL="68580" marR="68580" marT="0" marB="0" anchor="ctr"/>
+                </a:tc>
+                <a:extLst>
+                  <a:ext uri="{0D108BD9-81ED-4DB2-BD59-A6C34878D82A}">
+                    <a16:rowId xmlns:a16="http://schemas.microsoft.com/office/drawing/2014/main" val="2375618434"/>
+                  </a:ext>
+                </a:extLst>
+              </a:tr>
+              <a:tr h="472010">
+                <a:tc>
+                  <a:txBody>
+                    <a:bodyPr/>
+                    <a:lstStyle/>
+                    <a:p>
+                      <a:pPr indent="266700" algn="just">
+                        <a:lnSpc>
+                          <a:spcPts val="1800"/>
+                        </a:lnSpc>
+                      </a:pPr>
+                      <a:r>
+                        <a:rPr lang="en-US" sz="1050" kern="100" dirty="0" err="1">
+                          <a:effectLst/>
+                          <a:latin typeface="微软雅黑" panose="020B0503020204020204" pitchFamily="34" charset="-122"/>
+                          <a:ea typeface="微软雅黑" panose="020B0503020204020204" pitchFamily="34" charset="-122"/>
+                        </a:rPr>
+                        <a:t>MyBatis</a:t>
+                      </a:r>
+                      <a:endParaRPr lang="zh-CN" sz="1050" kern="100" dirty="0">
+                        <a:effectLst/>
+                        <a:latin typeface="微软雅黑" panose="020B0503020204020204" pitchFamily="34" charset="-122"/>
+                        <a:ea typeface="微软雅黑" panose="020B0503020204020204" pitchFamily="34" charset="-122"/>
+                      </a:endParaRPr>
+                    </a:p>
+                  </a:txBody>
+                  <a:tcPr marL="68580" marR="68580" marT="0" marB="0" anchor="ctr"/>
+                </a:tc>
+                <a:tc>
+                  <a:txBody>
+                    <a:bodyPr/>
+                    <a:lstStyle/>
+                    <a:p>
+                      <a:pPr indent="267970" algn="just">
+                        <a:lnSpc>
+                          <a:spcPts val="1800"/>
+                        </a:lnSpc>
+                      </a:pPr>
+                      <a:r>
+                        <a:rPr lang="en-US" sz="1050" kern="100" dirty="0">
+                          <a:effectLst/>
+                          <a:latin typeface="微软雅黑" panose="020B0503020204020204" pitchFamily="34" charset="-122"/>
+                          <a:ea typeface="微软雅黑" panose="020B0503020204020204" pitchFamily="34" charset="-122"/>
+                        </a:rPr>
+                        <a:t>ORM</a:t>
+                      </a:r>
+                      <a:r>
+                        <a:rPr lang="zh-CN" sz="1050" kern="100" dirty="0">
+                          <a:effectLst/>
+                          <a:latin typeface="微软雅黑" panose="020B0503020204020204" pitchFamily="34" charset="-122"/>
+                          <a:ea typeface="微软雅黑" panose="020B0503020204020204" pitchFamily="34" charset="-122"/>
+                        </a:rPr>
+                        <a:t>框架</a:t>
+                      </a:r>
+                    </a:p>
+                  </a:txBody>
+                  <a:tcPr marL="68580" marR="68580" marT="0" marB="0" anchor="ctr"/>
+                </a:tc>
+                <a:extLst>
+                  <a:ext uri="{0D108BD9-81ED-4DB2-BD59-A6C34878D82A}">
+                    <a16:rowId xmlns:a16="http://schemas.microsoft.com/office/drawing/2014/main" val="2252565199"/>
+                  </a:ext>
+                </a:extLst>
+              </a:tr>
+              <a:tr h="472010">
+                <a:tc>
+                  <a:txBody>
+                    <a:bodyPr/>
+                    <a:lstStyle/>
+                    <a:p>
+                      <a:pPr indent="266700" algn="just">
+                        <a:lnSpc>
+                          <a:spcPts val="1800"/>
+                        </a:lnSpc>
+                      </a:pPr>
+                      <a:r>
+                        <a:rPr lang="en-US" sz="1050" kern="100" dirty="0">
+                          <a:effectLst/>
+                          <a:latin typeface="微软雅黑" panose="020B0503020204020204" pitchFamily="34" charset="-122"/>
+                          <a:ea typeface="微软雅黑" panose="020B0503020204020204" pitchFamily="34" charset="-122"/>
+                        </a:rPr>
+                        <a:t>JWT</a:t>
+                      </a:r>
+                      <a:endParaRPr lang="zh-CN" sz="1050" kern="100" dirty="0">
+                        <a:effectLst/>
+                        <a:latin typeface="微软雅黑" panose="020B0503020204020204" pitchFamily="34" charset="-122"/>
+                        <a:ea typeface="微软雅黑" panose="020B0503020204020204" pitchFamily="34" charset="-122"/>
+                      </a:endParaRPr>
+                    </a:p>
+                  </a:txBody>
+                  <a:tcPr marL="68580" marR="68580" marT="0" marB="0" anchor="ctr"/>
+                </a:tc>
+                <a:tc>
+                  <a:txBody>
+                    <a:bodyPr/>
+                    <a:lstStyle/>
+                    <a:p>
+                      <a:pPr indent="267970" algn="just">
+                        <a:lnSpc>
+                          <a:spcPts val="1800"/>
+                        </a:lnSpc>
+                      </a:pPr>
+                      <a:r>
+                        <a:rPr lang="en-US" sz="1050" kern="100" dirty="0">
+                          <a:effectLst/>
+                          <a:latin typeface="微软雅黑" panose="020B0503020204020204" pitchFamily="34" charset="-122"/>
+                          <a:ea typeface="微软雅黑" panose="020B0503020204020204" pitchFamily="34" charset="-122"/>
+                        </a:rPr>
+                        <a:t>JWT</a:t>
+                      </a:r>
+                      <a:r>
+                        <a:rPr lang="zh-CN" sz="1050" kern="100" dirty="0">
+                          <a:effectLst/>
+                          <a:latin typeface="微软雅黑" panose="020B0503020204020204" pitchFamily="34" charset="-122"/>
+                          <a:ea typeface="微软雅黑" panose="020B0503020204020204" pitchFamily="34" charset="-122"/>
+                        </a:rPr>
+                        <a:t>登录支持</a:t>
+                      </a:r>
+                    </a:p>
+                  </a:txBody>
+                  <a:tcPr marL="68580" marR="68580" marT="0" marB="0" anchor="ctr"/>
+                </a:tc>
+                <a:extLst>
+                  <a:ext uri="{0D108BD9-81ED-4DB2-BD59-A6C34878D82A}">
+                    <a16:rowId xmlns:a16="http://schemas.microsoft.com/office/drawing/2014/main" val="71181449"/>
+                  </a:ext>
+                </a:extLst>
+              </a:tr>
+              <a:tr h="472010">
+                <a:tc>
+                  <a:txBody>
+                    <a:bodyPr/>
+                    <a:lstStyle/>
+                    <a:p>
+                      <a:pPr indent="266700" algn="just">
+                        <a:lnSpc>
+                          <a:spcPts val="1800"/>
+                        </a:lnSpc>
+                      </a:pPr>
+                      <a:r>
+                        <a:rPr lang="en-US" sz="1050" kern="100" dirty="0" err="1">
+                          <a:effectLst/>
+                          <a:latin typeface="微软雅黑" panose="020B0503020204020204" pitchFamily="34" charset="-122"/>
+                          <a:ea typeface="微软雅黑" panose="020B0503020204020204" pitchFamily="34" charset="-122"/>
+                        </a:rPr>
+                        <a:t>Springdoc</a:t>
+                      </a:r>
+                      <a:endParaRPr lang="zh-CN" sz="1050" kern="100" dirty="0">
+                        <a:effectLst/>
+                        <a:latin typeface="微软雅黑" panose="020B0503020204020204" pitchFamily="34" charset="-122"/>
+                        <a:ea typeface="微软雅黑" panose="020B0503020204020204" pitchFamily="34" charset="-122"/>
+                      </a:endParaRPr>
+                    </a:p>
+                  </a:txBody>
+                  <a:tcPr marL="68580" marR="68580" marT="0" marB="0" anchor="ctr"/>
+                </a:tc>
+                <a:tc>
+                  <a:txBody>
+                    <a:bodyPr/>
+                    <a:lstStyle/>
+                    <a:p>
+                      <a:pPr indent="267970" algn="just">
+                        <a:lnSpc>
+                          <a:spcPts val="1800"/>
+                        </a:lnSpc>
+                      </a:pPr>
+                      <a:r>
+                        <a:rPr lang="zh-CN" sz="1050" kern="100" dirty="0">
+                          <a:effectLst/>
+                          <a:latin typeface="微软雅黑" panose="020B0503020204020204" pitchFamily="34" charset="-122"/>
+                          <a:ea typeface="微软雅黑" panose="020B0503020204020204" pitchFamily="34" charset="-122"/>
+                        </a:rPr>
+                        <a:t>文档生成工具</a:t>
+                      </a:r>
+                    </a:p>
+                  </a:txBody>
+                  <a:tcPr marL="68580" marR="68580" marT="0" marB="0" anchor="ctr"/>
+                </a:tc>
+                <a:extLst>
+                  <a:ext uri="{0D108BD9-81ED-4DB2-BD59-A6C34878D82A}">
+                    <a16:rowId xmlns:a16="http://schemas.microsoft.com/office/drawing/2014/main" val="3517482511"/>
+                  </a:ext>
+                </a:extLst>
+              </a:tr>
+              <a:tr h="472010">
+                <a:tc>
+                  <a:txBody>
+                    <a:bodyPr/>
+                    <a:lstStyle/>
+                    <a:p>
+                      <a:pPr indent="266700" algn="just">
+                        <a:lnSpc>
+                          <a:spcPts val="1800"/>
+                        </a:lnSpc>
+                      </a:pPr>
+                      <a:r>
+                        <a:rPr lang="en-US" sz="1050" kern="100">
+                          <a:effectLst/>
+                          <a:latin typeface="微软雅黑" panose="020B0503020204020204" pitchFamily="34" charset="-122"/>
+                          <a:ea typeface="微软雅黑" panose="020B0503020204020204" pitchFamily="34" charset="-122"/>
+                        </a:rPr>
+                        <a:t>Apache POI</a:t>
+                      </a:r>
+                      <a:endParaRPr lang="zh-CN" sz="1050" kern="100">
+                        <a:effectLst/>
+                        <a:latin typeface="微软雅黑" panose="020B0503020204020204" pitchFamily="34" charset="-122"/>
+                        <a:ea typeface="微软雅黑" panose="020B0503020204020204" pitchFamily="34" charset="-122"/>
+                      </a:endParaRPr>
+                    </a:p>
+                  </a:txBody>
+                  <a:tcPr marL="68580" marR="68580" marT="0" marB="0" anchor="ctr"/>
+                </a:tc>
+                <a:tc>
+                  <a:txBody>
+                    <a:bodyPr/>
+                    <a:lstStyle/>
+                    <a:p>
+                      <a:pPr indent="267970" algn="just">
+                        <a:lnSpc>
+                          <a:spcPts val="1800"/>
+                        </a:lnSpc>
+                      </a:pPr>
+                      <a:r>
+                        <a:rPr lang="en-US" sz="1050" kern="100" dirty="0">
+                          <a:effectLst/>
+                          <a:latin typeface="微软雅黑" panose="020B0503020204020204" pitchFamily="34" charset="-122"/>
+                          <a:ea typeface="微软雅黑" panose="020B0503020204020204" pitchFamily="34" charset="-122"/>
+                        </a:rPr>
+                        <a:t>Microsoft</a:t>
+                      </a:r>
+                      <a:r>
+                        <a:rPr lang="zh-CN" sz="1050" kern="100" dirty="0">
+                          <a:effectLst/>
+                          <a:latin typeface="微软雅黑" panose="020B0503020204020204" pitchFamily="34" charset="-122"/>
+                          <a:ea typeface="微软雅黑" panose="020B0503020204020204" pitchFamily="34" charset="-122"/>
+                        </a:rPr>
+                        <a:t>文档操作</a:t>
+                      </a:r>
+                    </a:p>
+                  </a:txBody>
+                  <a:tcPr marL="68580" marR="68580" marT="0" marB="0" anchor="ctr"/>
+                </a:tc>
+                <a:extLst>
+                  <a:ext uri="{0D108BD9-81ED-4DB2-BD59-A6C34878D82A}">
+                    <a16:rowId xmlns:a16="http://schemas.microsoft.com/office/drawing/2014/main" val="260592734"/>
+                  </a:ext>
+                </a:extLst>
+              </a:tr>
+              <a:tr h="472010">
+                <a:tc>
+                  <a:txBody>
+                    <a:bodyPr/>
+                    <a:lstStyle/>
+                    <a:p>
+                      <a:pPr indent="266700" algn="just">
+                        <a:lnSpc>
+                          <a:spcPts val="1800"/>
+                        </a:lnSpc>
+                      </a:pPr>
+                      <a:r>
+                        <a:rPr lang="en-US" sz="1050" kern="100" dirty="0">
+                          <a:effectLst/>
+                          <a:latin typeface="微软雅黑" panose="020B0503020204020204" pitchFamily="34" charset="-122"/>
+                          <a:ea typeface="微软雅黑" panose="020B0503020204020204" pitchFamily="34" charset="-122"/>
+                        </a:rPr>
+                        <a:t>MySQL</a:t>
+                      </a:r>
+                      <a:endParaRPr lang="zh-CN" sz="1050" kern="100" dirty="0">
+                        <a:effectLst/>
+                        <a:latin typeface="微软雅黑" panose="020B0503020204020204" pitchFamily="34" charset="-122"/>
+                        <a:ea typeface="微软雅黑" panose="020B0503020204020204" pitchFamily="34" charset="-122"/>
+                      </a:endParaRPr>
+                    </a:p>
+                  </a:txBody>
+                  <a:tcPr marL="68580" marR="68580" marT="0" marB="0" anchor="ctr"/>
+                </a:tc>
+                <a:tc>
+                  <a:txBody>
+                    <a:bodyPr/>
+                    <a:lstStyle/>
+                    <a:p>
+                      <a:pPr indent="267970" algn="just">
+                        <a:lnSpc>
+                          <a:spcPts val="1800"/>
+                        </a:lnSpc>
+                      </a:pPr>
+                      <a:r>
+                        <a:rPr lang="zh-CN" sz="1050" kern="100" dirty="0">
+                          <a:effectLst/>
+                          <a:latin typeface="微软雅黑" panose="020B0503020204020204" pitchFamily="34" charset="-122"/>
+                          <a:ea typeface="微软雅黑" panose="020B0503020204020204" pitchFamily="34" charset="-122"/>
+                        </a:rPr>
+                        <a:t>关系型数据库</a:t>
+                      </a:r>
+                    </a:p>
+                  </a:txBody>
+                  <a:tcPr marL="68580" marR="68580" marT="0" marB="0" anchor="ctr"/>
+                </a:tc>
+                <a:extLst>
+                  <a:ext uri="{0D108BD9-81ED-4DB2-BD59-A6C34878D82A}">
+                    <a16:rowId xmlns:a16="http://schemas.microsoft.com/office/drawing/2014/main" val="3992544339"/>
+                  </a:ext>
+                </a:extLst>
+              </a:tr>
+            </a:tbl>
+          </a:graphicData>
+        </a:graphic>
+      </p:graphicFrame>
     </p:spTree>
-    <p:custDataLst>
-      <p:tags r:id="rId1"/>
-    </p:custDataLst>
     <p:extLst>
       <p:ext uri="{BB962C8B-B14F-4D97-AF65-F5344CB8AC3E}">
-        <p14:creationId xmlns:p14="http://schemas.microsoft.com/office/powerpoint/2010/main" val="3126145376"/>
+        <p14:creationId xmlns:p14="http://schemas.microsoft.com/office/powerpoint/2010/main" val="3388579446"/>
       </p:ext>
     </p:extLst>
   </p:cSld>
   <p:clrMapOvr>
     <a:masterClrMapping/>
   </p:clrMapOvr>
-  <p:transition spd="slow" advTm="12623">
-    <p:pull/>
+  <p:transition spd="slow" advClick="0" advTm="7689">
+    <p:wipe/>
   </p:transition>
   <p:timing>
     <p:tnLst>
@@ -7981,7 +11242,34 @@
                                           </p:stCondLst>
                                         </p:cTn>
                                         <p:tgtEl>
-                                          <p:spTgt spid="9"/>
+                                          <p:spTgt spid="21"/>
+                                        </p:tgtEl>
+                                        <p:attrNameLst>
+                                          <p:attrName>style.visibility</p:attrName>
+                                        </p:attrNameLst>
+                                      </p:cBhvr>
+                                      <p:to>
+                                        <p:strVal val="visible"/>
+                                      </p:to>
+                                    </p:set>
+                                  </p:childTnLst>
+                                </p:cTn>
+                              </p:par>
+                              <p:par>
+                                <p:cTn id="7" presetID="1" presetClass="entr" presetSubtype="0" fill="hold" nodeType="withEffect">
+                                  <p:stCondLst>
+                                    <p:cond delay="0"/>
+                                  </p:stCondLst>
+                                  <p:childTnLst>
+                                    <p:set>
+                                      <p:cBhvr>
+                                        <p:cTn id="8" dur="1" fill="hold">
+                                          <p:stCondLst>
+                                            <p:cond delay="0"/>
+                                          </p:stCondLst>
+                                        </p:cTn>
+                                        <p:tgtEl>
+                                          <p:spTgt spid="22"/>
                                         </p:tgtEl>
                                         <p:attrNameLst>
                                           <p:attrName>style.visibility</p:attrName>
@@ -8025,6 +11313,536 @@
 </p:sld>
 </file>
 
+<file path=ppt/slides/slide6.xml><?xml version="1.0" encoding="utf-8"?>
+<p:sld xmlns:a="http://schemas.openxmlformats.org/drawingml/2006/main" xmlns:r="http://schemas.openxmlformats.org/officeDocument/2006/relationships" xmlns:p="http://schemas.openxmlformats.org/presentationml/2006/main">
+  <p:cSld>
+    <p:spTree>
+      <p:nvGrpSpPr>
+        <p:cNvPr id="1" name=""/>
+        <p:cNvGrpSpPr/>
+        <p:nvPr/>
+      </p:nvGrpSpPr>
+      <p:grpSpPr>
+        <a:xfrm>
+          <a:off x="0" y="0"/>
+          <a:ext cx="0" cy="0"/>
+          <a:chOff x="0" y="0"/>
+          <a:chExt cx="0" cy="0"/>
+        </a:xfrm>
+      </p:grpSpPr>
+      <p:cxnSp>
+        <p:nvCxnSpPr>
+          <p:cNvPr id="24" name="直接连接符 23"/>
+          <p:cNvCxnSpPr/>
+          <p:nvPr/>
+        </p:nvCxnSpPr>
+        <p:spPr>
+          <a:xfrm>
+            <a:off x="515257" y="624114"/>
+            <a:ext cx="8113486" cy="0"/>
+          </a:xfrm>
+          <a:prstGeom prst="line">
+            <a:avLst/>
+          </a:prstGeom>
+          <a:ln w="12700">
+            <a:solidFill>
+              <a:schemeClr val="tx1"/>
+            </a:solidFill>
+            <a:prstDash val="dash"/>
+          </a:ln>
+        </p:spPr>
+        <p:style>
+          <a:lnRef idx="1">
+            <a:schemeClr val="accent1"/>
+          </a:lnRef>
+          <a:fillRef idx="0">
+            <a:schemeClr val="accent1"/>
+          </a:fillRef>
+          <a:effectRef idx="0">
+            <a:schemeClr val="accent1"/>
+          </a:effectRef>
+          <a:fontRef idx="minor">
+            <a:schemeClr val="tx1"/>
+          </a:fontRef>
+        </p:style>
+      </p:cxnSp>
+      <p:sp>
+        <p:nvSpPr>
+          <p:cNvPr id="25" name="椭圆 24"/>
+          <p:cNvSpPr/>
+          <p:nvPr/>
+        </p:nvSpPr>
+        <p:spPr>
+          <a:xfrm>
+            <a:off x="646880" y="242192"/>
+            <a:ext cx="274777" cy="274777"/>
+          </a:xfrm>
+          <a:prstGeom prst="ellipse">
+            <a:avLst/>
+          </a:prstGeom>
+          <a:solidFill>
+            <a:srgbClr val="5380F7"/>
+          </a:solidFill>
+          <a:ln>
+            <a:noFill/>
+          </a:ln>
+          <a:effectLst>
+            <a:outerShdw blurRad="254000" dist="127000" dir="8100000" algn="tr" rotWithShape="0">
+              <a:prstClr val="black">
+                <a:alpha val="60000"/>
+              </a:prstClr>
+            </a:outerShdw>
+          </a:effectLst>
+        </p:spPr>
+        <p:style>
+          <a:lnRef idx="2">
+            <a:schemeClr val="accent1">
+              <a:shade val="50000"/>
+            </a:schemeClr>
+          </a:lnRef>
+          <a:fillRef idx="1">
+            <a:schemeClr val="accent1"/>
+          </a:fillRef>
+          <a:effectRef idx="0">
+            <a:schemeClr val="accent1"/>
+          </a:effectRef>
+          <a:fontRef idx="minor">
+            <a:schemeClr val="lt1"/>
+          </a:fontRef>
+        </p:style>
+        <p:txBody>
+          <a:bodyPr rtlCol="0" anchor="ctr"/>
+          <a:lstStyle/>
+          <a:p>
+            <a:pPr algn="ctr"/>
+            <a:endParaRPr lang="zh-CN" altLang="en-US"/>
+          </a:p>
+        </p:txBody>
+      </p:sp>
+      <p:sp>
+        <p:nvSpPr>
+          <p:cNvPr id="26" name="TextBox 25"/>
+          <p:cNvSpPr txBox="1"/>
+          <p:nvPr/>
+        </p:nvSpPr>
+        <p:spPr>
+          <a:xfrm>
+            <a:off x="908957" y="206330"/>
+            <a:ext cx="1364476" cy="400110"/>
+          </a:xfrm>
+          <a:prstGeom prst="rect">
+            <a:avLst/>
+          </a:prstGeom>
+          <a:noFill/>
+        </p:spPr>
+        <p:txBody>
+          <a:bodyPr wrap="none" rtlCol="0">
+            <a:spAutoFit/>
+          </a:bodyPr>
+          <a:lstStyle/>
+          <a:p>
+            <a:r>
+              <a:rPr lang="zh-CN" altLang="en-US" sz="2000" spc="300" dirty="0">
+                <a:latin typeface="微软雅黑" panose="020B0503020204020204" pitchFamily="34" charset="-122"/>
+                <a:ea typeface="微软雅黑" panose="020B0503020204020204" pitchFamily="34" charset="-122"/>
+              </a:rPr>
+              <a:t>功能模块</a:t>
+            </a:r>
+          </a:p>
+        </p:txBody>
+      </p:sp>
+      <p:pic>
+        <p:nvPicPr>
+          <p:cNvPr id="3" name="图片 2">
+            <a:extLst>
+              <a:ext uri="{FF2B5EF4-FFF2-40B4-BE49-F238E27FC236}">
+                <a16:creationId xmlns:a16="http://schemas.microsoft.com/office/drawing/2014/main" id="{41154744-41EF-489C-AFE7-43C8AE4D0B3C}"/>
+              </a:ext>
+            </a:extLst>
+          </p:cNvPr>
+          <p:cNvPicPr>
+            <a:picLocks noChangeAspect="1"/>
+          </p:cNvPicPr>
+          <p:nvPr/>
+        </p:nvPicPr>
+        <p:blipFill>
+          <a:blip r:embed="rId4" cstate="print">
+            <a:extLst>
+              <a:ext uri="{28A0092B-C50C-407E-A947-70E740481C1C}">
+                <a14:useLocalDpi xmlns:a14="http://schemas.microsoft.com/office/drawing/2010/main" val="0"/>
+              </a:ext>
+            </a:extLst>
+          </a:blip>
+          <a:stretch>
+            <a:fillRect/>
+          </a:stretch>
+        </p:blipFill>
+        <p:spPr>
+          <a:xfrm>
+            <a:off x="2033752" y="731260"/>
+            <a:ext cx="4642943" cy="4263237"/>
+          </a:xfrm>
+          <a:prstGeom prst="rect">
+            <a:avLst/>
+          </a:prstGeom>
+        </p:spPr>
+      </p:pic>
+      <p:sp>
+        <p:nvSpPr>
+          <p:cNvPr id="4" name="文本框 3">
+            <a:extLst>
+              <a:ext uri="{FF2B5EF4-FFF2-40B4-BE49-F238E27FC236}">
+                <a16:creationId xmlns:a16="http://schemas.microsoft.com/office/drawing/2014/main" id="{B858CD86-9E16-41D2-A514-5C60B34604D3}"/>
+              </a:ext>
+            </a:extLst>
+          </p:cNvPr>
+          <p:cNvSpPr txBox="1"/>
+          <p:nvPr/>
+        </p:nvSpPr>
+        <p:spPr>
+          <a:xfrm>
+            <a:off x="582449" y="1229736"/>
+            <a:ext cx="2017492" cy="584775"/>
+          </a:xfrm>
+          <a:prstGeom prst="rect">
+            <a:avLst/>
+          </a:prstGeom>
+          <a:noFill/>
+        </p:spPr>
+        <p:txBody>
+          <a:bodyPr wrap="square" rtlCol="0">
+            <a:spAutoFit/>
+          </a:bodyPr>
+          <a:lstStyle/>
+          <a:p>
+            <a:r>
+              <a:rPr lang="zh-CN" altLang="en-US" sz="1600" dirty="0">
+                <a:latin typeface="Microsoft YaHei UI" panose="020B0503020204020204" pitchFamily="34" charset="-122"/>
+                <a:ea typeface="Microsoft YaHei UI" panose="020B0503020204020204" pitchFamily="34" charset="-122"/>
+              </a:rPr>
+              <a:t>三级节具体到增删改查功能</a:t>
+            </a:r>
+          </a:p>
+        </p:txBody>
+      </p:sp>
+    </p:spTree>
+    <p:custDataLst>
+      <p:tags r:id="rId1"/>
+    </p:custDataLst>
+    <p:extLst>
+      <p:ext uri="{BB962C8B-B14F-4D97-AF65-F5344CB8AC3E}">
+        <p14:creationId xmlns:p14="http://schemas.microsoft.com/office/powerpoint/2010/main" val="2348367196"/>
+      </p:ext>
+    </p:extLst>
+  </p:cSld>
+  <p:clrMapOvr>
+    <a:masterClrMapping/>
+  </p:clrMapOvr>
+  <p:transition spd="slow" advTm="12623">
+    <p:pull/>
+  </p:transition>
+</p:sld>
+</file>
+
+<file path=ppt/slides/slide7.xml><?xml version="1.0" encoding="utf-8"?>
+<p:sld xmlns:a="http://schemas.openxmlformats.org/drawingml/2006/main" xmlns:r="http://schemas.openxmlformats.org/officeDocument/2006/relationships" xmlns:p="http://schemas.openxmlformats.org/presentationml/2006/main">
+  <p:cSld>
+    <p:spTree>
+      <p:nvGrpSpPr>
+        <p:cNvPr id="1" name=""/>
+        <p:cNvGrpSpPr/>
+        <p:nvPr/>
+      </p:nvGrpSpPr>
+      <p:grpSpPr>
+        <a:xfrm>
+          <a:off x="0" y="0"/>
+          <a:ext cx="0" cy="0"/>
+          <a:chOff x="0" y="0"/>
+          <a:chExt cx="0" cy="0"/>
+        </a:xfrm>
+      </p:grpSpPr>
+      <p:cxnSp>
+        <p:nvCxnSpPr>
+          <p:cNvPr id="24" name="直接连接符 23"/>
+          <p:cNvCxnSpPr/>
+          <p:nvPr/>
+        </p:nvCxnSpPr>
+        <p:spPr>
+          <a:xfrm>
+            <a:off x="515257" y="624114"/>
+            <a:ext cx="8113486" cy="0"/>
+          </a:xfrm>
+          <a:prstGeom prst="line">
+            <a:avLst/>
+          </a:prstGeom>
+          <a:ln w="12700">
+            <a:solidFill>
+              <a:schemeClr val="tx1"/>
+            </a:solidFill>
+            <a:prstDash val="dash"/>
+          </a:ln>
+        </p:spPr>
+        <p:style>
+          <a:lnRef idx="1">
+            <a:schemeClr val="accent1"/>
+          </a:lnRef>
+          <a:fillRef idx="0">
+            <a:schemeClr val="accent1"/>
+          </a:fillRef>
+          <a:effectRef idx="0">
+            <a:schemeClr val="accent1"/>
+          </a:effectRef>
+          <a:fontRef idx="minor">
+            <a:schemeClr val="tx1"/>
+          </a:fontRef>
+        </p:style>
+      </p:cxnSp>
+      <p:sp>
+        <p:nvSpPr>
+          <p:cNvPr id="25" name="椭圆 24"/>
+          <p:cNvSpPr/>
+          <p:nvPr/>
+        </p:nvSpPr>
+        <p:spPr>
+          <a:xfrm>
+            <a:off x="646880" y="242192"/>
+            <a:ext cx="274777" cy="274777"/>
+          </a:xfrm>
+          <a:prstGeom prst="ellipse">
+            <a:avLst/>
+          </a:prstGeom>
+          <a:solidFill>
+            <a:srgbClr val="5380F7"/>
+          </a:solidFill>
+          <a:ln>
+            <a:noFill/>
+          </a:ln>
+          <a:effectLst>
+            <a:outerShdw blurRad="254000" dist="127000" dir="8100000" algn="tr" rotWithShape="0">
+              <a:prstClr val="black">
+                <a:alpha val="60000"/>
+              </a:prstClr>
+            </a:outerShdw>
+          </a:effectLst>
+        </p:spPr>
+        <p:style>
+          <a:lnRef idx="2">
+            <a:schemeClr val="accent1">
+              <a:shade val="50000"/>
+            </a:schemeClr>
+          </a:lnRef>
+          <a:fillRef idx="1">
+            <a:schemeClr val="accent1"/>
+          </a:fillRef>
+          <a:effectRef idx="0">
+            <a:schemeClr val="accent1"/>
+          </a:effectRef>
+          <a:fontRef idx="minor">
+            <a:schemeClr val="lt1"/>
+          </a:fontRef>
+        </p:style>
+        <p:txBody>
+          <a:bodyPr rtlCol="0" anchor="ctr"/>
+          <a:lstStyle/>
+          <a:p>
+            <a:pPr algn="ctr"/>
+            <a:endParaRPr lang="zh-CN" altLang="en-US"/>
+          </a:p>
+        </p:txBody>
+      </p:sp>
+      <p:sp>
+        <p:nvSpPr>
+          <p:cNvPr id="26" name="TextBox 25"/>
+          <p:cNvSpPr txBox="1"/>
+          <p:nvPr/>
+        </p:nvSpPr>
+        <p:spPr>
+          <a:xfrm>
+            <a:off x="908957" y="206330"/>
+            <a:ext cx="1069524" cy="400110"/>
+          </a:xfrm>
+          <a:prstGeom prst="rect">
+            <a:avLst/>
+          </a:prstGeom>
+          <a:noFill/>
+        </p:spPr>
+        <p:txBody>
+          <a:bodyPr wrap="none" rtlCol="0">
+            <a:spAutoFit/>
+          </a:bodyPr>
+          <a:lstStyle/>
+          <a:p>
+            <a:r>
+              <a:rPr lang="zh-CN" altLang="en-US" sz="2000" spc="300" dirty="0">
+                <a:latin typeface="微软雅黑" panose="020B0503020204020204" pitchFamily="34" charset="-122"/>
+                <a:ea typeface="微软雅黑" panose="020B0503020204020204" pitchFamily="34" charset="-122"/>
+              </a:rPr>
+              <a:t>用例图</a:t>
+            </a:r>
+          </a:p>
+        </p:txBody>
+      </p:sp>
+      <p:pic>
+        <p:nvPicPr>
+          <p:cNvPr id="20" name="图片 19">
+            <a:extLst>
+              <a:ext uri="{FF2B5EF4-FFF2-40B4-BE49-F238E27FC236}">
+                <a16:creationId xmlns:a16="http://schemas.microsoft.com/office/drawing/2014/main" id="{ACE46DBB-C70D-452A-A8B9-802FD7A99D0C}"/>
+              </a:ext>
+            </a:extLst>
+          </p:cNvPr>
+          <p:cNvPicPr>
+            <a:picLocks noChangeAspect="1"/>
+          </p:cNvPicPr>
+          <p:nvPr/>
+        </p:nvPicPr>
+        <p:blipFill>
+          <a:blip r:embed="rId4" cstate="print">
+            <a:extLst>
+              <a:ext uri="{28A0092B-C50C-407E-A947-70E740481C1C}">
+                <a14:useLocalDpi xmlns:a14="http://schemas.microsoft.com/office/drawing/2010/main" val="0"/>
+              </a:ext>
+            </a:extLst>
+          </a:blip>
+          <a:stretch>
+            <a:fillRect/>
+          </a:stretch>
+        </p:blipFill>
+        <p:spPr>
+          <a:xfrm>
+            <a:off x="370983" y="1170141"/>
+            <a:ext cx="4316021" cy="3837727"/>
+          </a:xfrm>
+          <a:prstGeom prst="rect">
+            <a:avLst/>
+          </a:prstGeom>
+        </p:spPr>
+      </p:pic>
+      <p:pic>
+        <p:nvPicPr>
+          <p:cNvPr id="6" name="图片 5">
+            <a:extLst>
+              <a:ext uri="{FF2B5EF4-FFF2-40B4-BE49-F238E27FC236}">
+                <a16:creationId xmlns:a16="http://schemas.microsoft.com/office/drawing/2014/main" id="{5DA5AE56-4515-4781-BE36-D68855E6B5AA}"/>
+              </a:ext>
+            </a:extLst>
+          </p:cNvPr>
+          <p:cNvPicPr>
+            <a:picLocks noChangeAspect="1"/>
+          </p:cNvPicPr>
+          <p:nvPr/>
+        </p:nvPicPr>
+        <p:blipFill>
+          <a:blip r:embed="rId5" cstate="print">
+            <a:extLst>
+              <a:ext uri="{28A0092B-C50C-407E-A947-70E740481C1C}">
+                <a14:useLocalDpi xmlns:a14="http://schemas.microsoft.com/office/drawing/2010/main" val="0"/>
+              </a:ext>
+            </a:extLst>
+          </a:blip>
+          <a:stretch>
+            <a:fillRect/>
+          </a:stretch>
+        </p:blipFill>
+        <p:spPr>
+          <a:xfrm>
+            <a:off x="4993515" y="1170141"/>
+            <a:ext cx="3700673" cy="3837728"/>
+          </a:xfrm>
+          <a:prstGeom prst="rect">
+            <a:avLst/>
+          </a:prstGeom>
+        </p:spPr>
+      </p:pic>
+      <p:sp>
+        <p:nvSpPr>
+          <p:cNvPr id="9" name="文本框 8">
+            <a:extLst>
+              <a:ext uri="{FF2B5EF4-FFF2-40B4-BE49-F238E27FC236}">
+                <a16:creationId xmlns:a16="http://schemas.microsoft.com/office/drawing/2014/main" id="{F44B8FCD-D5F0-469B-9793-AF1148073AB0}"/>
+              </a:ext>
+            </a:extLst>
+          </p:cNvPr>
+          <p:cNvSpPr txBox="1"/>
+          <p:nvPr/>
+        </p:nvSpPr>
+        <p:spPr>
+          <a:xfrm>
+            <a:off x="370983" y="755035"/>
+            <a:ext cx="2695904" cy="369332"/>
+          </a:xfrm>
+          <a:prstGeom prst="rect">
+            <a:avLst/>
+          </a:prstGeom>
+          <a:noFill/>
+        </p:spPr>
+        <p:txBody>
+          <a:bodyPr wrap="square" rtlCol="0">
+            <a:spAutoFit/>
+          </a:bodyPr>
+          <a:lstStyle/>
+          <a:p>
+            <a:r>
+              <a:rPr lang="zh-CN" altLang="en-US" dirty="0"/>
+              <a:t>认证权限模块</a:t>
+            </a:r>
+          </a:p>
+        </p:txBody>
+      </p:sp>
+      <p:sp>
+        <p:nvSpPr>
+          <p:cNvPr id="21" name="文本框 20">
+            <a:extLst>
+              <a:ext uri="{FF2B5EF4-FFF2-40B4-BE49-F238E27FC236}">
+                <a16:creationId xmlns:a16="http://schemas.microsoft.com/office/drawing/2014/main" id="{4F9D4293-79E7-464E-8853-5DACEAB3F40E}"/>
+              </a:ext>
+            </a:extLst>
+          </p:cNvPr>
+          <p:cNvSpPr txBox="1"/>
+          <p:nvPr/>
+        </p:nvSpPr>
+        <p:spPr>
+          <a:xfrm>
+            <a:off x="4993515" y="755035"/>
+            <a:ext cx="2695904" cy="369332"/>
+          </a:xfrm>
+          <a:prstGeom prst="rect">
+            <a:avLst/>
+          </a:prstGeom>
+          <a:noFill/>
+        </p:spPr>
+        <p:txBody>
+          <a:bodyPr wrap="square" rtlCol="0">
+            <a:spAutoFit/>
+          </a:bodyPr>
+          <a:lstStyle/>
+          <a:p>
+            <a:r>
+              <a:rPr lang="zh-CN" altLang="en-US" dirty="0"/>
+              <a:t>基础数据模块</a:t>
+            </a:r>
+          </a:p>
+        </p:txBody>
+      </p:sp>
+    </p:spTree>
+    <p:custDataLst>
+      <p:tags r:id="rId1"/>
+    </p:custDataLst>
+    <p:extLst>
+      <p:ext uri="{BB962C8B-B14F-4D97-AF65-F5344CB8AC3E}">
+        <p14:creationId xmlns:p14="http://schemas.microsoft.com/office/powerpoint/2010/main" val="581489438"/>
+      </p:ext>
+    </p:extLst>
+  </p:cSld>
+  <p:clrMapOvr>
+    <a:masterClrMapping/>
+  </p:clrMapOvr>
+  <p:transition spd="slow" advTm="12623">
+    <p:pull/>
+  </p:transition>
+</p:sld>
+</file>
+
 <file path=ppt/slides/slide8.xml><?xml version="1.0" encoding="utf-8"?>
 <p:sld xmlns:a="http://schemas.openxmlformats.org/drawingml/2006/main" xmlns:r="http://schemas.openxmlformats.org/officeDocument/2006/relationships" xmlns:p="http://schemas.openxmlformats.org/presentationml/2006/main">
   <p:cSld>
@@ -8140,7 +11958,7 @@
         <p:spPr>
           <a:xfrm>
             <a:off x="908957" y="206330"/>
-            <a:ext cx="1954381" cy="400110"/>
+            <a:ext cx="1069524" cy="400110"/>
           </a:xfrm>
           <a:prstGeom prst="rect">
             <a:avLst/>
@@ -8158,17 +11976,17 @@
                 <a:latin typeface="微软雅黑" panose="020B0503020204020204" pitchFamily="34" charset="-122"/>
                 <a:ea typeface="微软雅黑" panose="020B0503020204020204" pitchFamily="34" charset="-122"/>
               </a:rPr>
-              <a:t>程序完成进度</a:t>
+              <a:t>用例图</a:t>
             </a:r>
           </a:p>
         </p:txBody>
       </p:sp>
       <p:pic>
         <p:nvPicPr>
-          <p:cNvPr id="10" name="图片 9">
+          <p:cNvPr id="16" name="图片 15">
             <a:extLst>
               <a:ext uri="{FF2B5EF4-FFF2-40B4-BE49-F238E27FC236}">
-                <a16:creationId xmlns:a16="http://schemas.microsoft.com/office/drawing/2014/main" id="{1411AF15-9316-48AF-9177-C7BDBCCFAF18}"/>
+                <a16:creationId xmlns:a16="http://schemas.microsoft.com/office/drawing/2014/main" id="{864D07A0-94F8-454D-BF57-7DFEABC8D2B4}"/>
               </a:ext>
             </a:extLst>
           </p:cNvPr>
@@ -8191,21 +12009,127 @@
         </p:blipFill>
         <p:spPr>
           <a:xfrm>
-            <a:off x="1584737" y="1105297"/>
-            <a:ext cx="6102422" cy="3578326"/>
+            <a:off x="195689" y="1240256"/>
+            <a:ext cx="4310623" cy="3628944"/>
           </a:xfrm>
           <a:prstGeom prst="rect">
             <a:avLst/>
           </a:prstGeom>
         </p:spPr>
       </p:pic>
+      <p:pic>
+        <p:nvPicPr>
+          <p:cNvPr id="8" name="图片 7">
+            <a:extLst>
+              <a:ext uri="{FF2B5EF4-FFF2-40B4-BE49-F238E27FC236}">
+                <a16:creationId xmlns:a16="http://schemas.microsoft.com/office/drawing/2014/main" id="{4D6FAD32-A5D7-4CB6-8212-03B44DC98853}"/>
+              </a:ext>
+            </a:extLst>
+          </p:cNvPr>
+          <p:cNvPicPr>
+            <a:picLocks noChangeAspect="1"/>
+          </p:cNvPicPr>
+          <p:nvPr/>
+        </p:nvPicPr>
+        <p:blipFill>
+          <a:blip r:embed="rId5" cstate="print">
+            <a:extLst>
+              <a:ext uri="{28A0092B-C50C-407E-A947-70E740481C1C}">
+                <a14:useLocalDpi xmlns:a14="http://schemas.microsoft.com/office/drawing/2010/main" val="0"/>
+              </a:ext>
+            </a:extLst>
+          </a:blip>
+          <a:stretch>
+            <a:fillRect/>
+          </a:stretch>
+        </p:blipFill>
+        <p:spPr>
+          <a:xfrm>
+            <a:off x="4724400" y="1277518"/>
+            <a:ext cx="4363889" cy="3554421"/>
+          </a:xfrm>
+          <a:prstGeom prst="rect">
+            <a:avLst/>
+          </a:prstGeom>
+        </p:spPr>
+      </p:pic>
+      <p:sp>
+        <p:nvSpPr>
+          <p:cNvPr id="2" name="文本框 1">
+            <a:extLst>
+              <a:ext uri="{FF2B5EF4-FFF2-40B4-BE49-F238E27FC236}">
+                <a16:creationId xmlns:a16="http://schemas.microsoft.com/office/drawing/2014/main" id="{F35D2FAE-B4BF-45C2-9700-A6C03A50B6E2}"/>
+              </a:ext>
+            </a:extLst>
+          </p:cNvPr>
+          <p:cNvSpPr txBox="1"/>
+          <p:nvPr/>
+        </p:nvSpPr>
+        <p:spPr>
+          <a:xfrm>
+            <a:off x="253495" y="807233"/>
+            <a:ext cx="2819150" cy="369332"/>
+          </a:xfrm>
+          <a:prstGeom prst="rect">
+            <a:avLst/>
+          </a:prstGeom>
+          <a:noFill/>
+        </p:spPr>
+        <p:txBody>
+          <a:bodyPr wrap="square" rtlCol="0">
+            <a:spAutoFit/>
+          </a:bodyPr>
+          <a:lstStyle/>
+          <a:p>
+            <a:r>
+              <a:rPr lang="zh-CN" altLang="en-US" dirty="0"/>
+              <a:t>科目模块用例图</a:t>
+            </a:r>
+          </a:p>
+        </p:txBody>
+      </p:sp>
+      <p:sp>
+        <p:nvSpPr>
+          <p:cNvPr id="10" name="文本框 9">
+            <a:extLst>
+              <a:ext uri="{FF2B5EF4-FFF2-40B4-BE49-F238E27FC236}">
+                <a16:creationId xmlns:a16="http://schemas.microsoft.com/office/drawing/2014/main" id="{F56A834A-49ED-4677-A8F4-8FBE2F9282F5}"/>
+              </a:ext>
+            </a:extLst>
+          </p:cNvPr>
+          <p:cNvSpPr txBox="1"/>
+          <p:nvPr/>
+        </p:nvSpPr>
+        <p:spPr>
+          <a:xfrm>
+            <a:off x="4724400" y="908186"/>
+            <a:ext cx="2819150" cy="369332"/>
+          </a:xfrm>
+          <a:prstGeom prst="rect">
+            <a:avLst/>
+          </a:prstGeom>
+          <a:noFill/>
+        </p:spPr>
+        <p:txBody>
+          <a:bodyPr wrap="square" rtlCol="0">
+            <a:spAutoFit/>
+          </a:bodyPr>
+          <a:lstStyle/>
+          <a:p>
+            <a:r>
+              <a:rPr lang="zh-CN" altLang="en-US" dirty="0"/>
+              <a:t>体测模块用例图</a:t>
+            </a:r>
+          </a:p>
+        </p:txBody>
+      </p:sp>
     </p:spTree>
     <p:custDataLst>
       <p:tags r:id="rId1"/>
     </p:custDataLst>
     <p:extLst>
       <p:ext uri="{BB962C8B-B14F-4D97-AF65-F5344CB8AC3E}">
-        <p14:creationId xmlns:p14="http://schemas.microsoft.com/office/powerpoint/2010/main" val="3660779409"/>
+        <p14:creationId xmlns:p14="http://schemas.microsoft.com/office/powerpoint/2010/main" val="138165820"/>
       </p:ext>
     </p:extLst>
   </p:cSld>
@@ -8235,6 +12159,42 @@
           <a:chExt cx="0" cy="0"/>
         </a:xfrm>
       </p:grpSpPr>
+      <p:cxnSp>
+        <p:nvCxnSpPr>
+          <p:cNvPr id="24" name="直接连接符 23"/>
+          <p:cNvCxnSpPr/>
+          <p:nvPr/>
+        </p:nvCxnSpPr>
+        <p:spPr>
+          <a:xfrm>
+            <a:off x="515257" y="624114"/>
+            <a:ext cx="8113486" cy="0"/>
+          </a:xfrm>
+          <a:prstGeom prst="line">
+            <a:avLst/>
+          </a:prstGeom>
+          <a:ln w="12700">
+            <a:solidFill>
+              <a:schemeClr val="tx1"/>
+            </a:solidFill>
+            <a:prstDash val="dash"/>
+          </a:ln>
+        </p:spPr>
+        <p:style>
+          <a:lnRef idx="1">
+            <a:schemeClr val="accent1"/>
+          </a:lnRef>
+          <a:fillRef idx="0">
+            <a:schemeClr val="accent1"/>
+          </a:fillRef>
+          <a:effectRef idx="0">
+            <a:schemeClr val="accent1"/>
+          </a:effectRef>
+          <a:fontRef idx="minor">
+            <a:schemeClr val="tx1"/>
+          </a:fontRef>
+        </p:style>
+      </p:cxnSp>
       <p:sp>
         <p:nvSpPr>
           <p:cNvPr id="25" name="椭圆 24"/>
@@ -8297,7 +12257,7 @@
         <p:spPr>
           <a:xfrm>
             <a:off x="908957" y="206330"/>
-            <a:ext cx="2544286" cy="400110"/>
+            <a:ext cx="1659429" cy="400110"/>
           </a:xfrm>
           <a:prstGeom prst="rect">
             <a:avLst/>
@@ -8315,17 +12275,17 @@
                 <a:latin typeface="微软雅黑" panose="020B0503020204020204" pitchFamily="34" charset="-122"/>
                 <a:ea typeface="微软雅黑" panose="020B0503020204020204" pitchFamily="34" charset="-122"/>
               </a:rPr>
-              <a:t>工作中遇到的问题</a:t>
-            </a:r>
-          </a:p>
-        </p:txBody>
-      </p:sp>
-      <p:sp>
-        <p:nvSpPr>
-          <p:cNvPr id="3" name="文本框 2">
+              <a:t>数据库设计</a:t>
+            </a:r>
+          </a:p>
+        </p:txBody>
+      </p:sp>
+      <p:sp>
+        <p:nvSpPr>
+          <p:cNvPr id="7" name="文本框 6">
             <a:extLst>
               <a:ext uri="{FF2B5EF4-FFF2-40B4-BE49-F238E27FC236}">
-                <a16:creationId xmlns:a16="http://schemas.microsoft.com/office/drawing/2014/main" id="{A9BF8B5E-D96D-499B-BB4C-A192E2468C3F}"/>
+                <a16:creationId xmlns:a16="http://schemas.microsoft.com/office/drawing/2014/main" id="{93370AEB-1775-4F9D-9273-B55168BD1F77}"/>
               </a:ext>
             </a:extLst>
           </p:cNvPr>
@@ -8334,8 +12294,8 @@
         </p:nvSpPr>
         <p:spPr>
           <a:xfrm>
-            <a:off x="646880" y="1048931"/>
-            <a:ext cx="7762853" cy="3497111"/>
+            <a:off x="515257" y="757722"/>
+            <a:ext cx="8113486" cy="369332"/>
           </a:xfrm>
           <a:prstGeom prst="rect">
             <a:avLst/>
@@ -8343,190 +12303,165 @@
           <a:noFill/>
         </p:spPr>
         <p:txBody>
-          <a:bodyPr wrap="square" rtlCol="0">
+          <a:bodyPr wrap="square">
             <a:spAutoFit/>
           </a:bodyPr>
           <a:lstStyle/>
           <a:p>
-            <a:pPr marL="285750" indent="-285750">
-              <a:lnSpc>
-                <a:spcPct val="150000"/>
-              </a:lnSpc>
-              <a:buFont typeface="Wingdings" panose="05000000000000000000" pitchFamily="2" charset="2"/>
-              <a:buChar char="Ø"/>
-            </a:pPr>
+            <a:r>
+              <a:rPr lang="zh-CN" altLang="zh-CN" sz="1800" dirty="0">
+                <a:solidFill>
+                  <a:srgbClr val="000000"/>
+                </a:solidFill>
+                <a:effectLst/>
+                <a:ea typeface="宋体" panose="02010600030101010101" pitchFamily="2" charset="-122"/>
+                <a:cs typeface="宋体" panose="02010600030101010101" pitchFamily="2" charset="-122"/>
+              </a:rPr>
+              <a:t>数据库</a:t>
+            </a:r>
+            <a:r>
+              <a:rPr lang="zh-CN" altLang="en-US" sz="1800" dirty="0">
+                <a:solidFill>
+                  <a:srgbClr val="000000"/>
+                </a:solidFill>
+                <a:effectLst/>
+                <a:ea typeface="宋体" panose="02010600030101010101" pitchFamily="2" charset="-122"/>
+                <a:cs typeface="宋体" panose="02010600030101010101" pitchFamily="2" charset="-122"/>
+              </a:rPr>
+              <a:t>共</a:t>
+            </a:r>
+            <a:r>
+              <a:rPr lang="zh-CN" altLang="zh-CN" sz="1800" dirty="0">
+                <a:solidFill>
+                  <a:srgbClr val="000000"/>
+                </a:solidFill>
+                <a:effectLst/>
+                <a:ea typeface="宋体" panose="02010600030101010101" pitchFamily="2" charset="-122"/>
+                <a:cs typeface="宋体" panose="02010600030101010101" pitchFamily="2" charset="-122"/>
+              </a:rPr>
+              <a:t>包含</a:t>
+            </a:r>
+            <a:r>
+              <a:rPr lang="en-US" altLang="zh-CN" sz="1800" dirty="0">
+                <a:solidFill>
+                  <a:srgbClr val="000000"/>
+                </a:solidFill>
+                <a:effectLst/>
+                <a:ea typeface="宋体" panose="02010600030101010101" pitchFamily="2" charset="-122"/>
+                <a:cs typeface="宋体" panose="02010600030101010101" pitchFamily="2" charset="-122"/>
+              </a:rPr>
+              <a:t>16</a:t>
+            </a:r>
+            <a:r>
+              <a:rPr lang="zh-CN" altLang="zh-CN" sz="1800" dirty="0">
+                <a:solidFill>
+                  <a:srgbClr val="000000"/>
+                </a:solidFill>
+                <a:effectLst/>
+                <a:ea typeface="宋体" panose="02010600030101010101" pitchFamily="2" charset="-122"/>
+                <a:cs typeface="宋体" panose="02010600030101010101" pitchFamily="2" charset="-122"/>
+              </a:rPr>
+              <a:t>张表</a:t>
+            </a:r>
+            <a:r>
+              <a:rPr lang="zh-CN" altLang="en-US" sz="1800" dirty="0">
+                <a:solidFill>
+                  <a:srgbClr val="000000"/>
+                </a:solidFill>
+                <a:effectLst/>
+                <a:ea typeface="宋体" panose="02010600030101010101" pitchFamily="2" charset="-122"/>
+                <a:cs typeface="宋体" panose="02010600030101010101" pitchFamily="2" charset="-122"/>
+              </a:rPr>
+              <a:t>，</a:t>
+            </a:r>
             <a:r>
               <a:rPr lang="zh-CN" altLang="en-US" dirty="0">
-                <a:latin typeface="Microsoft YaHei UI" panose="020B0503020204020204" pitchFamily="34" charset="-122"/>
-                <a:ea typeface="Microsoft YaHei UI" panose="020B0503020204020204" pitchFamily="34" charset="-122"/>
+                <a:solidFill>
+                  <a:srgbClr val="000000"/>
+                </a:solidFill>
+                <a:ea typeface="宋体" panose="02010600030101010101" pitchFamily="2" charset="-122"/>
+                <a:cs typeface="宋体" panose="02010600030101010101" pitchFamily="2" charset="-122"/>
               </a:rPr>
-              <a:t>重代码、轻需求</a:t>
-            </a:r>
-            <a:endParaRPr lang="en-US" altLang="zh-CN" dirty="0">
-              <a:latin typeface="Microsoft YaHei UI" panose="020B0503020204020204" pitchFamily="34" charset="-122"/>
-              <a:ea typeface="Microsoft YaHei UI" panose="020B0503020204020204" pitchFamily="34" charset="-122"/>
-            </a:endParaRPr>
-          </a:p>
-          <a:p>
-            <a:pPr>
-              <a:lnSpc>
-                <a:spcPct val="150000"/>
-              </a:lnSpc>
-            </a:pPr>
-            <a:r>
-              <a:rPr lang="zh-CN" altLang="zh-CN" sz="1600" kern="100" dirty="0">
-                <a:effectLst/>
-                <a:latin typeface="+mn-ea"/>
-                <a:cs typeface="Times New Roman" panose="02020603050405020304" pitchFamily="18" charset="0"/>
-              </a:rPr>
-              <a:t>前期需求分析工作不足，工作重心偏向编码，需求不清晰，设计实现需要反复修改</a:t>
-            </a:r>
-            <a:endParaRPr lang="en-US" altLang="zh-CN" sz="1600" kern="100" dirty="0">
-              <a:effectLst/>
-              <a:latin typeface="+mn-ea"/>
-              <a:cs typeface="Times New Roman" panose="02020603050405020304" pitchFamily="18" charset="0"/>
-            </a:endParaRPr>
-          </a:p>
-          <a:p>
-            <a:pPr>
-              <a:lnSpc>
-                <a:spcPct val="150000"/>
-              </a:lnSpc>
-            </a:pPr>
-            <a:endParaRPr lang="en-US" altLang="zh-CN" sz="1600" kern="100" dirty="0">
-              <a:effectLst/>
-              <a:latin typeface="+mn-ea"/>
-              <a:cs typeface="Times New Roman" panose="02020603050405020304" pitchFamily="18" charset="0"/>
-            </a:endParaRPr>
-          </a:p>
-          <a:p>
-            <a:pPr marL="285750" indent="-285750">
-              <a:lnSpc>
-                <a:spcPct val="150000"/>
-              </a:lnSpc>
-              <a:buFont typeface="Wingdings" panose="05000000000000000000" pitchFamily="2" charset="2"/>
-              <a:buChar char="Ø"/>
-            </a:pPr>
-            <a:r>
-              <a:rPr lang="zh-CN" altLang="en-US" dirty="0">
-                <a:latin typeface="Microsoft YaHei UI" panose="020B0503020204020204" pitchFamily="34" charset="-122"/>
-                <a:ea typeface="Microsoft YaHei UI" panose="020B0503020204020204" pitchFamily="34" charset="-122"/>
-              </a:rPr>
-              <a:t>模拟测试数据</a:t>
-            </a:r>
-            <a:endParaRPr lang="en-US" altLang="zh-CN" dirty="0">
-              <a:latin typeface="Microsoft YaHei UI" panose="020B0503020204020204" pitchFamily="34" charset="-122"/>
-              <a:ea typeface="Microsoft YaHei UI" panose="020B0503020204020204" pitchFamily="34" charset="-122"/>
-            </a:endParaRPr>
-          </a:p>
-          <a:p>
-            <a:pPr>
-              <a:lnSpc>
-                <a:spcPct val="150000"/>
-              </a:lnSpc>
-            </a:pPr>
-            <a:r>
-              <a:rPr lang="zh-CN" altLang="en-US" sz="1600" dirty="0">
-                <a:latin typeface="+mn-ea"/>
-              </a:rPr>
-              <a:t>测试中班级、学生、科目评分标准、成绩等信息使用</a:t>
-            </a:r>
-            <a:r>
-              <a:rPr lang="en-US" altLang="zh-CN" sz="1600" dirty="0">
-                <a:latin typeface="+mn-ea"/>
-              </a:rPr>
-              <a:t>Python</a:t>
-            </a:r>
-            <a:r>
-              <a:rPr lang="zh-CN" altLang="en-US" sz="1600" dirty="0">
-                <a:latin typeface="+mn-ea"/>
-              </a:rPr>
-              <a:t>脚本处理导入数据库</a:t>
-            </a:r>
-            <a:endParaRPr lang="en-US" altLang="zh-CN" sz="1600" dirty="0">
-              <a:latin typeface="+mn-ea"/>
-            </a:endParaRPr>
-          </a:p>
-          <a:p>
-            <a:pPr>
-              <a:lnSpc>
-                <a:spcPct val="150000"/>
-              </a:lnSpc>
-            </a:pPr>
-            <a:endParaRPr lang="en-US" altLang="zh-CN" sz="1600" dirty="0">
-              <a:latin typeface="+mn-ea"/>
-            </a:endParaRPr>
-          </a:p>
-          <a:p>
-            <a:pPr marL="285750" indent="-285750">
-              <a:lnSpc>
-                <a:spcPct val="150000"/>
-              </a:lnSpc>
-              <a:buFont typeface="Wingdings" panose="05000000000000000000" pitchFamily="2" charset="2"/>
-              <a:buChar char="Ø"/>
-            </a:pPr>
-            <a:r>
-              <a:rPr lang="zh-CN" altLang="en-US" dirty="0">
-                <a:latin typeface="Microsoft YaHei UI" panose="020B0503020204020204" pitchFamily="34" charset="-122"/>
-                <a:ea typeface="Microsoft YaHei UI" panose="020B0503020204020204" pitchFamily="34" charset="-122"/>
-              </a:rPr>
-              <a:t>数据库设计问题</a:t>
-            </a:r>
-            <a:endParaRPr lang="en-US" altLang="zh-CN" dirty="0">
-              <a:latin typeface="Microsoft YaHei UI" panose="020B0503020204020204" pitchFamily="34" charset="-122"/>
-              <a:ea typeface="Microsoft YaHei UI" panose="020B0503020204020204" pitchFamily="34" charset="-122"/>
-            </a:endParaRPr>
-          </a:p>
-          <a:p>
-            <a:pPr>
-              <a:lnSpc>
-                <a:spcPct val="150000"/>
-              </a:lnSpc>
-            </a:pPr>
-            <a:r>
-              <a:rPr lang="zh-CN" altLang="en-US" sz="1600" kern="100" dirty="0">
-                <a:effectLst/>
-                <a:latin typeface="+mn-ea"/>
-                <a:cs typeface="Times New Roman" panose="02020603050405020304" pitchFamily="18" charset="0"/>
-              </a:rPr>
-              <a:t>涉及到体测的部分功能</a:t>
-            </a:r>
-            <a:r>
-              <a:rPr lang="en-US" altLang="zh-CN" sz="1600" kern="100" dirty="0">
-                <a:effectLst/>
-                <a:latin typeface="+mn-ea"/>
-                <a:cs typeface="Times New Roman" panose="02020603050405020304" pitchFamily="18" charset="0"/>
-              </a:rPr>
-              <a:t>SQL</a:t>
-            </a:r>
-            <a:r>
-              <a:rPr lang="zh-CN" altLang="zh-CN" sz="1600" kern="100" dirty="0">
-                <a:effectLst/>
-                <a:latin typeface="+mn-ea"/>
-                <a:cs typeface="Times New Roman" panose="02020603050405020304" pitchFamily="18" charset="0"/>
-              </a:rPr>
-              <a:t>内容较长，在数据量大的情况下，可能存在性能问题，后续需要继续优化</a:t>
-            </a:r>
-            <a:endParaRPr lang="en-US" altLang="zh-CN" sz="1600" dirty="0">
-              <a:latin typeface="+mn-ea"/>
-            </a:endParaRPr>
-          </a:p>
-        </p:txBody>
-      </p:sp>
+              <a:t>其中与主体功能体测相关的如下所示</a:t>
+            </a:r>
+            <a:endParaRPr lang="zh-CN" altLang="en-US" dirty="0"/>
+          </a:p>
+        </p:txBody>
+      </p:sp>
+      <p:pic>
+        <p:nvPicPr>
+          <p:cNvPr id="1026" name="图片 1">
+            <a:extLst>
+              <a:ext uri="{FF2B5EF4-FFF2-40B4-BE49-F238E27FC236}">
+                <a16:creationId xmlns:a16="http://schemas.microsoft.com/office/drawing/2014/main" id="{93272D1E-E1CB-48A0-A825-7BB1671F3FC7}"/>
+              </a:ext>
+            </a:extLst>
+          </p:cNvPr>
+          <p:cNvPicPr>
+            <a:picLocks noChangeAspect="1" noChangeArrowheads="1"/>
+          </p:cNvPicPr>
+          <p:nvPr/>
+        </p:nvPicPr>
+        <p:blipFill>
+          <a:blip r:embed="rId4">
+            <a:extLst>
+              <a:ext uri="{28A0092B-C50C-407E-A947-70E740481C1C}">
+                <a14:useLocalDpi xmlns:a14="http://schemas.microsoft.com/office/drawing/2010/main" val="0"/>
+              </a:ext>
+            </a:extLst>
+          </a:blip>
+          <a:srcRect/>
+          <a:stretch>
+            <a:fillRect/>
+          </a:stretch>
+        </p:blipFill>
+        <p:spPr bwMode="auto">
+          <a:xfrm>
+            <a:off x="1342509" y="1127054"/>
+            <a:ext cx="5531258" cy="3878498"/>
+          </a:xfrm>
+          <a:prstGeom prst="rect">
+            <a:avLst/>
+          </a:prstGeom>
+          <a:noFill/>
+          <a:ln>
+            <a:noFill/>
+          </a:ln>
+          <a:extLst>
+            <a:ext uri="{909E8E84-426E-40DD-AFC4-6F175D3DCCD1}">
+              <a14:hiddenFill xmlns:a14="http://schemas.microsoft.com/office/drawing/2010/main">
+                <a:solidFill>
+                  <a:srgbClr val="FFFFFF"/>
+                </a:solidFill>
+              </a14:hiddenFill>
+            </a:ext>
+            <a:ext uri="{91240B29-F687-4F45-9708-019B960494DF}">
+              <a14:hiddenLine xmlns:a14="http://schemas.microsoft.com/office/drawing/2010/main" w="9525">
+                <a:solidFill>
+                  <a:srgbClr val="000000"/>
+                </a:solidFill>
+                <a:miter lim="800000"/>
+                <a:headEnd/>
+                <a:tailEnd/>
+              </a14:hiddenLine>
+            </a:ext>
+          </a:extLst>
+        </p:spPr>
+      </p:pic>
     </p:spTree>
     <p:custDataLst>
       <p:tags r:id="rId1"/>
     </p:custDataLst>
     <p:extLst>
       <p:ext uri="{BB962C8B-B14F-4D97-AF65-F5344CB8AC3E}">
-        <p14:creationId xmlns:p14="http://schemas.microsoft.com/office/powerpoint/2010/main" val="1866919921"/>
+        <p14:creationId xmlns:p14="http://schemas.microsoft.com/office/powerpoint/2010/main" val="1308374573"/>
       </p:ext>
     </p:extLst>
   </p:cSld>
   <p:clrMapOvr>
     <a:masterClrMapping/>
   </p:clrMapOvr>
-  <p:transition spd="slow" advTm="409">
+  <p:transition spd="slow" advTm="12623">
     <p:pull/>
   </p:transition>
 </p:sld>
@@ -8535,6 +12470,31 @@
 <file path=ppt/tags/tag1.xml><?xml version="1.0" encoding="utf-8"?>
 <p:tagLst xmlns:a="http://schemas.openxmlformats.org/drawingml/2006/main" xmlns:r="http://schemas.openxmlformats.org/officeDocument/2006/relationships" xmlns:p="http://schemas.openxmlformats.org/presentationml/2006/main">
   <p:tag name="SELECTED" val="True"/>
+</p:tagLst>
+</file>
+
+<file path=ppt/tags/tag10.xml><?xml version="1.0" encoding="utf-8"?>
+<p:tagLst xmlns:a="http://schemas.openxmlformats.org/drawingml/2006/main" xmlns:r="http://schemas.openxmlformats.org/officeDocument/2006/relationships" xmlns:p="http://schemas.openxmlformats.org/presentationml/2006/main">
+  <p:tag name="SELECTED" val="True"/>
+</p:tagLst>
+</file>
+
+<file path=ppt/tags/tag11.xml><?xml version="1.0" encoding="utf-8"?>
+<p:tagLst xmlns:a="http://schemas.openxmlformats.org/drawingml/2006/main" xmlns:r="http://schemas.openxmlformats.org/officeDocument/2006/relationships" xmlns:p="http://schemas.openxmlformats.org/presentationml/2006/main">
+  <p:tag name="SELECTED" val="True"/>
+</p:tagLst>
+</file>
+
+<file path=ppt/tags/tag12.xml><?xml version="1.0" encoding="utf-8"?>
+<p:tagLst xmlns:a="http://schemas.openxmlformats.org/drawingml/2006/main" xmlns:r="http://schemas.openxmlformats.org/officeDocument/2006/relationships" xmlns:p="http://schemas.openxmlformats.org/presentationml/2006/main">
+  <p:tag name="SELECTED" val="True"/>
+</p:tagLst>
+</file>
+
+<file path=ppt/tags/tag13.xml><?xml version="1.0" encoding="utf-8"?>
+<p:tagLst xmlns:a="http://schemas.openxmlformats.org/drawingml/2006/main" xmlns:r="http://schemas.openxmlformats.org/officeDocument/2006/relationships" xmlns:p="http://schemas.openxmlformats.org/presentationml/2006/main">
+  <p:tag name="SELECTED" val="True"/>
+  <p:tag name="TIMING" val="|0.3"/>
 </p:tagLst>
 </file>
 
@@ -8577,7 +12537,6 @@
 <file path=ppt/tags/tag8.xml><?xml version="1.0" encoding="utf-8"?>
 <p:tagLst xmlns:a="http://schemas.openxmlformats.org/drawingml/2006/main" xmlns:r="http://schemas.openxmlformats.org/officeDocument/2006/relationships" xmlns:p="http://schemas.openxmlformats.org/presentationml/2006/main">
   <p:tag name="SELECTED" val="True"/>
-  <p:tag name="TIMING" val="|0.3"/>
 </p:tagLst>
 </file>
 

--- a/docs/中期答辩.pptx
+++ b/docs/中期答辩.pptx
@@ -250,7 +250,7 @@
           <a:p>
             <a:fld id="{E737FD7A-F41B-4FED-8E35-F78DB9F4D037}" type="datetimeFigureOut">
               <a:rPr lang="zh-CN" altLang="en-US" smtClean="0"/>
-              <a:t>2022/4/12</a:t>
+              <a:t>2022/4/13</a:t>
             </a:fld>
             <a:endParaRPr lang="zh-CN" altLang="en-US"/>
           </a:p>
@@ -2033,7 +2033,7 @@
           <a:p>
             <a:fld id="{421E9E4D-0BE1-4AAA-A57B-DA425863F4AF}" type="datetimeFigureOut">
               <a:rPr lang="zh-CN" altLang="en-US" smtClean="0"/>
-              <a:t>2022/4/12</a:t>
+              <a:t>2022/4/13</a:t>
             </a:fld>
             <a:endParaRPr lang="zh-CN" altLang="en-US"/>
           </a:p>
@@ -2199,7 +2199,7 @@
           <a:p>
             <a:fld id="{421E9E4D-0BE1-4AAA-A57B-DA425863F4AF}" type="datetimeFigureOut">
               <a:rPr lang="zh-CN" altLang="en-US" smtClean="0"/>
-              <a:t>2022/4/12</a:t>
+              <a:t>2022/4/13</a:t>
             </a:fld>
             <a:endParaRPr lang="zh-CN" altLang="en-US"/>
           </a:p>
@@ -2375,7 +2375,7 @@
           <a:p>
             <a:fld id="{421E9E4D-0BE1-4AAA-A57B-DA425863F4AF}" type="datetimeFigureOut">
               <a:rPr lang="zh-CN" altLang="en-US" smtClean="0"/>
-              <a:t>2022/4/12</a:t>
+              <a:t>2022/4/13</a:t>
             </a:fld>
             <a:endParaRPr lang="zh-CN" altLang="en-US"/>
           </a:p>
@@ -2901,7 +2901,7 @@
           <a:p>
             <a:fld id="{421E9E4D-0BE1-4AAA-A57B-DA425863F4AF}" type="datetimeFigureOut">
               <a:rPr lang="zh-CN" altLang="en-US" smtClean="0"/>
-              <a:t>2022/4/12</a:t>
+              <a:t>2022/4/13</a:t>
             </a:fld>
             <a:endParaRPr lang="zh-CN" altLang="en-US"/>
           </a:p>
@@ -3144,7 +3144,7 @@
           <a:p>
             <a:fld id="{421E9E4D-0BE1-4AAA-A57B-DA425863F4AF}" type="datetimeFigureOut">
               <a:rPr lang="zh-CN" altLang="en-US" smtClean="0"/>
-              <a:t>2022/4/12</a:t>
+              <a:t>2022/4/13</a:t>
             </a:fld>
             <a:endParaRPr lang="zh-CN" altLang="en-US"/>
           </a:p>
@@ -3427,7 +3427,7 @@
           <a:p>
             <a:fld id="{421E9E4D-0BE1-4AAA-A57B-DA425863F4AF}" type="datetimeFigureOut">
               <a:rPr lang="zh-CN" altLang="en-US" smtClean="0"/>
-              <a:t>2022/4/12</a:t>
+              <a:t>2022/4/13</a:t>
             </a:fld>
             <a:endParaRPr lang="zh-CN" altLang="en-US"/>
           </a:p>
@@ -3849,7 +3849,7 @@
           <a:p>
             <a:fld id="{421E9E4D-0BE1-4AAA-A57B-DA425863F4AF}" type="datetimeFigureOut">
               <a:rPr lang="zh-CN" altLang="en-US" smtClean="0"/>
-              <a:t>2022/4/12</a:t>
+              <a:t>2022/4/13</a:t>
             </a:fld>
             <a:endParaRPr lang="zh-CN" altLang="en-US"/>
           </a:p>
@@ -3964,7 +3964,7 @@
           <a:p>
             <a:fld id="{421E9E4D-0BE1-4AAA-A57B-DA425863F4AF}" type="datetimeFigureOut">
               <a:rPr lang="zh-CN" altLang="en-US" smtClean="0"/>
-              <a:t>2022/4/12</a:t>
+              <a:t>2022/4/13</a:t>
             </a:fld>
             <a:endParaRPr lang="zh-CN" altLang="en-US"/>
           </a:p>
@@ -4057,7 +4057,7 @@
           <a:p>
             <a:fld id="{421E9E4D-0BE1-4AAA-A57B-DA425863F4AF}" type="datetimeFigureOut">
               <a:rPr lang="zh-CN" altLang="en-US" smtClean="0"/>
-              <a:t>2022/4/12</a:t>
+              <a:t>2022/4/13</a:t>
             </a:fld>
             <a:endParaRPr lang="zh-CN" altLang="en-US"/>
           </a:p>
@@ -4330,7 +4330,7 @@
           <a:p>
             <a:fld id="{421E9E4D-0BE1-4AAA-A57B-DA425863F4AF}" type="datetimeFigureOut">
               <a:rPr lang="zh-CN" altLang="en-US" smtClean="0"/>
-              <a:t>2022/4/12</a:t>
+              <a:t>2022/4/13</a:t>
             </a:fld>
             <a:endParaRPr lang="zh-CN" altLang="en-US"/>
           </a:p>
@@ -4580,7 +4580,7 @@
           <a:p>
             <a:fld id="{421E9E4D-0BE1-4AAA-A57B-DA425863F4AF}" type="datetimeFigureOut">
               <a:rPr lang="zh-CN" altLang="en-US" smtClean="0"/>
-              <a:t>2022/4/12</a:t>
+              <a:t>2022/4/13</a:t>
             </a:fld>
             <a:endParaRPr lang="zh-CN" altLang="en-US"/>
           </a:p>
@@ -4798,7 +4798,7 @@
           <a:p>
             <a:fld id="{421E9E4D-0BE1-4AAA-A57B-DA425863F4AF}" type="datetimeFigureOut">
               <a:rPr lang="zh-CN" altLang="en-US" smtClean="0"/>
-              <a:t>2022/4/12</a:t>
+              <a:t>2022/4/13</a:t>
             </a:fld>
             <a:endParaRPr lang="zh-CN" altLang="en-US"/>
           </a:p>
@@ -5505,12 +5505,12 @@
   </p:clrMapOvr>
   <mc:AlternateContent xmlns:mc="http://schemas.openxmlformats.org/markup-compatibility/2006" xmlns:p14="http://schemas.microsoft.com/office/powerpoint/2010/main">
     <mc:Choice Requires="p14">
-      <p:transition spd="slow" p14:dur="4000" advTm="2903">
+      <p:transition spd="slow" p14:dur="4000" advTm="4326">
         <p14:vortex dir="r"/>
       </p:transition>
     </mc:Choice>
     <mc:Fallback xmlns="">
-      <p:transition spd="slow" advTm="2903">
+      <p:transition spd="slow" advTm="4326">
         <p:fade/>
       </p:transition>
     </mc:Fallback>
@@ -5833,7 +5833,7 @@
   <p:clrMapOvr>
     <a:masterClrMapping/>
   </p:clrMapOvr>
-  <p:transition spd="slow" advTm="12623">
+  <p:transition spd="slow" advTm="21723">
     <p:pull/>
   </p:transition>
 </p:sld>
@@ -6146,7 +6146,7 @@
   <p:clrMapOvr>
     <a:masterClrMapping/>
   </p:clrMapOvr>
-  <p:transition spd="slow" advTm="12623">
+  <p:transition spd="slow" advTm="16963">
     <p:pull/>
   </p:transition>
 </p:sld>
@@ -6363,7 +6363,7 @@
   <p:clrMapOvr>
     <a:masterClrMapping/>
   </p:clrMapOvr>
-  <p:transition spd="slow" advTm="12623">
+  <p:transition spd="slow" advTm="1352">
     <p:pull/>
   </p:transition>
   <p:timing>
@@ -7076,7 +7076,7 @@
         <p:spPr>
           <a:xfrm>
             <a:off x="646880" y="1048931"/>
-            <a:ext cx="7762853" cy="3497111"/>
+            <a:ext cx="7762853" cy="3866443"/>
           </a:xfrm>
           <a:prstGeom prst="rect">
             <a:avLst/>
@@ -7182,7 +7182,7 @@
               <a:rPr lang="zh-CN" altLang="en-US" sz="1600" dirty="0">
                 <a:latin typeface="+mn-ea"/>
               </a:rPr>
-              <a:t>脚本处理导入数据库</a:t>
+              <a:t>脚本处理导入数据库、部分科目数据展现形式。</a:t>
             </a:r>
             <a:endParaRPr lang="en-US" altLang="zh-CN" sz="1600" dirty="0">
               <a:latin typeface="+mn-ea"/>
@@ -7246,7 +7246,7 @@
                 <a:latin typeface="+mn-ea"/>
                 <a:cs typeface="Times New Roman" panose="02020603050405020304" pitchFamily="18" charset="0"/>
               </a:rPr>
-              <a:t>内容较长，在数据量大的情况下，可能存在性能问题，后续需要继续优化</a:t>
+              <a:t>内容较长，在数据量大的情况下，存在性能问题，后续需要继续优化</a:t>
             </a:r>
             <a:endParaRPr lang="en-US" altLang="zh-CN" sz="1600" dirty="0">
               <a:latin typeface="+mn-ea"/>
@@ -8814,7 +8814,7 @@
   <p:clrMapOvr>
     <a:masterClrMapping/>
   </p:clrMapOvr>
-  <p:transition spd="slow" advTm="12623">
+  <p:transition spd="slow" advTm="33">
     <p:pull/>
   </p:transition>
 </p:sld>
@@ -9304,7 +9304,7 @@
   <p:clrMapOvr>
     <a:masterClrMapping/>
   </p:clrMapOvr>
-  <p:transition spd="slow" advTm="12623">
+  <p:transition spd="slow" advTm="697">
     <p:pull/>
   </p:transition>
 </p:sld>
@@ -9497,7 +9497,7 @@
   <p:clrMapOvr>
     <a:masterClrMapping/>
   </p:clrMapOvr>
-  <p:transition spd="slow" advTm="12623">
+  <p:transition spd="slow" advTm="2401">
     <p:pull/>
   </p:transition>
 </p:sld>
@@ -9756,7 +9756,7 @@
           <p:nvPr/>
         </p:nvPicPr>
         <p:blipFill>
-          <a:blip r:embed="rId3" cstate="print">
+          <a:blip r:embed="rId4" cstate="print">
             <a:extLst>
               <a:ext uri="{28A0092B-C50C-407E-A947-70E740481C1C}">
                 <a14:useLocalDpi xmlns:a14="http://schemas.microsoft.com/office/drawing/2010/main" val="0"/>
@@ -9798,13 +9798,13 @@
           <p:nvPr/>
         </p:nvPicPr>
         <p:blipFill>
-          <a:blip r:embed="rId4">
+          <a:blip r:embed="rId5">
             <a:extLst>
               <a:ext uri="{28A0092B-C50C-407E-A947-70E740481C1C}">
                 <a14:useLocalDpi xmlns:a14="http://schemas.microsoft.com/office/drawing/2010/main" val="0"/>
               </a:ext>
               <a:ext uri="{96DAC541-7B7A-43D3-8B79-37D633B846F1}">
-                <asvg:svgBlip xmlns:asvg="http://schemas.microsoft.com/office/drawing/2016/SVG/main" r:embed="rId5"/>
+                <asvg:svgBlip xmlns:asvg="http://schemas.microsoft.com/office/drawing/2016/SVG/main" r:embed="rId6"/>
               </a:ext>
             </a:extLst>
           </a:blip>
@@ -9831,94 +9831,6 @@
             <a:extLst>
               <a:ext uri="{FF2B5EF4-FFF2-40B4-BE49-F238E27FC236}">
                 <a16:creationId xmlns:a16="http://schemas.microsoft.com/office/drawing/2014/main" id="{7767EC06-198F-413F-B53C-AAC664E73265}"/>
-              </a:ext>
-            </a:extLst>
-          </p:cNvPr>
-          <p:cNvPicPr>
-            <a:picLocks noChangeAspect="1"/>
-          </p:cNvPicPr>
-          <p:nvPr/>
-        </p:nvPicPr>
-        <p:blipFill>
-          <a:blip r:embed="rId6" cstate="print">
-            <a:extLst>
-              <a:ext uri="{28A0092B-C50C-407E-A947-70E740481C1C}">
-                <a14:useLocalDpi xmlns:a14="http://schemas.microsoft.com/office/drawing/2010/main" val="0"/>
-              </a:ext>
-            </a:extLst>
-          </a:blip>
-          <a:stretch>
-            <a:fillRect/>
-          </a:stretch>
-        </p:blipFill>
-        <p:spPr>
-          <a:xfrm>
-            <a:off x="241184" y="2745529"/>
-            <a:ext cx="1308337" cy="1265118"/>
-          </a:xfrm>
-          <a:prstGeom prst="ellipse">
-            <a:avLst/>
-          </a:prstGeom>
-          <a:ln>
-            <a:noFill/>
-          </a:ln>
-          <a:effectLst>
-            <a:softEdge rad="112500"/>
-          </a:effectLst>
-        </p:spPr>
-      </p:pic>
-      <p:sp>
-        <p:nvSpPr>
-          <p:cNvPr id="13" name="箭头: 左右 12">
-            <a:extLst>
-              <a:ext uri="{FF2B5EF4-FFF2-40B4-BE49-F238E27FC236}">
-                <a16:creationId xmlns:a16="http://schemas.microsoft.com/office/drawing/2014/main" id="{B88CE473-A269-44EA-9500-C1E1237DB8C3}"/>
-              </a:ext>
-            </a:extLst>
-          </p:cNvPr>
-          <p:cNvSpPr/>
-          <p:nvPr/>
-        </p:nvSpPr>
-        <p:spPr>
-          <a:xfrm>
-            <a:off x="1520128" y="3177357"/>
-            <a:ext cx="1247685" cy="356461"/>
-          </a:xfrm>
-          <a:prstGeom prst="leftRightArrow">
-            <a:avLst/>
-          </a:prstGeom>
-        </p:spPr>
-        <p:style>
-          <a:lnRef idx="2">
-            <a:schemeClr val="accent1">
-              <a:shade val="50000"/>
-            </a:schemeClr>
-          </a:lnRef>
-          <a:fillRef idx="1">
-            <a:schemeClr val="accent1"/>
-          </a:fillRef>
-          <a:effectRef idx="0">
-            <a:schemeClr val="accent1"/>
-          </a:effectRef>
-          <a:fontRef idx="minor">
-            <a:schemeClr val="lt1"/>
-          </a:fontRef>
-        </p:style>
-        <p:txBody>
-          <a:bodyPr rtlCol="0" anchor="ctr"/>
-          <a:lstStyle/>
-          <a:p>
-            <a:pPr algn="ctr"/>
-            <a:endParaRPr lang="zh-CN" altLang="en-US"/>
-          </a:p>
-        </p:txBody>
-      </p:sp>
-      <p:pic>
-        <p:nvPicPr>
-          <p:cNvPr id="14" name="图片 13">
-            <a:extLst>
-              <a:ext uri="{FF2B5EF4-FFF2-40B4-BE49-F238E27FC236}">
-                <a16:creationId xmlns:a16="http://schemas.microsoft.com/office/drawing/2014/main" id="{25923352-456B-440C-886F-CD926A0BBF6D}"/>
               </a:ext>
             </a:extLst>
           </p:cNvPr>
@@ -9941,8 +9853,8 @@
         </p:blipFill>
         <p:spPr>
           <a:xfrm>
-            <a:off x="1666498" y="2745529"/>
-            <a:ext cx="986289" cy="535024"/>
+            <a:off x="241184" y="2745529"/>
+            <a:ext cx="1308337" cy="1265118"/>
           </a:xfrm>
           <a:prstGeom prst="ellipse">
             <a:avLst/>
@@ -9955,64 +9867,12 @@
           </a:effectLst>
         </p:spPr>
       </p:pic>
-      <p:pic>
-        <p:nvPicPr>
-          <p:cNvPr id="15" name="Picture 1">
+      <p:sp>
+        <p:nvSpPr>
+          <p:cNvPr id="13" name="箭头: 左右 12">
             <a:extLst>
               <a:ext uri="{FF2B5EF4-FFF2-40B4-BE49-F238E27FC236}">
-                <a16:creationId xmlns:a16="http://schemas.microsoft.com/office/drawing/2014/main" id="{39B05AA9-A317-436B-B0D3-F5317708E0AF}"/>
-              </a:ext>
-            </a:extLst>
-          </p:cNvPr>
-          <p:cNvPicPr>
-            <a:picLocks noChangeAspect="1" noChangeArrowheads="1"/>
-          </p:cNvPicPr>
-          <p:nvPr/>
-        </p:nvPicPr>
-        <p:blipFill>
-          <a:blip r:embed="rId8">
-            <a:extLst>
-              <a:ext uri="{28A0092B-C50C-407E-A947-70E740481C1C}">
-                <a14:useLocalDpi xmlns:a14="http://schemas.microsoft.com/office/drawing/2010/main" val="0"/>
-              </a:ext>
-            </a:extLst>
-          </a:blip>
-          <a:srcRect/>
-          <a:stretch>
-            <a:fillRect/>
-          </a:stretch>
-        </p:blipFill>
-        <p:spPr bwMode="auto">
-          <a:xfrm>
-            <a:off x="2758585" y="2733818"/>
-            <a:ext cx="2586754" cy="1265118"/>
-          </a:xfrm>
-          <a:prstGeom prst="ellipse">
-            <a:avLst/>
-          </a:prstGeom>
-          <a:ln>
-            <a:noFill/>
-          </a:ln>
-          <a:effectLst>
-            <a:softEdge rad="112500"/>
-          </a:effectLst>
-          <a:extLst>
-            <a:ext uri="{909E8E84-426E-40DD-AFC4-6F175D3DCCD1}">
-              <a14:hiddenFill xmlns:a14="http://schemas.microsoft.com/office/drawing/2010/main">
-                <a:solidFill>
-                  <a:srgbClr val="FFFFFF"/>
-                </a:solidFill>
-              </a14:hiddenFill>
-            </a:ext>
-          </a:extLst>
-        </p:spPr>
-      </p:pic>
-      <p:sp>
-        <p:nvSpPr>
-          <p:cNvPr id="16" name="箭头: 左右 15">
-            <a:extLst>
-              <a:ext uri="{FF2B5EF4-FFF2-40B4-BE49-F238E27FC236}">
-                <a16:creationId xmlns:a16="http://schemas.microsoft.com/office/drawing/2014/main" id="{ED4D1551-B904-48B5-B080-F0FC03D12881}"/>
+                <a16:creationId xmlns:a16="http://schemas.microsoft.com/office/drawing/2014/main" id="{B88CE473-A269-44EA-9500-C1E1237DB8C3}"/>
               </a:ext>
             </a:extLst>
           </p:cNvPr>
@@ -10021,8 +9881,8 @@
         </p:nvSpPr>
         <p:spPr>
           <a:xfrm>
-            <a:off x="5451137" y="3177357"/>
-            <a:ext cx="1467294" cy="446580"/>
+            <a:off x="1520128" y="3177357"/>
+            <a:ext cx="1247685" cy="356461"/>
           </a:xfrm>
           <a:prstGeom prst="leftRightArrow">
             <a:avLst/>
@@ -10055,10 +9915,52 @@
       </p:sp>
       <p:pic>
         <p:nvPicPr>
-          <p:cNvPr id="17" name="Picture 2">
+          <p:cNvPr id="14" name="图片 13">
             <a:extLst>
               <a:ext uri="{FF2B5EF4-FFF2-40B4-BE49-F238E27FC236}">
-                <a16:creationId xmlns:a16="http://schemas.microsoft.com/office/drawing/2014/main" id="{8066AF69-867E-4615-AD8E-D694ACE71FFC}"/>
+                <a16:creationId xmlns:a16="http://schemas.microsoft.com/office/drawing/2014/main" id="{25923352-456B-440C-886F-CD926A0BBF6D}"/>
+              </a:ext>
+            </a:extLst>
+          </p:cNvPr>
+          <p:cNvPicPr>
+            <a:picLocks noChangeAspect="1"/>
+          </p:cNvPicPr>
+          <p:nvPr/>
+        </p:nvPicPr>
+        <p:blipFill>
+          <a:blip r:embed="rId8" cstate="print">
+            <a:extLst>
+              <a:ext uri="{28A0092B-C50C-407E-A947-70E740481C1C}">
+                <a14:useLocalDpi xmlns:a14="http://schemas.microsoft.com/office/drawing/2010/main" val="0"/>
+              </a:ext>
+            </a:extLst>
+          </a:blip>
+          <a:stretch>
+            <a:fillRect/>
+          </a:stretch>
+        </p:blipFill>
+        <p:spPr>
+          <a:xfrm>
+            <a:off x="1666498" y="2745529"/>
+            <a:ext cx="986289" cy="535024"/>
+          </a:xfrm>
+          <a:prstGeom prst="ellipse">
+            <a:avLst/>
+          </a:prstGeom>
+          <a:ln>
+            <a:noFill/>
+          </a:ln>
+          <a:effectLst>
+            <a:softEdge rad="112500"/>
+          </a:effectLst>
+        </p:spPr>
+      </p:pic>
+      <p:pic>
+        <p:nvPicPr>
+          <p:cNvPr id="15" name="Picture 1">
+            <a:extLst>
+              <a:ext uri="{FF2B5EF4-FFF2-40B4-BE49-F238E27FC236}">
+                <a16:creationId xmlns:a16="http://schemas.microsoft.com/office/drawing/2014/main" id="{39B05AA9-A317-436B-B0D3-F5317708E0AF}"/>
               </a:ext>
             </a:extLst>
           </p:cNvPr>
@@ -10082,8 +9984,8 @@
         </p:blipFill>
         <p:spPr bwMode="auto">
           <a:xfrm>
-            <a:off x="5451137" y="2658695"/>
-            <a:ext cx="1467294" cy="621858"/>
+            <a:off x="2758585" y="2733818"/>
+            <a:ext cx="2586754" cy="1265118"/>
           </a:xfrm>
           <a:prstGeom prst="ellipse">
             <a:avLst/>
@@ -10107,6 +10009,104 @@
       </p:pic>
       <p:sp>
         <p:nvSpPr>
+          <p:cNvPr id="16" name="箭头: 左右 15">
+            <a:extLst>
+              <a:ext uri="{FF2B5EF4-FFF2-40B4-BE49-F238E27FC236}">
+                <a16:creationId xmlns:a16="http://schemas.microsoft.com/office/drawing/2014/main" id="{ED4D1551-B904-48B5-B080-F0FC03D12881}"/>
+              </a:ext>
+            </a:extLst>
+          </p:cNvPr>
+          <p:cNvSpPr/>
+          <p:nvPr/>
+        </p:nvSpPr>
+        <p:spPr>
+          <a:xfrm>
+            <a:off x="5451137" y="3177357"/>
+            <a:ext cx="1467294" cy="446580"/>
+          </a:xfrm>
+          <a:prstGeom prst="leftRightArrow">
+            <a:avLst/>
+          </a:prstGeom>
+        </p:spPr>
+        <p:style>
+          <a:lnRef idx="2">
+            <a:schemeClr val="accent1">
+              <a:shade val="50000"/>
+            </a:schemeClr>
+          </a:lnRef>
+          <a:fillRef idx="1">
+            <a:schemeClr val="accent1"/>
+          </a:fillRef>
+          <a:effectRef idx="0">
+            <a:schemeClr val="accent1"/>
+          </a:effectRef>
+          <a:fontRef idx="minor">
+            <a:schemeClr val="lt1"/>
+          </a:fontRef>
+        </p:style>
+        <p:txBody>
+          <a:bodyPr rtlCol="0" anchor="ctr"/>
+          <a:lstStyle/>
+          <a:p>
+            <a:pPr algn="ctr"/>
+            <a:endParaRPr lang="zh-CN" altLang="en-US"/>
+          </a:p>
+        </p:txBody>
+      </p:sp>
+      <p:pic>
+        <p:nvPicPr>
+          <p:cNvPr id="17" name="Picture 2">
+            <a:extLst>
+              <a:ext uri="{FF2B5EF4-FFF2-40B4-BE49-F238E27FC236}">
+                <a16:creationId xmlns:a16="http://schemas.microsoft.com/office/drawing/2014/main" id="{8066AF69-867E-4615-AD8E-D694ACE71FFC}"/>
+              </a:ext>
+            </a:extLst>
+          </p:cNvPr>
+          <p:cNvPicPr>
+            <a:picLocks noChangeAspect="1" noChangeArrowheads="1"/>
+          </p:cNvPicPr>
+          <p:nvPr/>
+        </p:nvPicPr>
+        <p:blipFill>
+          <a:blip r:embed="rId10">
+            <a:extLst>
+              <a:ext uri="{28A0092B-C50C-407E-A947-70E740481C1C}">
+                <a14:useLocalDpi xmlns:a14="http://schemas.microsoft.com/office/drawing/2010/main" val="0"/>
+              </a:ext>
+            </a:extLst>
+          </a:blip>
+          <a:srcRect/>
+          <a:stretch>
+            <a:fillRect/>
+          </a:stretch>
+        </p:blipFill>
+        <p:spPr bwMode="auto">
+          <a:xfrm>
+            <a:off x="5451137" y="2658695"/>
+            <a:ext cx="1467294" cy="621858"/>
+          </a:xfrm>
+          <a:prstGeom prst="ellipse">
+            <a:avLst/>
+          </a:prstGeom>
+          <a:ln>
+            <a:noFill/>
+          </a:ln>
+          <a:effectLst>
+            <a:softEdge rad="112500"/>
+          </a:effectLst>
+          <a:extLst>
+            <a:ext uri="{909E8E84-426E-40DD-AFC4-6F175D3DCCD1}">
+              <a14:hiddenFill xmlns:a14="http://schemas.microsoft.com/office/drawing/2010/main">
+                <a:solidFill>
+                  <a:srgbClr val="FFFFFF"/>
+                </a:solidFill>
+              </a14:hiddenFill>
+            </a:ext>
+          </a:extLst>
+        </p:spPr>
+      </p:pic>
+      <p:sp>
+        <p:nvSpPr>
           <p:cNvPr id="18" name="AutoShape 4">
             <a:extLst>
               <a:ext uri="{FF2B5EF4-FFF2-40B4-BE49-F238E27FC236}">
@@ -10210,7 +10210,7 @@
           <p:nvPr/>
         </p:nvPicPr>
         <p:blipFill>
-          <a:blip r:embed="rId10">
+          <a:blip r:embed="rId11">
             <a:extLst>
               <a:ext uri="{28A0092B-C50C-407E-A947-70E740481C1C}">
                 <a14:useLocalDpi xmlns:a14="http://schemas.microsoft.com/office/drawing/2010/main" val="0"/>
@@ -11196,6 +11196,9 @@
         </a:graphic>
       </p:graphicFrame>
     </p:spTree>
+    <p:custDataLst>
+      <p:tags r:id="rId1"/>
+    </p:custDataLst>
     <p:extLst>
       <p:ext uri="{BB962C8B-B14F-4D97-AF65-F5344CB8AC3E}">
         <p14:creationId xmlns:p14="http://schemas.microsoft.com/office/powerpoint/2010/main" val="3388579446"/>
@@ -11205,7 +11208,7 @@
   <p:clrMapOvr>
     <a:masterClrMapping/>
   </p:clrMapOvr>
-  <p:transition spd="slow" advClick="0" advTm="7689">
+  <p:transition spd="slow" advClick="0" advTm="1736">
     <p:wipe/>
   </p:transition>
   <p:timing>
@@ -11538,7 +11541,7 @@
   <p:clrMapOvr>
     <a:masterClrMapping/>
   </p:clrMapOvr>
-  <p:transition spd="slow" advTm="12623">
+  <p:transition spd="slow" advTm="17007">
     <p:pull/>
   </p:transition>
 </p:sld>
@@ -11837,7 +11840,7 @@
   <p:clrMapOvr>
     <a:masterClrMapping/>
   </p:clrMapOvr>
-  <p:transition spd="slow" advTm="12623">
+  <p:transition spd="slow" advTm="8964">
     <p:pull/>
   </p:transition>
 </p:sld>
@@ -12136,7 +12139,7 @@
   <p:clrMapOvr>
     <a:masterClrMapping/>
   </p:clrMapOvr>
-  <p:transition spd="slow" advTm="12623">
+  <p:transition spd="slow" advTm="7066">
     <p:pull/>
   </p:transition>
 </p:sld>
@@ -12417,8 +12420,8 @@
         </p:blipFill>
         <p:spPr bwMode="auto">
           <a:xfrm>
-            <a:off x="1342509" y="1127054"/>
-            <a:ext cx="5531258" cy="3878498"/>
+            <a:off x="1129675" y="1182233"/>
+            <a:ext cx="5901746" cy="3878498"/>
           </a:xfrm>
           <a:prstGeom prst="rect">
             <a:avLst/>
@@ -12461,7 +12464,7 @@
   <p:clrMapOvr>
     <a:masterClrMapping/>
   </p:clrMapOvr>
-  <p:transition spd="slow" advTm="12623">
+  <p:transition spd="slow" advTm="46974">
     <p:pull/>
   </p:transition>
 </p:sld>
@@ -12494,6 +12497,12 @@
 <file path=ppt/tags/tag13.xml><?xml version="1.0" encoding="utf-8"?>
 <p:tagLst xmlns:a="http://schemas.openxmlformats.org/drawingml/2006/main" xmlns:r="http://schemas.openxmlformats.org/officeDocument/2006/relationships" xmlns:p="http://schemas.openxmlformats.org/presentationml/2006/main">
   <p:tag name="SELECTED" val="True"/>
+</p:tagLst>
+</file>
+
+<file path=ppt/tags/tag14.xml><?xml version="1.0" encoding="utf-8"?>
+<p:tagLst xmlns:a="http://schemas.openxmlformats.org/drawingml/2006/main" xmlns:r="http://schemas.openxmlformats.org/officeDocument/2006/relationships" xmlns:p="http://schemas.openxmlformats.org/presentationml/2006/main">
+  <p:tag name="SELECTED" val="True"/>
   <p:tag name="TIMING" val="|0.3"/>
 </p:tagLst>
 </file>
@@ -12512,7 +12521,7 @@
 
 <file path=ppt/tags/tag4.xml><?xml version="1.0" encoding="utf-8"?>
 <p:tagLst xmlns:a="http://schemas.openxmlformats.org/drawingml/2006/main" xmlns:r="http://schemas.openxmlformats.org/officeDocument/2006/relationships" xmlns:p="http://schemas.openxmlformats.org/presentationml/2006/main">
-  <p:tag name="SELECTED" val="True"/>
+  <p:tag name="TIMING" val="|1.2"/>
 </p:tagLst>
 </file>
 
@@ -12551,7 +12560,7 @@
   <a:themeElements>
     <a:clrScheme name="夏至">
       <a:dk1>
-        <a:sysClr val="windowText" lastClr="000000"/>
+        <a:sysClr val="windowText" lastClr="5C616C"/>
       </a:dk1>
       <a:lt1>
         <a:sysClr val="window" lastClr="FFFFFF"/>
@@ -12841,7 +12850,7 @@
   <a:themeElements>
     <a:clrScheme name="Office">
       <a:dk1>
-        <a:sysClr val="windowText" lastClr="000000"/>
+        <a:sysClr val="windowText" lastClr="5C616C"/>
       </a:dk1>
       <a:lt1>
         <a:sysClr val="window" lastClr="FFFFFF"/>
